--- a/To-Do List第三阶段汇报PPT.pptx
+++ b/To-Do List第三阶段汇报PPT.pptx
@@ -3,34 +3,34 @@
 <p:presentation xmlns:a="http://schemas.openxmlformats.org/drawingml/2006/main" xmlns:r="http://schemas.openxmlformats.org/officeDocument/2006/relationships" xmlns:p="http://schemas.openxmlformats.org/presentationml/2006/main" showSpecialPlsOnTitleSld="0">
   <p:sldMasterIdLst>
     <p:sldMasterId id="2147483648" r:id="rId1"/>
-    <p:sldMasterId id="2147483669" r:id="rId2"/>
+    <p:sldMasterId id="2147483669" r:id="rId3"/>
   </p:sldMasterIdLst>
   <p:notesMasterIdLst>
-    <p:notesMasterId r:id="rId17"/>
+    <p:notesMasterId r:id="rId5"/>
   </p:notesMasterIdLst>
   <p:handoutMasterIdLst>
-    <p:handoutMasterId r:id="rId18"/>
+    <p:handoutMasterId r:id="rId19"/>
   </p:handoutMasterIdLst>
   <p:sldIdLst>
-    <p:sldId id="3331" r:id="rId3"/>
-    <p:sldId id="3337" r:id="rId4"/>
-    <p:sldId id="3332" r:id="rId5"/>
-    <p:sldId id="1069" r:id="rId6"/>
-    <p:sldId id="1059" r:id="rId7"/>
-    <p:sldId id="3333" r:id="rId8"/>
-    <p:sldId id="3339" r:id="rId9"/>
-    <p:sldId id="3338" r:id="rId10"/>
-    <p:sldId id="1065" r:id="rId11"/>
-    <p:sldId id="3334" r:id="rId12"/>
-    <p:sldId id="1067" r:id="rId13"/>
-    <p:sldId id="3335" r:id="rId14"/>
-    <p:sldId id="1068" r:id="rId15"/>
-    <p:sldId id="3336" r:id="rId16"/>
+    <p:sldId id="3331" r:id="rId4"/>
+    <p:sldId id="3337" r:id="rId6"/>
+    <p:sldId id="3332" r:id="rId7"/>
+    <p:sldId id="1069" r:id="rId8"/>
+    <p:sldId id="1059" r:id="rId9"/>
+    <p:sldId id="3333" r:id="rId10"/>
+    <p:sldId id="3339" r:id="rId11"/>
+    <p:sldId id="3338" r:id="rId12"/>
+    <p:sldId id="1065" r:id="rId13"/>
+    <p:sldId id="3334" r:id="rId14"/>
+    <p:sldId id="1067" r:id="rId15"/>
+    <p:sldId id="3335" r:id="rId16"/>
+    <p:sldId id="1068" r:id="rId17"/>
+    <p:sldId id="3336" r:id="rId18"/>
   </p:sldIdLst>
   <p:sldSz cx="9144000" cy="5143500" type="screen16x9"/>
   <p:notesSz cx="6858000" cy="9144000"/>
   <p:custDataLst>
-    <p:tags r:id="rId19"/>
+    <p:tags r:id="rId23"/>
   </p:custDataLst>
   <p:defaultTextStyle>
     <a:defPPr>
@@ -130,12 +130,12 @@
   <p:extLst>
     <p:ext uri="{EFAFB233-063F-42B5-8137-9DF3F51BA10A}">
       <p15:sldGuideLst xmlns:p15="http://schemas.microsoft.com/office/powerpoint/2012/main">
-        <p15:guide id="1" orient="horz" pos="1592">
+        <p15:guide id="1" orient="horz" pos="1609" userDrawn="1">
           <p15:clr>
             <a:srgbClr val="A4A3A4"/>
           </p15:clr>
         </p15:guide>
-        <p15:guide id="2" pos="2885">
+        <p15:guide id="2" pos="2855" userDrawn="1">
           <p15:clr>
             <a:srgbClr val="A4A3A4"/>
           </p15:clr>
@@ -228,7 +228,6 @@
           <a:p>
             <a:fld id="{0F9B84EA-7D68-4D60-9CB1-D50884785D1C}" type="datetimeFigureOut">
               <a:rPr lang="zh-CN" altLang="en-US" smtClean="0"/>
-              <a:t>2023/6/16</a:t>
             </a:fld>
             <a:endParaRPr lang="zh-CN" altLang="en-US"/>
           </a:p>
@@ -294,18 +293,12 @@
           <a:p>
             <a:fld id="{8D4E0FC9-F1F8-4FAE-9988-3BA365CFD46F}" type="slidenum">
               <a:rPr lang="zh-CN" altLang="en-US" smtClean="0"/>
-              <a:t>‹#›</a:t>
             </a:fld>
             <a:endParaRPr lang="zh-CN" altLang="en-US"/>
           </a:p>
         </p:txBody>
       </p:sp>
     </p:spTree>
-    <p:extLst>
-      <p:ext uri="{BB962C8B-B14F-4D97-AF65-F5344CB8AC3E}">
-        <p14:creationId xmlns:p14="http://schemas.microsoft.com/office/powerpoint/2010/main" val="60708245"/>
-      </p:ext>
-    </p:extLst>
   </p:cSld>
   <p:clrMap bg1="lt1" tx1="dk1" bg2="lt2" tx2="dk2" accent1="accent1" accent2="accent2" accent3="accent3" accent4="accent4" accent5="accent5" accent6="accent6" hlink="hlink" folHlink="folHlink"/>
 </p:handoutMaster>
@@ -393,7 +386,6 @@
           <a:p>
             <a:fld id="{AD4A3340-C542-46E3-BB6B-1E3F28D53E89}" type="datetimeFigureOut">
               <a:rPr lang="zh-CN" altLang="en-US" smtClean="0"/>
-              <a:t>2023/6/16</a:t>
             </a:fld>
             <a:endParaRPr lang="zh-CN" altLang="en-US"/>
           </a:p>
@@ -460,6 +452,7 @@
               <a:rPr lang="zh-CN" altLang="en-US"/>
               <a:t>编辑母版文本样式</a:t>
             </a:r>
+            <a:endParaRPr lang="zh-CN" altLang="en-US"/>
           </a:p>
           <a:p>
             <a:pPr lvl="1"/>
@@ -467,6 +460,7 @@
               <a:rPr lang="zh-CN" altLang="en-US"/>
               <a:t>第二级</a:t>
             </a:r>
+            <a:endParaRPr lang="zh-CN" altLang="en-US"/>
           </a:p>
           <a:p>
             <a:pPr lvl="2"/>
@@ -474,6 +468,7 @@
               <a:rPr lang="zh-CN" altLang="en-US"/>
               <a:t>第三级</a:t>
             </a:r>
+            <a:endParaRPr lang="zh-CN" altLang="en-US"/>
           </a:p>
           <a:p>
             <a:pPr lvl="3"/>
@@ -481,6 +476,7 @@
               <a:rPr lang="zh-CN" altLang="en-US"/>
               <a:t>第四级</a:t>
             </a:r>
+            <a:endParaRPr lang="zh-CN" altLang="en-US"/>
           </a:p>
           <a:p>
             <a:pPr lvl="4"/>
@@ -488,6 +484,7 @@
               <a:rPr lang="zh-CN" altLang="en-US"/>
               <a:t>第五级</a:t>
             </a:r>
+            <a:endParaRPr lang="zh-CN" altLang="en-US"/>
           </a:p>
         </p:txBody>
       </p:sp>
@@ -551,18 +548,12 @@
           <a:p>
             <a:fld id="{93EAA4AF-B0AE-42C7-9AD8-C74E868F5800}" type="slidenum">
               <a:rPr lang="zh-CN" altLang="en-US" smtClean="0"/>
-              <a:t>‹#›</a:t>
             </a:fld>
             <a:endParaRPr lang="zh-CN" altLang="en-US"/>
           </a:p>
         </p:txBody>
       </p:sp>
     </p:spTree>
-    <p:extLst>
-      <p:ext uri="{BB962C8B-B14F-4D97-AF65-F5344CB8AC3E}">
-        <p14:creationId xmlns:p14="http://schemas.microsoft.com/office/powerpoint/2010/main" val="2614867591"/>
-      </p:ext>
-    </p:extLst>
   </p:cSld>
   <p:clrMap bg1="lt1" tx1="dk1" bg2="lt2" tx2="dk2" accent1="accent1" accent2="accent2" accent3="accent3" accent4="accent4" accent5="accent5" accent6="accent6" hlink="hlink" folHlink="folHlink"/>
   <p:notesStyle>
@@ -730,18 +721,12 @@
           <a:p>
             <a:fld id="{FE3C19EA-75F7-469A-9304-1B2BFF998463}" type="slidenum">
               <a:rPr lang="zh-CN" altLang="en-US" smtClean="0"/>
-              <a:t>1</a:t>
             </a:fld>
             <a:endParaRPr lang="zh-CN" altLang="en-US"/>
           </a:p>
         </p:txBody>
       </p:sp>
     </p:spTree>
-    <p:extLst>
-      <p:ext uri="{BB962C8B-B14F-4D97-AF65-F5344CB8AC3E}">
-        <p14:creationId xmlns:p14="http://schemas.microsoft.com/office/powerpoint/2010/main" val="2742587505"/>
-      </p:ext>
-    </p:extLst>
   </p:cSld>
   <p:clrMapOvr>
     <a:masterClrMapping/>
@@ -819,18 +804,12 @@
           <a:p>
             <a:fld id="{FE3C19EA-75F7-469A-9304-1B2BFF998463}" type="slidenum">
               <a:rPr lang="zh-CN" altLang="en-US" smtClean="0"/>
-              <a:t>10</a:t>
             </a:fld>
             <a:endParaRPr lang="zh-CN" altLang="en-US"/>
           </a:p>
         </p:txBody>
       </p:sp>
     </p:spTree>
-    <p:extLst>
-      <p:ext uri="{BB962C8B-B14F-4D97-AF65-F5344CB8AC3E}">
-        <p14:creationId xmlns:p14="http://schemas.microsoft.com/office/powerpoint/2010/main" val="1977640691"/>
-      </p:ext>
-    </p:extLst>
   </p:cSld>
   <p:clrMapOvr>
     <a:masterClrMapping/>
@@ -908,18 +887,12 @@
           <a:p>
             <a:fld id="{A2784203-20BB-4E94-8778-90C0AA34F379}" type="slidenum">
               <a:rPr lang="zh-CN" altLang="en-US" smtClean="0"/>
-              <a:t>11</a:t>
             </a:fld>
             <a:endParaRPr lang="zh-CN" altLang="en-US"/>
           </a:p>
         </p:txBody>
       </p:sp>
     </p:spTree>
-    <p:extLst>
-      <p:ext uri="{BB962C8B-B14F-4D97-AF65-F5344CB8AC3E}">
-        <p14:creationId xmlns:p14="http://schemas.microsoft.com/office/powerpoint/2010/main" val="503772762"/>
-      </p:ext>
-    </p:extLst>
   </p:cSld>
   <p:clrMapOvr>
     <a:masterClrMapping/>
@@ -997,18 +970,12 @@
           <a:p>
             <a:fld id="{FE3C19EA-75F7-469A-9304-1B2BFF998463}" type="slidenum">
               <a:rPr lang="zh-CN" altLang="en-US" smtClean="0"/>
-              <a:t>12</a:t>
             </a:fld>
             <a:endParaRPr lang="zh-CN" altLang="en-US"/>
           </a:p>
         </p:txBody>
       </p:sp>
     </p:spTree>
-    <p:extLst>
-      <p:ext uri="{BB962C8B-B14F-4D97-AF65-F5344CB8AC3E}">
-        <p14:creationId xmlns:p14="http://schemas.microsoft.com/office/powerpoint/2010/main" val="3404493281"/>
-      </p:ext>
-    </p:extLst>
   </p:cSld>
   <p:clrMapOvr>
     <a:masterClrMapping/>
@@ -1081,18 +1048,12 @@
           <a:p>
             <a:fld id="{93EAA4AF-B0AE-42C7-9AD8-C74E868F5800}" type="slidenum">
               <a:rPr lang="zh-CN" altLang="en-US" smtClean="0"/>
-              <a:t>13</a:t>
             </a:fld>
             <a:endParaRPr lang="zh-CN" altLang="en-US"/>
           </a:p>
         </p:txBody>
       </p:sp>
     </p:spTree>
-    <p:extLst>
-      <p:ext uri="{BB962C8B-B14F-4D97-AF65-F5344CB8AC3E}">
-        <p14:creationId xmlns:p14="http://schemas.microsoft.com/office/powerpoint/2010/main" val="2659857077"/>
-      </p:ext>
-    </p:extLst>
   </p:cSld>
   <p:clrMapOvr>
     <a:masterClrMapping/>
@@ -1170,18 +1131,12 @@
           <a:p>
             <a:fld id="{FE3C19EA-75F7-469A-9304-1B2BFF998463}" type="slidenum">
               <a:rPr lang="zh-CN" altLang="en-US" smtClean="0"/>
-              <a:t>14</a:t>
             </a:fld>
             <a:endParaRPr lang="zh-CN" altLang="en-US"/>
           </a:p>
         </p:txBody>
       </p:sp>
     </p:spTree>
-    <p:extLst>
-      <p:ext uri="{BB962C8B-B14F-4D97-AF65-F5344CB8AC3E}">
-        <p14:creationId xmlns:p14="http://schemas.microsoft.com/office/powerpoint/2010/main" val="3346180416"/>
-      </p:ext>
-    </p:extLst>
   </p:cSld>
   <p:clrMapOvr>
     <a:masterClrMapping/>
@@ -1259,18 +1214,12 @@
           <a:p>
             <a:fld id="{714B3542-9305-48F3-9F36-5F01403ED0E7}" type="slidenum">
               <a:rPr lang="zh-CN" altLang="en-US" smtClean="0"/>
-              <a:t>2</a:t>
             </a:fld>
             <a:endParaRPr lang="zh-CN" altLang="en-US"/>
           </a:p>
         </p:txBody>
       </p:sp>
     </p:spTree>
-    <p:extLst>
-      <p:ext uri="{BB962C8B-B14F-4D97-AF65-F5344CB8AC3E}">
-        <p14:creationId xmlns:p14="http://schemas.microsoft.com/office/powerpoint/2010/main" val="1934549189"/>
-      </p:ext>
-    </p:extLst>
   </p:cSld>
   <p:clrMapOvr>
     <a:masterClrMapping/>
@@ -1348,18 +1297,12 @@
           <a:p>
             <a:fld id="{FE3C19EA-75F7-469A-9304-1B2BFF998463}" type="slidenum">
               <a:rPr lang="zh-CN" altLang="en-US" smtClean="0"/>
-              <a:t>3</a:t>
             </a:fld>
             <a:endParaRPr lang="zh-CN" altLang="en-US"/>
           </a:p>
         </p:txBody>
       </p:sp>
     </p:spTree>
-    <p:extLst>
-      <p:ext uri="{BB962C8B-B14F-4D97-AF65-F5344CB8AC3E}">
-        <p14:creationId xmlns:p14="http://schemas.microsoft.com/office/powerpoint/2010/main" val="2182722549"/>
-      </p:ext>
-    </p:extLst>
   </p:cSld>
   <p:clrMapOvr>
     <a:masterClrMapping/>
@@ -1432,18 +1375,12 @@
           <a:p>
             <a:fld id="{7795A699-AB68-4A20-99FB-6F69DC266D45}" type="slidenum">
               <a:rPr lang="zh-CN" altLang="en-US" smtClean="0"/>
-              <a:t>4</a:t>
             </a:fld>
             <a:endParaRPr lang="zh-CN" altLang="en-US"/>
           </a:p>
         </p:txBody>
       </p:sp>
     </p:spTree>
-    <p:extLst>
-      <p:ext uri="{BB962C8B-B14F-4D97-AF65-F5344CB8AC3E}">
-        <p14:creationId xmlns:p14="http://schemas.microsoft.com/office/powerpoint/2010/main" val="345036321"/>
-      </p:ext>
-    </p:extLst>
   </p:cSld>
   <p:clrMapOvr>
     <a:masterClrMapping/>
@@ -1516,18 +1453,12 @@
           <a:p>
             <a:fld id="{AB2A0F9D-3357-4A94-85C8-3B842B870DC6}" type="slidenum">
               <a:rPr lang="zh-CN" altLang="en-US" smtClean="0"/>
-              <a:t>5</a:t>
             </a:fld>
             <a:endParaRPr lang="zh-CN" altLang="en-US"/>
           </a:p>
         </p:txBody>
       </p:sp>
     </p:spTree>
-    <p:extLst>
-      <p:ext uri="{BB962C8B-B14F-4D97-AF65-F5344CB8AC3E}">
-        <p14:creationId xmlns:p14="http://schemas.microsoft.com/office/powerpoint/2010/main" val="4058992923"/>
-      </p:ext>
-    </p:extLst>
   </p:cSld>
   <p:clrMapOvr>
     <a:masterClrMapping/>
@@ -1605,18 +1536,12 @@
           <a:p>
             <a:fld id="{FE3C19EA-75F7-469A-9304-1B2BFF998463}" type="slidenum">
               <a:rPr lang="zh-CN" altLang="en-US" smtClean="0"/>
-              <a:t>6</a:t>
             </a:fld>
             <a:endParaRPr lang="zh-CN" altLang="en-US"/>
           </a:p>
         </p:txBody>
       </p:sp>
     </p:spTree>
-    <p:extLst>
-      <p:ext uri="{BB962C8B-B14F-4D97-AF65-F5344CB8AC3E}">
-        <p14:creationId xmlns:p14="http://schemas.microsoft.com/office/powerpoint/2010/main" val="3993649976"/>
-      </p:ext>
-    </p:extLst>
   </p:cSld>
   <p:clrMapOvr>
     <a:masterClrMapping/>
@@ -1689,18 +1614,12 @@
           <a:p>
             <a:fld id="{0E21FD59-C920-460C-B1C9-0346C59420B0}" type="slidenum">
               <a:rPr lang="zh-CN" altLang="en-US" smtClean="0"/>
-              <a:t>7</a:t>
             </a:fld>
             <a:endParaRPr lang="zh-CN" altLang="en-US"/>
           </a:p>
         </p:txBody>
       </p:sp>
     </p:spTree>
-    <p:extLst>
-      <p:ext uri="{BB962C8B-B14F-4D97-AF65-F5344CB8AC3E}">
-        <p14:creationId xmlns:p14="http://schemas.microsoft.com/office/powerpoint/2010/main" val="3788719208"/>
-      </p:ext>
-    </p:extLst>
   </p:cSld>
   <p:clrMapOvr>
     <a:masterClrMapping/>
@@ -1773,18 +1692,12 @@
           <a:p>
             <a:fld id="{0E21FD59-C920-460C-B1C9-0346C59420B0}" type="slidenum">
               <a:rPr lang="zh-CN" altLang="en-US" smtClean="0"/>
-              <a:t>8</a:t>
             </a:fld>
             <a:endParaRPr lang="zh-CN" altLang="en-US"/>
           </a:p>
         </p:txBody>
       </p:sp>
     </p:spTree>
-    <p:extLst>
-      <p:ext uri="{BB962C8B-B14F-4D97-AF65-F5344CB8AC3E}">
-        <p14:creationId xmlns:p14="http://schemas.microsoft.com/office/powerpoint/2010/main" val="3315157352"/>
-      </p:ext>
-    </p:extLst>
   </p:cSld>
   <p:clrMapOvr>
     <a:masterClrMapping/>
@@ -1859,18 +1772,12 @@
           <a:p>
             <a:fld id="{0E62F313-D051-4284-95AD-6163FA128698}" type="slidenum">
               <a:rPr lang="zh-CN" altLang="en-US" smtClean="0"/>
-              <a:t>9</a:t>
             </a:fld>
             <a:endParaRPr lang="zh-CN" altLang="en-US"/>
           </a:p>
         </p:txBody>
       </p:sp>
     </p:spTree>
-    <p:extLst>
-      <p:ext uri="{BB962C8B-B14F-4D97-AF65-F5344CB8AC3E}">
-        <p14:creationId xmlns:p14="http://schemas.microsoft.com/office/powerpoint/2010/main" val="492865336"/>
-      </p:ext>
-    </p:extLst>
   </p:cSld>
   <p:clrMapOvr>
     <a:masterClrMapping/>
@@ -1953,6 +1860,7 @@
               <a:rPr lang="zh-CN" altLang="en-US" dirty="0"/>
               <a:t>单击此处编辑母版标题样式</a:t>
             </a:r>
+            <a:endParaRPr lang="zh-CN" altLang="en-US" dirty="0"/>
           </a:p>
         </p:txBody>
       </p:sp>
@@ -1984,8 +1892,6 @@
           <a:p>
             <a:fld id="{263DB197-84B0-484E-9C0F-88358ECCB797}" type="datetimeFigureOut">
               <a:rPr lang="zh-CN" altLang="en-US" smtClean="0"/>
-              <a:pPr/>
-              <a:t>2023/6/16</a:t>
             </a:fld>
             <a:endParaRPr lang="zh-CN" altLang="en-US" dirty="0"/>
           </a:p>
@@ -2049,8 +1955,6 @@
           <a:p>
             <a:fld id="{E077DA78-E013-4A8C-AD75-63A150561B10}" type="slidenum">
               <a:rPr lang="zh-CN" altLang="en-US" smtClean="0"/>
-              <a:pPr/>
-              <a:t>‹#›</a:t>
             </a:fld>
             <a:endParaRPr lang="zh-CN" altLang="en-US" dirty="0"/>
           </a:p>
@@ -2114,6 +2018,7 @@
               <a:rPr lang="zh-CN" altLang="en-US" dirty="0"/>
               <a:t>单击此处编辑母版标题样式</a:t>
             </a:r>
+            <a:endParaRPr lang="zh-CN" altLang="en-US" dirty="0"/>
           </a:p>
         </p:txBody>
       </p:sp>
@@ -2145,8 +2050,6 @@
           <a:p>
             <a:fld id="{263DB197-84B0-484E-9C0F-88358ECCB797}" type="datetimeFigureOut">
               <a:rPr lang="zh-CN" altLang="en-US" smtClean="0"/>
-              <a:pPr/>
-              <a:t>2023/6/16</a:t>
             </a:fld>
             <a:endParaRPr lang="zh-CN" altLang="en-US" dirty="0"/>
           </a:p>
@@ -2210,8 +2113,6 @@
           <a:p>
             <a:fld id="{E077DA78-E013-4A8C-AD75-63A150561B10}" type="slidenum">
               <a:rPr lang="zh-CN" altLang="en-US" smtClean="0"/>
-              <a:pPr/>
-              <a:t>‹#›</a:t>
             </a:fld>
             <a:endParaRPr lang="zh-CN" altLang="en-US" dirty="0"/>
           </a:p>
@@ -2275,6 +2176,7 @@
               <a:rPr lang="zh-CN" altLang="en-US" dirty="0"/>
               <a:t>单击此处编辑母版标题样式</a:t>
             </a:r>
+            <a:endParaRPr lang="zh-CN" altLang="en-US" dirty="0"/>
           </a:p>
         </p:txBody>
       </p:sp>
@@ -2306,8 +2208,6 @@
           <a:p>
             <a:fld id="{263DB197-84B0-484E-9C0F-88358ECCB797}" type="datetimeFigureOut">
               <a:rPr lang="zh-CN" altLang="en-US" smtClean="0"/>
-              <a:pPr/>
-              <a:t>2023/6/16</a:t>
             </a:fld>
             <a:endParaRPr lang="zh-CN" altLang="en-US" dirty="0"/>
           </a:p>
@@ -2371,8 +2271,6 @@
           <a:p>
             <a:fld id="{E077DA78-E013-4A8C-AD75-63A150561B10}" type="slidenum">
               <a:rPr lang="zh-CN" altLang="en-US" smtClean="0"/>
-              <a:pPr/>
-              <a:t>‹#›</a:t>
             </a:fld>
             <a:endParaRPr lang="zh-CN" altLang="en-US" dirty="0"/>
           </a:p>
@@ -2436,6 +2334,7 @@
               <a:rPr lang="zh-CN" altLang="en-US" dirty="0"/>
               <a:t>单击此处编辑母版标题样式</a:t>
             </a:r>
+            <a:endParaRPr lang="zh-CN" altLang="en-US" dirty="0"/>
           </a:p>
         </p:txBody>
       </p:sp>
@@ -2467,8 +2366,6 @@
           <a:p>
             <a:fld id="{263DB197-84B0-484E-9C0F-88358ECCB797}" type="datetimeFigureOut">
               <a:rPr lang="zh-CN" altLang="en-US" smtClean="0"/>
-              <a:pPr/>
-              <a:t>2023/6/16</a:t>
             </a:fld>
             <a:endParaRPr lang="zh-CN" altLang="en-US" dirty="0"/>
           </a:p>
@@ -2532,8 +2429,6 @@
           <a:p>
             <a:fld id="{E077DA78-E013-4A8C-AD75-63A150561B10}" type="slidenum">
               <a:rPr lang="zh-CN" altLang="en-US" smtClean="0"/>
-              <a:pPr/>
-              <a:t>‹#›</a:t>
             </a:fld>
             <a:endParaRPr lang="zh-CN" altLang="en-US" dirty="0"/>
           </a:p>
@@ -2597,6 +2492,7 @@
               <a:rPr lang="zh-CN" altLang="en-US" dirty="0"/>
               <a:t>单击此处编辑母版标题样式</a:t>
             </a:r>
+            <a:endParaRPr lang="zh-CN" altLang="en-US" dirty="0"/>
           </a:p>
         </p:txBody>
       </p:sp>
@@ -2628,8 +2524,6 @@
           <a:p>
             <a:fld id="{263DB197-84B0-484E-9C0F-88358ECCB797}" type="datetimeFigureOut">
               <a:rPr lang="zh-CN" altLang="en-US" smtClean="0"/>
-              <a:pPr/>
-              <a:t>2023/6/16</a:t>
             </a:fld>
             <a:endParaRPr lang="zh-CN" altLang="en-US" dirty="0"/>
           </a:p>
@@ -2693,8 +2587,6 @@
           <a:p>
             <a:fld id="{E077DA78-E013-4A8C-AD75-63A150561B10}" type="slidenum">
               <a:rPr lang="zh-CN" altLang="en-US" smtClean="0"/>
-              <a:pPr/>
-              <a:t>‹#›</a:t>
             </a:fld>
             <a:endParaRPr lang="zh-CN" altLang="en-US" dirty="0"/>
           </a:p>
@@ -2758,6 +2650,7 @@
               <a:rPr lang="zh-CN" altLang="en-US" dirty="0"/>
               <a:t>单击此处编辑母版标题样式</a:t>
             </a:r>
+            <a:endParaRPr lang="zh-CN" altLang="en-US" dirty="0"/>
           </a:p>
         </p:txBody>
       </p:sp>
@@ -2789,8 +2682,6 @@
           <a:p>
             <a:fld id="{263DB197-84B0-484E-9C0F-88358ECCB797}" type="datetimeFigureOut">
               <a:rPr lang="zh-CN" altLang="en-US" smtClean="0"/>
-              <a:pPr/>
-              <a:t>2023/6/16</a:t>
             </a:fld>
             <a:endParaRPr lang="zh-CN" altLang="en-US" dirty="0"/>
           </a:p>
@@ -2854,8 +2745,6 @@
           <a:p>
             <a:fld id="{E077DA78-E013-4A8C-AD75-63A150561B10}" type="slidenum">
               <a:rPr lang="zh-CN" altLang="en-US" smtClean="0"/>
-              <a:pPr/>
-              <a:t>‹#›</a:t>
             </a:fld>
             <a:endParaRPr lang="zh-CN" altLang="en-US" dirty="0"/>
           </a:p>
@@ -2919,6 +2808,7 @@
               <a:rPr lang="zh-CN" altLang="en-US" dirty="0"/>
               <a:t>单击此处编辑母版标题样式</a:t>
             </a:r>
+            <a:endParaRPr lang="zh-CN" altLang="en-US" dirty="0"/>
           </a:p>
         </p:txBody>
       </p:sp>
@@ -2950,8 +2840,6 @@
           <a:p>
             <a:fld id="{263DB197-84B0-484E-9C0F-88358ECCB797}" type="datetimeFigureOut">
               <a:rPr lang="zh-CN" altLang="en-US" smtClean="0"/>
-              <a:pPr/>
-              <a:t>2023/6/16</a:t>
             </a:fld>
             <a:endParaRPr lang="zh-CN" altLang="en-US" dirty="0"/>
           </a:p>
@@ -3015,8 +2903,6 @@
           <a:p>
             <a:fld id="{E077DA78-E013-4A8C-AD75-63A150561B10}" type="slidenum">
               <a:rPr lang="zh-CN" altLang="en-US" smtClean="0"/>
-              <a:pPr/>
-              <a:t>‹#›</a:t>
             </a:fld>
             <a:endParaRPr lang="zh-CN" altLang="en-US" dirty="0"/>
           </a:p>
@@ -3080,6 +2966,7 @@
               <a:rPr lang="zh-CN" altLang="en-US" dirty="0"/>
               <a:t>单击此处编辑母版标题样式</a:t>
             </a:r>
+            <a:endParaRPr lang="zh-CN" altLang="en-US" dirty="0"/>
           </a:p>
         </p:txBody>
       </p:sp>
@@ -3111,8 +2998,6 @@
           <a:p>
             <a:fld id="{263DB197-84B0-484E-9C0F-88358ECCB797}" type="datetimeFigureOut">
               <a:rPr lang="zh-CN" altLang="en-US" smtClean="0"/>
-              <a:pPr/>
-              <a:t>2023/6/16</a:t>
             </a:fld>
             <a:endParaRPr lang="zh-CN" altLang="en-US" dirty="0"/>
           </a:p>
@@ -3176,8 +3061,6 @@
           <a:p>
             <a:fld id="{E077DA78-E013-4A8C-AD75-63A150561B10}" type="slidenum">
               <a:rPr lang="zh-CN" altLang="en-US" smtClean="0"/>
-              <a:pPr/>
-              <a:t>‹#›</a:t>
             </a:fld>
             <a:endParaRPr lang="zh-CN" altLang="en-US" dirty="0"/>
           </a:p>
@@ -3241,6 +3124,7 @@
               <a:rPr lang="zh-CN" altLang="en-US" dirty="0"/>
               <a:t>单击此处编辑母版标题样式</a:t>
             </a:r>
+            <a:endParaRPr lang="zh-CN" altLang="en-US" dirty="0"/>
           </a:p>
         </p:txBody>
       </p:sp>
@@ -3272,8 +3156,6 @@
           <a:p>
             <a:fld id="{263DB197-84B0-484E-9C0F-88358ECCB797}" type="datetimeFigureOut">
               <a:rPr lang="zh-CN" altLang="en-US" smtClean="0"/>
-              <a:pPr/>
-              <a:t>2023/6/16</a:t>
             </a:fld>
             <a:endParaRPr lang="zh-CN" altLang="en-US" dirty="0"/>
           </a:p>
@@ -3337,8 +3219,6 @@
           <a:p>
             <a:fld id="{E077DA78-E013-4A8C-AD75-63A150561B10}" type="slidenum">
               <a:rPr lang="zh-CN" altLang="en-US" smtClean="0"/>
-              <a:pPr/>
-              <a:t>‹#›</a:t>
             </a:fld>
             <a:endParaRPr lang="zh-CN" altLang="en-US" dirty="0"/>
           </a:p>
@@ -3402,6 +3282,7 @@
               <a:rPr lang="zh-CN" altLang="en-US" dirty="0"/>
               <a:t>单击此处编辑母版标题样式</a:t>
             </a:r>
+            <a:endParaRPr lang="zh-CN" altLang="en-US" dirty="0"/>
           </a:p>
         </p:txBody>
       </p:sp>
@@ -3433,8 +3314,6 @@
           <a:p>
             <a:fld id="{263DB197-84B0-484E-9C0F-88358ECCB797}" type="datetimeFigureOut">
               <a:rPr lang="zh-CN" altLang="en-US" smtClean="0"/>
-              <a:pPr/>
-              <a:t>2023/6/16</a:t>
             </a:fld>
             <a:endParaRPr lang="zh-CN" altLang="en-US" dirty="0"/>
           </a:p>
@@ -3498,8 +3377,6 @@
           <a:p>
             <a:fld id="{E077DA78-E013-4A8C-AD75-63A150561B10}" type="slidenum">
               <a:rPr lang="zh-CN" altLang="en-US" smtClean="0"/>
-              <a:pPr/>
-              <a:t>‹#›</a:t>
             </a:fld>
             <a:endParaRPr lang="zh-CN" altLang="en-US" dirty="0"/>
           </a:p>
@@ -3591,6 +3468,7 @@
               <a:rPr lang="zh-CN" altLang="en-US" dirty="0"/>
               <a:t>单击此处编辑母版标题样式</a:t>
             </a:r>
+            <a:endParaRPr lang="zh-CN" altLang="en-US" dirty="0"/>
           </a:p>
         </p:txBody>
       </p:sp>
@@ -3622,8 +3500,6 @@
           <a:p>
             <a:fld id="{263DB197-84B0-484E-9C0F-88358ECCB797}" type="datetimeFigureOut">
               <a:rPr lang="zh-CN" altLang="en-US" smtClean="0"/>
-              <a:pPr/>
-              <a:t>2023/6/16</a:t>
             </a:fld>
             <a:endParaRPr lang="zh-CN" altLang="en-US" dirty="0"/>
           </a:p>
@@ -3687,8 +3563,6 @@
           <a:p>
             <a:fld id="{E077DA78-E013-4A8C-AD75-63A150561B10}" type="slidenum">
               <a:rPr lang="zh-CN" altLang="en-US" smtClean="0"/>
-              <a:pPr/>
-              <a:t>‹#›</a:t>
             </a:fld>
             <a:endParaRPr lang="zh-CN" altLang="en-US" dirty="0"/>
           </a:p>
@@ -3706,7 +3580,7 @@
 </file>
 
 <file path=ppt/slideLayouts/slideLayout21.xml><?xml version="1.0" encoding="utf-8"?>
-<p:sldLayout xmlns:a="http://schemas.openxmlformats.org/drawingml/2006/main" xmlns:r="http://schemas.openxmlformats.org/officeDocument/2006/relationships" xmlns:p="http://schemas.openxmlformats.org/presentationml/2006/main" showMasterSp="0" preserve="1" userDrawn="1">
+<p:sldLayout xmlns:a="http://schemas.openxmlformats.org/drawingml/2006/main" xmlns:r="http://schemas.openxmlformats.org/officeDocument/2006/relationships" xmlns:p="http://schemas.openxmlformats.org/presentationml/2006/main" preserve="1" showMasterSp="0" userDrawn="1">
   <p:cSld name="标题幻灯片">
     <p:bg>
       <p:bgPr>
@@ -5587,6 +5461,7 @@
               <a:rPr lang="zh-CN" altLang="en-US" dirty="0"/>
               <a:t>单击此处编辑标题</a:t>
             </a:r>
+            <a:endParaRPr lang="zh-CN" altLang="en-US" dirty="0"/>
           </a:p>
         </p:txBody>
       </p:sp>
@@ -5657,6 +5532,7 @@
               <a:rPr lang="zh-CN" altLang="en-US" dirty="0"/>
               <a:t>单击此处编辑母版副标题样式</a:t>
             </a:r>
+            <a:endParaRPr lang="zh-CN" altLang="en-US" dirty="0"/>
           </a:p>
         </p:txBody>
       </p:sp>
@@ -5679,7 +5555,6 @@
           <a:p>
             <a:fld id="{D7E32B8C-E81A-4559-905F-EA468C4AE0F6}" type="datetimeFigureOut">
               <a:rPr lang="zh-CN" altLang="en-US" smtClean="0"/>
-              <a:t>2023/6/16</a:t>
             </a:fld>
             <a:endParaRPr lang="zh-CN" altLang="en-US"/>
           </a:p>
@@ -5725,7 +5600,6 @@
           <a:p>
             <a:fld id="{5DC302A8-733F-4FC4-86EA-56C94980066F}" type="slidenum">
               <a:rPr lang="zh-CN" altLang="en-US" smtClean="0"/>
-              <a:t>‹#›</a:t>
             </a:fld>
             <a:endParaRPr lang="zh-CN" altLang="en-US"/>
           </a:p>
@@ -5778,6 +5652,7 @@
               <a:rPr lang="zh-CN" altLang="en-US"/>
               <a:t>单击此处编辑母版标题样式</a:t>
             </a:r>
+            <a:endParaRPr lang="zh-CN" altLang="en-US"/>
           </a:p>
         </p:txBody>
       </p:sp>
@@ -5801,6 +5676,7 @@
               <a:rPr lang="zh-CN" altLang="en-US"/>
               <a:t>单击此处编辑母版文本样式</a:t>
             </a:r>
+            <a:endParaRPr lang="zh-CN" altLang="en-US"/>
           </a:p>
           <a:p>
             <a:pPr lvl="1"/>
@@ -5808,6 +5684,7 @@
               <a:rPr lang="zh-CN" altLang="en-US"/>
               <a:t>第二级</a:t>
             </a:r>
+            <a:endParaRPr lang="zh-CN" altLang="en-US"/>
           </a:p>
           <a:p>
             <a:pPr lvl="2"/>
@@ -5815,6 +5692,7 @@
               <a:rPr lang="zh-CN" altLang="en-US"/>
               <a:t>第三级</a:t>
             </a:r>
+            <a:endParaRPr lang="zh-CN" altLang="en-US"/>
           </a:p>
           <a:p>
             <a:pPr lvl="3"/>
@@ -5822,6 +5700,7 @@
               <a:rPr lang="zh-CN" altLang="en-US"/>
               <a:t>第四级</a:t>
             </a:r>
+            <a:endParaRPr lang="zh-CN" altLang="en-US"/>
           </a:p>
           <a:p>
             <a:pPr lvl="4"/>
@@ -5829,6 +5708,7 @@
               <a:rPr lang="zh-CN" altLang="en-US"/>
               <a:t>第五级</a:t>
             </a:r>
+            <a:endParaRPr lang="zh-CN" altLang="en-US"/>
           </a:p>
         </p:txBody>
       </p:sp>
@@ -5849,7 +5729,6 @@
           <a:p>
             <a:fld id="{D7E32B8C-E81A-4559-905F-EA468C4AE0F6}" type="datetimeFigureOut">
               <a:rPr lang="zh-CN" altLang="en-US" smtClean="0"/>
-              <a:t>2023/6/16</a:t>
             </a:fld>
             <a:endParaRPr lang="zh-CN" altLang="en-US"/>
           </a:p>
@@ -5891,7 +5770,6 @@
           <a:p>
             <a:fld id="{5DC302A8-733F-4FC4-86EA-56C94980066F}" type="slidenum">
               <a:rPr lang="zh-CN" altLang="en-US" smtClean="0"/>
-              <a:t>‹#›</a:t>
             </a:fld>
             <a:endParaRPr lang="zh-CN" altLang="en-US"/>
           </a:p>
@@ -5909,7 +5787,7 @@
 </file>
 
 <file path=ppt/slideLayouts/slideLayout23.xml><?xml version="1.0" encoding="utf-8"?>
-<p:sldLayout xmlns:a="http://schemas.openxmlformats.org/drawingml/2006/main" xmlns:r="http://schemas.openxmlformats.org/officeDocument/2006/relationships" xmlns:p="http://schemas.openxmlformats.org/presentationml/2006/main" showMasterSp="0" type="secHead" preserve="1">
+<p:sldLayout xmlns:a="http://schemas.openxmlformats.org/drawingml/2006/main" xmlns:r="http://schemas.openxmlformats.org/officeDocument/2006/relationships" xmlns:p="http://schemas.openxmlformats.org/presentationml/2006/main" type="secHead" preserve="1" showMasterSp="0">
   <p:cSld name="节标题">
     <p:bg>
       <p:bgPr>
@@ -7880,6 +7758,7 @@
               <a:rPr lang="zh-CN" altLang="en-US" dirty="0"/>
               <a:t>单击此处编辑标题</a:t>
             </a:r>
+            <a:endParaRPr lang="zh-CN" altLang="en-US" dirty="0"/>
           </a:p>
         </p:txBody>
       </p:sp>
@@ -7999,6 +7878,7 @@
               <a:rPr lang="zh-CN" altLang="en-US" dirty="0"/>
               <a:t>单击此处编辑母版文本样式</a:t>
             </a:r>
+            <a:endParaRPr lang="zh-CN" altLang="en-US" dirty="0"/>
           </a:p>
         </p:txBody>
       </p:sp>
@@ -8019,7 +7899,6 @@
           <a:p>
             <a:fld id="{D7E32B8C-E81A-4559-905F-EA468C4AE0F6}" type="datetimeFigureOut">
               <a:rPr lang="zh-CN" altLang="en-US" smtClean="0"/>
-              <a:t>2023/6/16</a:t>
             </a:fld>
             <a:endParaRPr lang="zh-CN" altLang="en-US"/>
           </a:p>
@@ -8061,7 +7940,6 @@
           <a:p>
             <a:fld id="{5DC302A8-733F-4FC4-86EA-56C94980066F}" type="slidenum">
               <a:rPr lang="zh-CN" altLang="en-US" smtClean="0"/>
-              <a:t>‹#›</a:t>
             </a:fld>
             <a:endParaRPr lang="zh-CN" altLang="en-US"/>
           </a:p>
@@ -8114,6 +7992,7 @@
               <a:rPr lang="zh-CN" altLang="en-US"/>
               <a:t>单击此处编辑母版标题样式</a:t>
             </a:r>
+            <a:endParaRPr lang="zh-CN" altLang="en-US"/>
           </a:p>
         </p:txBody>
       </p:sp>
@@ -8142,6 +8021,7 @@
               <a:rPr lang="zh-CN" altLang="en-US"/>
               <a:t>单击此处编辑母版文本样式</a:t>
             </a:r>
+            <a:endParaRPr lang="zh-CN" altLang="en-US"/>
           </a:p>
           <a:p>
             <a:pPr lvl="1"/>
@@ -8149,6 +8029,7 @@
               <a:rPr lang="zh-CN" altLang="en-US"/>
               <a:t>第二级</a:t>
             </a:r>
+            <a:endParaRPr lang="zh-CN" altLang="en-US"/>
           </a:p>
           <a:p>
             <a:pPr lvl="2"/>
@@ -8156,6 +8037,7 @@
               <a:rPr lang="zh-CN" altLang="en-US"/>
               <a:t>第三级</a:t>
             </a:r>
+            <a:endParaRPr lang="zh-CN" altLang="en-US"/>
           </a:p>
           <a:p>
             <a:pPr lvl="3"/>
@@ -8163,6 +8045,7 @@
               <a:rPr lang="zh-CN" altLang="en-US"/>
               <a:t>第四级</a:t>
             </a:r>
+            <a:endParaRPr lang="zh-CN" altLang="en-US"/>
           </a:p>
           <a:p>
             <a:pPr lvl="4"/>
@@ -8170,6 +8053,7 @@
               <a:rPr lang="zh-CN" altLang="en-US"/>
               <a:t>第五级</a:t>
             </a:r>
+            <a:endParaRPr lang="zh-CN" altLang="en-US"/>
           </a:p>
         </p:txBody>
       </p:sp>
@@ -8198,6 +8082,7 @@
               <a:rPr lang="zh-CN" altLang="en-US"/>
               <a:t>单击此处编辑母版文本样式</a:t>
             </a:r>
+            <a:endParaRPr lang="zh-CN" altLang="en-US"/>
           </a:p>
           <a:p>
             <a:pPr lvl="1"/>
@@ -8205,6 +8090,7 @@
               <a:rPr lang="zh-CN" altLang="en-US"/>
               <a:t>第二级</a:t>
             </a:r>
+            <a:endParaRPr lang="zh-CN" altLang="en-US"/>
           </a:p>
           <a:p>
             <a:pPr lvl="2"/>
@@ -8212,6 +8098,7 @@
               <a:rPr lang="zh-CN" altLang="en-US"/>
               <a:t>第三级</a:t>
             </a:r>
+            <a:endParaRPr lang="zh-CN" altLang="en-US"/>
           </a:p>
           <a:p>
             <a:pPr lvl="3"/>
@@ -8219,6 +8106,7 @@
               <a:rPr lang="zh-CN" altLang="en-US"/>
               <a:t>第四级</a:t>
             </a:r>
+            <a:endParaRPr lang="zh-CN" altLang="en-US"/>
           </a:p>
           <a:p>
             <a:pPr lvl="4"/>
@@ -8226,6 +8114,7 @@
               <a:rPr lang="zh-CN" altLang="en-US"/>
               <a:t>第五级</a:t>
             </a:r>
+            <a:endParaRPr lang="zh-CN" altLang="en-US"/>
           </a:p>
         </p:txBody>
       </p:sp>
@@ -8246,7 +8135,6 @@
           <a:p>
             <a:fld id="{D7E32B8C-E81A-4559-905F-EA468C4AE0F6}" type="datetimeFigureOut">
               <a:rPr lang="zh-CN" altLang="en-US" smtClean="0"/>
-              <a:t>2023/6/16</a:t>
             </a:fld>
             <a:endParaRPr lang="zh-CN" altLang="en-US"/>
           </a:p>
@@ -8288,7 +8176,6 @@
           <a:p>
             <a:fld id="{5DC302A8-733F-4FC4-86EA-56C94980066F}" type="slidenum">
               <a:rPr lang="zh-CN" altLang="en-US" smtClean="0"/>
-              <a:t>‹#›</a:t>
             </a:fld>
             <a:endParaRPr lang="zh-CN" altLang="en-US"/>
           </a:p>
@@ -8346,6 +8233,7 @@
               <a:rPr lang="zh-CN" altLang="en-US" dirty="0"/>
               <a:t>单击此处编辑母版标题样式</a:t>
             </a:r>
+            <a:endParaRPr lang="zh-CN" altLang="en-US" dirty="0"/>
           </a:p>
         </p:txBody>
       </p:sp>
@@ -8411,6 +8299,7 @@
               <a:rPr lang="zh-CN" altLang="en-US"/>
               <a:t>单击此处编辑母版文本样式</a:t>
             </a:r>
+            <a:endParaRPr lang="zh-CN" altLang="en-US"/>
           </a:p>
         </p:txBody>
       </p:sp>
@@ -8439,6 +8328,7 @@
               <a:rPr lang="zh-CN" altLang="en-US"/>
               <a:t>单击此处编辑母版文本样式</a:t>
             </a:r>
+            <a:endParaRPr lang="zh-CN" altLang="en-US"/>
           </a:p>
           <a:p>
             <a:pPr lvl="1"/>
@@ -8446,6 +8336,7 @@
               <a:rPr lang="zh-CN" altLang="en-US"/>
               <a:t>第二级</a:t>
             </a:r>
+            <a:endParaRPr lang="zh-CN" altLang="en-US"/>
           </a:p>
           <a:p>
             <a:pPr lvl="2"/>
@@ -8453,6 +8344,7 @@
               <a:rPr lang="zh-CN" altLang="en-US"/>
               <a:t>第三级</a:t>
             </a:r>
+            <a:endParaRPr lang="zh-CN" altLang="en-US"/>
           </a:p>
           <a:p>
             <a:pPr lvl="3"/>
@@ -8460,6 +8352,7 @@
               <a:rPr lang="zh-CN" altLang="en-US"/>
               <a:t>第四级</a:t>
             </a:r>
+            <a:endParaRPr lang="zh-CN" altLang="en-US"/>
           </a:p>
           <a:p>
             <a:pPr lvl="4"/>
@@ -8467,6 +8360,7 @@
               <a:rPr lang="zh-CN" altLang="en-US"/>
               <a:t>第五级</a:t>
             </a:r>
+            <a:endParaRPr lang="zh-CN" altLang="en-US"/>
           </a:p>
         </p:txBody>
       </p:sp>
@@ -8532,6 +8426,7 @@
               <a:rPr lang="zh-CN" altLang="en-US"/>
               <a:t>单击此处编辑母版文本样式</a:t>
             </a:r>
+            <a:endParaRPr lang="zh-CN" altLang="en-US"/>
           </a:p>
         </p:txBody>
       </p:sp>
@@ -8560,6 +8455,7 @@
               <a:rPr lang="zh-CN" altLang="en-US"/>
               <a:t>单击此处编辑母版文本样式</a:t>
             </a:r>
+            <a:endParaRPr lang="zh-CN" altLang="en-US"/>
           </a:p>
           <a:p>
             <a:pPr lvl="1"/>
@@ -8567,6 +8463,7 @@
               <a:rPr lang="zh-CN" altLang="en-US"/>
               <a:t>第二级</a:t>
             </a:r>
+            <a:endParaRPr lang="zh-CN" altLang="en-US"/>
           </a:p>
           <a:p>
             <a:pPr lvl="2"/>
@@ -8574,6 +8471,7 @@
               <a:rPr lang="zh-CN" altLang="en-US"/>
               <a:t>第三级</a:t>
             </a:r>
+            <a:endParaRPr lang="zh-CN" altLang="en-US"/>
           </a:p>
           <a:p>
             <a:pPr lvl="3"/>
@@ -8581,6 +8479,7 @@
               <a:rPr lang="zh-CN" altLang="en-US"/>
               <a:t>第四级</a:t>
             </a:r>
+            <a:endParaRPr lang="zh-CN" altLang="en-US"/>
           </a:p>
           <a:p>
             <a:pPr lvl="4"/>
@@ -8588,6 +8487,7 @@
               <a:rPr lang="zh-CN" altLang="en-US"/>
               <a:t>第五级</a:t>
             </a:r>
+            <a:endParaRPr lang="zh-CN" altLang="en-US"/>
           </a:p>
         </p:txBody>
       </p:sp>
@@ -8608,7 +8508,6 @@
           <a:p>
             <a:fld id="{D7E32B8C-E81A-4559-905F-EA468C4AE0F6}" type="datetimeFigureOut">
               <a:rPr lang="zh-CN" altLang="en-US" smtClean="0"/>
-              <a:t>2023/6/16</a:t>
             </a:fld>
             <a:endParaRPr lang="zh-CN" altLang="en-US"/>
           </a:p>
@@ -8650,7 +8549,6 @@
           <a:p>
             <a:fld id="{5DC302A8-733F-4FC4-86EA-56C94980066F}" type="slidenum">
               <a:rPr lang="zh-CN" altLang="en-US" smtClean="0"/>
-              <a:t>‹#›</a:t>
             </a:fld>
             <a:endParaRPr lang="zh-CN" altLang="en-US"/>
           </a:p>
@@ -8668,7 +8566,7 @@
 </file>
 
 <file path=ppt/slideLayouts/slideLayout26.xml><?xml version="1.0" encoding="utf-8"?>
-<p:sldLayout xmlns:a="http://schemas.openxmlformats.org/drawingml/2006/main" xmlns:r="http://schemas.openxmlformats.org/officeDocument/2006/relationships" xmlns:p="http://schemas.openxmlformats.org/presentationml/2006/main" showMasterSp="0" preserve="1" userDrawn="1">
+<p:sldLayout xmlns:a="http://schemas.openxmlformats.org/drawingml/2006/main" xmlns:r="http://schemas.openxmlformats.org/officeDocument/2006/relationships" xmlns:p="http://schemas.openxmlformats.org/presentationml/2006/main" preserve="1" showMasterSp="0" userDrawn="1">
   <p:cSld name="仅标题">
     <p:bg>
       <p:bgPr>
@@ -10388,6 +10286,7 @@
               <a:rPr lang="zh-CN" altLang="en-US" dirty="0"/>
               <a:t>编辑标题</a:t>
             </a:r>
+            <a:endParaRPr lang="zh-CN" altLang="en-US" dirty="0"/>
           </a:p>
         </p:txBody>
       </p:sp>
@@ -10408,7 +10307,6 @@
           <a:p>
             <a:fld id="{D7E32B8C-E81A-4559-905F-EA468C4AE0F6}" type="datetimeFigureOut">
               <a:rPr lang="zh-CN" altLang="en-US" smtClean="0"/>
-              <a:t>2023/6/16</a:t>
             </a:fld>
             <a:endParaRPr lang="zh-CN" altLang="en-US"/>
           </a:p>
@@ -10450,7 +10348,6 @@
           <a:p>
             <a:fld id="{5DC302A8-733F-4FC4-86EA-56C94980066F}" type="slidenum">
               <a:rPr lang="zh-CN" altLang="en-US" smtClean="0"/>
-              <a:t>‹#›</a:t>
             </a:fld>
             <a:endParaRPr lang="zh-CN" altLang="en-US"/>
           </a:p>
@@ -10696,6 +10593,7 @@
               <a:rPr lang="zh-CN" altLang="en-US" dirty="0"/>
               <a:t>单机此处编辑文本</a:t>
             </a:r>
+            <a:endParaRPr lang="zh-CN" altLang="en-US" dirty="0"/>
           </a:p>
         </p:txBody>
       </p:sp>
@@ -10744,7 +10642,6 @@
           <a:p>
             <a:fld id="{D7E32B8C-E81A-4559-905F-EA468C4AE0F6}" type="datetimeFigureOut">
               <a:rPr lang="zh-CN" altLang="en-US" smtClean="0"/>
-              <a:t>2023/6/16</a:t>
             </a:fld>
             <a:endParaRPr lang="zh-CN" altLang="en-US"/>
           </a:p>
@@ -10786,7 +10683,6 @@
           <a:p>
             <a:fld id="{5DC302A8-733F-4FC4-86EA-56C94980066F}" type="slidenum">
               <a:rPr lang="zh-CN" altLang="en-US" smtClean="0"/>
-              <a:t>‹#›</a:t>
             </a:fld>
             <a:endParaRPr lang="zh-CN" altLang="en-US"/>
           </a:p>
@@ -10804,7 +10700,7 @@
 </file>
 
 <file path=ppt/slideLayouts/slideLayout28.xml><?xml version="1.0" encoding="utf-8"?>
-<p:sldLayout xmlns:a="http://schemas.openxmlformats.org/drawingml/2006/main" xmlns:r="http://schemas.openxmlformats.org/officeDocument/2006/relationships" xmlns:p="http://schemas.openxmlformats.org/presentationml/2006/main" showMasterSp="0" type="picTx" preserve="1">
+<p:sldLayout xmlns:a="http://schemas.openxmlformats.org/drawingml/2006/main" xmlns:r="http://schemas.openxmlformats.org/officeDocument/2006/relationships" xmlns:p="http://schemas.openxmlformats.org/presentationml/2006/main" type="picTx" preserve="1" showMasterSp="0">
   <p:cSld name="图片与标题">
     <p:spTree>
       <p:nvGrpSpPr>
@@ -10850,6 +10746,7 @@
               <a:rPr lang="zh-CN" altLang="en-US" dirty="0"/>
               <a:t>单击此处编辑母版标题样式</a:t>
             </a:r>
+            <a:endParaRPr lang="zh-CN" altLang="en-US" dirty="0"/>
           </a:p>
         </p:txBody>
       </p:sp>
@@ -10978,6 +10875,7 @@
               <a:rPr lang="zh-CN" altLang="en-US" dirty="0"/>
               <a:t>单击此处编辑母版文本样式</a:t>
             </a:r>
+            <a:endParaRPr lang="zh-CN" altLang="en-US" dirty="0"/>
           </a:p>
         </p:txBody>
       </p:sp>
@@ -10998,7 +10896,6 @@
           <a:p>
             <a:fld id="{9EFD9D74-47D9-4702-A33C-335B63B48DBF}" type="datetimeFigureOut">
               <a:rPr lang="zh-CN" altLang="en-US" smtClean="0"/>
-              <a:t>2023/6/16</a:t>
             </a:fld>
             <a:endParaRPr lang="zh-CN" altLang="en-US" dirty="0"/>
           </a:p>
@@ -11040,7 +10937,6 @@
           <a:p>
             <a:fld id="{FABC47A4-756D-490B-A52F-7D9E2C9FC05F}" type="slidenum">
               <a:rPr lang="zh-CN" altLang="en-US" smtClean="0"/>
-              <a:t>‹#›</a:t>
             </a:fld>
             <a:endParaRPr lang="zh-CN" altLang="en-US"/>
           </a:p>
@@ -11058,7 +10954,7 @@
 </file>
 
 <file path=ppt/slideLayouts/slideLayout29.xml><?xml version="1.0" encoding="utf-8"?>
-<p:sldLayout xmlns:a="http://schemas.openxmlformats.org/drawingml/2006/main" xmlns:r="http://schemas.openxmlformats.org/officeDocument/2006/relationships" xmlns:p="http://schemas.openxmlformats.org/presentationml/2006/main" showMasterSp="0" type="vertTitleAndTx" preserve="1">
+<p:sldLayout xmlns:a="http://schemas.openxmlformats.org/drawingml/2006/main" xmlns:r="http://schemas.openxmlformats.org/officeDocument/2006/relationships" xmlns:p="http://schemas.openxmlformats.org/presentationml/2006/main" type="vertTitleAndTx" preserve="1" showMasterSp="0">
   <p:cSld name="垂直排列标题与&#10;文本">
     <p:spTree>
       <p:nvGrpSpPr>
@@ -11104,6 +11000,7 @@
               <a:rPr lang="zh-CN" altLang="en-US" dirty="0"/>
               <a:t>单击此处编辑母版标题样式</a:t>
             </a:r>
+            <a:endParaRPr lang="zh-CN" altLang="en-US" dirty="0"/>
           </a:p>
         </p:txBody>
       </p:sp>
@@ -11132,6 +11029,7 @@
               <a:rPr lang="zh-CN" altLang="en-US"/>
               <a:t>单击此处编辑母版文本样式</a:t>
             </a:r>
+            <a:endParaRPr lang="zh-CN" altLang="en-US"/>
           </a:p>
           <a:p>
             <a:pPr lvl="1"/>
@@ -11139,6 +11037,7 @@
               <a:rPr lang="zh-CN" altLang="en-US"/>
               <a:t>第二级</a:t>
             </a:r>
+            <a:endParaRPr lang="zh-CN" altLang="en-US"/>
           </a:p>
           <a:p>
             <a:pPr lvl="2"/>
@@ -11146,6 +11045,7 @@
               <a:rPr lang="zh-CN" altLang="en-US"/>
               <a:t>第三级</a:t>
             </a:r>
+            <a:endParaRPr lang="zh-CN" altLang="en-US"/>
           </a:p>
           <a:p>
             <a:pPr lvl="3"/>
@@ -11153,6 +11053,7 @@
               <a:rPr lang="zh-CN" altLang="en-US"/>
               <a:t>第四级</a:t>
             </a:r>
+            <a:endParaRPr lang="zh-CN" altLang="en-US"/>
           </a:p>
           <a:p>
             <a:pPr lvl="4"/>
@@ -11160,6 +11061,7 @@
               <a:rPr lang="zh-CN" altLang="en-US"/>
               <a:t>第五级</a:t>
             </a:r>
+            <a:endParaRPr lang="zh-CN" altLang="en-US"/>
           </a:p>
         </p:txBody>
       </p:sp>
@@ -11180,7 +11082,6 @@
           <a:p>
             <a:fld id="{D7E32B8C-E81A-4559-905F-EA468C4AE0F6}" type="datetimeFigureOut">
               <a:rPr lang="zh-CN" altLang="en-US" smtClean="0"/>
-              <a:t>2023/6/16</a:t>
             </a:fld>
             <a:endParaRPr lang="zh-CN" altLang="en-US"/>
           </a:p>
@@ -11222,7 +11123,6 @@
           <a:p>
             <a:fld id="{5DC302A8-733F-4FC4-86EA-56C94980066F}" type="slidenum">
               <a:rPr lang="zh-CN" altLang="en-US" smtClean="0"/>
-              <a:t>‹#›</a:t>
             </a:fld>
             <a:endParaRPr lang="zh-CN" altLang="en-US"/>
           </a:p>
@@ -11268,7 +11168,7 @@
 </file>
 
 <file path=ppt/slideLayouts/slideLayout30.xml><?xml version="1.0" encoding="utf-8"?>
-<p:sldLayout xmlns:a="http://schemas.openxmlformats.org/drawingml/2006/main" xmlns:r="http://schemas.openxmlformats.org/officeDocument/2006/relationships" xmlns:p="http://schemas.openxmlformats.org/presentationml/2006/main" showMasterSp="0" preserve="1" userDrawn="1">
+<p:sldLayout xmlns:a="http://schemas.openxmlformats.org/drawingml/2006/main" xmlns:r="http://schemas.openxmlformats.org/officeDocument/2006/relationships" xmlns:p="http://schemas.openxmlformats.org/presentationml/2006/main" preserve="1" showMasterSp="0" userDrawn="1">
   <p:cSld name="内容">
     <p:spTree>
       <p:nvGrpSpPr>
@@ -11301,7 +11201,6 @@
           <a:p>
             <a:fld id="{760FBDFE-C587-4B4C-A407-44438C67B59E}" type="datetimeFigureOut">
               <a:rPr lang="zh-CN" altLang="en-US" smtClean="0"/>
-              <a:t>2023/6/16</a:t>
             </a:fld>
             <a:endParaRPr lang="zh-CN" altLang="en-US"/>
           </a:p>
@@ -11343,7 +11242,6 @@
           <a:p>
             <a:fld id="{49AE70B2-8BF9-45C0-BB95-33D1B9D3A854}" type="slidenum">
               <a:rPr lang="zh-CN" altLang="en-US" smtClean="0"/>
-              <a:t>‹#›</a:t>
             </a:fld>
             <a:endParaRPr lang="zh-CN" altLang="en-US"/>
           </a:p>
@@ -11374,6 +11272,7 @@
               <a:rPr lang="zh-CN" altLang="en-US" dirty="0"/>
               <a:t>单击此处编辑母版文本样式</a:t>
             </a:r>
+            <a:endParaRPr lang="zh-CN" altLang="en-US" dirty="0"/>
           </a:p>
           <a:p>
             <a:pPr lvl="1"/>
@@ -11381,6 +11280,7 @@
               <a:rPr lang="zh-CN" altLang="en-US" dirty="0"/>
               <a:t>第二级</a:t>
             </a:r>
+            <a:endParaRPr lang="zh-CN" altLang="en-US" dirty="0"/>
           </a:p>
           <a:p>
             <a:pPr lvl="2"/>
@@ -11388,6 +11288,7 @@
               <a:rPr lang="zh-CN" altLang="en-US" dirty="0"/>
               <a:t>第三级</a:t>
             </a:r>
+            <a:endParaRPr lang="zh-CN" altLang="en-US" dirty="0"/>
           </a:p>
           <a:p>
             <a:pPr lvl="3"/>
@@ -11395,6 +11296,7 @@
               <a:rPr lang="zh-CN" altLang="en-US" dirty="0"/>
               <a:t>第四级</a:t>
             </a:r>
+            <a:endParaRPr lang="zh-CN" altLang="en-US" dirty="0"/>
           </a:p>
           <a:p>
             <a:pPr lvl="4"/>
@@ -11402,6 +11304,7 @@
               <a:rPr lang="zh-CN" altLang="en-US" dirty="0"/>
               <a:t>第五级</a:t>
             </a:r>
+            <a:endParaRPr lang="zh-CN" altLang="en-US" dirty="0"/>
           </a:p>
         </p:txBody>
       </p:sp>
@@ -11435,13 +11338,7 @@
       </p:grpSpPr>
       <p:sp>
         <p:nvSpPr>
-          <p:cNvPr id="2" name="竖排标题 1">
-            <a:extLst>
-              <a:ext uri="{FF2B5EF4-FFF2-40B4-BE49-F238E27FC236}">
-                <a16:creationId xmlns:a16="http://schemas.microsoft.com/office/drawing/2014/main" id="{95EA7536-D96F-400A-84FA-EE0431868554}"/>
-              </a:ext>
-            </a:extLst>
-          </p:cNvPr>
+          <p:cNvPr id="2" name="竖排标题 1"/>
           <p:cNvSpPr>
             <a:spLocks noGrp="1"/>
           </p:cNvSpPr>
@@ -11463,23 +11360,18 @@
               <a:rPr lang="zh-CN" altLang="en-US"/>
               <a:t>单击此处编辑母版标题样式</a:t>
             </a:r>
+            <a:endParaRPr lang="zh-CN" altLang="en-US"/>
           </a:p>
         </p:txBody>
       </p:sp>
       <p:sp>
         <p:nvSpPr>
-          <p:cNvPr id="3" name="竖排文字占位符 2">
-            <a:extLst>
-              <a:ext uri="{FF2B5EF4-FFF2-40B4-BE49-F238E27FC236}">
-                <a16:creationId xmlns:a16="http://schemas.microsoft.com/office/drawing/2014/main" id="{8D80802C-D1E2-4C80-BE8C-D027A1D80D0D}"/>
-              </a:ext>
-            </a:extLst>
-          </p:cNvPr>
+          <p:cNvPr id="3" name="竖排文字占位符 2"/>
           <p:cNvSpPr>
             <a:spLocks noGrp="1"/>
           </p:cNvSpPr>
           <p:nvPr>
-            <p:ph type="body" orient="vert" idx="1"/>
+            <p:ph type="body" orient="vert" idx="1" hasCustomPrompt="1"/>
           </p:nvPr>
         </p:nvSpPr>
         <p:spPr>
@@ -11497,6 +11389,7 @@
               <a:rPr lang="zh-CN" altLang="en-US" dirty="0"/>
               <a:t>编辑母版文本样式</a:t>
             </a:r>
+            <a:endParaRPr lang="zh-CN" altLang="en-US" dirty="0"/>
           </a:p>
           <a:p>
             <a:pPr lvl="1"/>
@@ -11504,6 +11397,7 @@
               <a:rPr lang="zh-CN" altLang="en-US" dirty="0"/>
               <a:t>第二级</a:t>
             </a:r>
+            <a:endParaRPr lang="zh-CN" altLang="en-US" dirty="0"/>
           </a:p>
           <a:p>
             <a:pPr lvl="2"/>
@@ -11511,6 +11405,7 @@
               <a:rPr lang="zh-CN" altLang="en-US" dirty="0"/>
               <a:t>第三级</a:t>
             </a:r>
+            <a:endParaRPr lang="zh-CN" altLang="en-US" dirty="0"/>
           </a:p>
           <a:p>
             <a:pPr lvl="3"/>
@@ -11518,6 +11413,7 @@
               <a:rPr lang="zh-CN" altLang="en-US" dirty="0"/>
               <a:t>第四级</a:t>
             </a:r>
+            <a:endParaRPr lang="zh-CN" altLang="en-US" dirty="0"/>
           </a:p>
           <a:p>
             <a:pPr lvl="4"/>
@@ -11525,18 +11421,13 @@
               <a:rPr lang="zh-CN" altLang="en-US" dirty="0"/>
               <a:t>第五级</a:t>
             </a:r>
+            <a:endParaRPr lang="zh-CN" altLang="en-US" dirty="0"/>
           </a:p>
         </p:txBody>
       </p:sp>
       <p:sp>
         <p:nvSpPr>
-          <p:cNvPr id="4" name="日期占位符 3">
-            <a:extLst>
-              <a:ext uri="{FF2B5EF4-FFF2-40B4-BE49-F238E27FC236}">
-                <a16:creationId xmlns:a16="http://schemas.microsoft.com/office/drawing/2014/main" id="{355BE6F8-219E-413C-B399-2A6399D61FFD}"/>
-              </a:ext>
-            </a:extLst>
-          </p:cNvPr>
+          <p:cNvPr id="4" name="日期占位符 3"/>
           <p:cNvSpPr>
             <a:spLocks noGrp="1"/>
           </p:cNvSpPr>
@@ -11551,7 +11442,6 @@
           <a:p>
             <a:fld id="{0DA2CC75-8280-4D50-8556-C2874ADEF926}" type="datetimeFigureOut">
               <a:rPr lang="zh-CN" altLang="en-US" smtClean="0"/>
-              <a:t>2023/6/16</a:t>
             </a:fld>
             <a:endParaRPr lang="zh-CN" altLang="en-US"/>
           </a:p>
@@ -11559,13 +11449,7 @@
       </p:sp>
       <p:sp>
         <p:nvSpPr>
-          <p:cNvPr id="5" name="页脚占位符 4">
-            <a:extLst>
-              <a:ext uri="{FF2B5EF4-FFF2-40B4-BE49-F238E27FC236}">
-                <a16:creationId xmlns:a16="http://schemas.microsoft.com/office/drawing/2014/main" id="{9479AEE5-26EE-4C85-8E5E-E86011772B0E}"/>
-              </a:ext>
-            </a:extLst>
-          </p:cNvPr>
+          <p:cNvPr id="5" name="页脚占位符 4"/>
           <p:cNvSpPr>
             <a:spLocks noGrp="1"/>
           </p:cNvSpPr>
@@ -11584,13 +11468,7 @@
       </p:sp>
       <p:sp>
         <p:nvSpPr>
-          <p:cNvPr id="6" name="灯片编号占位符 5">
-            <a:extLst>
-              <a:ext uri="{FF2B5EF4-FFF2-40B4-BE49-F238E27FC236}">
-                <a16:creationId xmlns:a16="http://schemas.microsoft.com/office/drawing/2014/main" id="{7AC8C42C-BCED-4376-A8E1-FBA47CCFAAD6}"/>
-              </a:ext>
-            </a:extLst>
-          </p:cNvPr>
+          <p:cNvPr id="6" name="灯片编号占位符 5"/>
           <p:cNvSpPr>
             <a:spLocks noGrp="1"/>
           </p:cNvSpPr>
@@ -11605,7 +11483,6 @@
           <a:p>
             <a:fld id="{6E190E77-D57C-49F8-ADC2-FB99C50EBC2E}" type="slidenum">
               <a:rPr lang="zh-CN" altLang="en-US" smtClean="0"/>
-              <a:t>‹#›</a:t>
             </a:fld>
             <a:endParaRPr lang="zh-CN" altLang="en-US"/>
           </a:p>
@@ -11613,13 +11490,7 @@
       </p:sp>
       <p:sp>
         <p:nvSpPr>
-          <p:cNvPr id="9" name="矩形 8">
-            <a:extLst>
-              <a:ext uri="{FF2B5EF4-FFF2-40B4-BE49-F238E27FC236}">
-                <a16:creationId xmlns:a16="http://schemas.microsoft.com/office/drawing/2014/main" id="{F8CD92C1-49CC-4A26-AA0A-6CACEDCFC082}"/>
-              </a:ext>
-            </a:extLst>
-          </p:cNvPr>
+          <p:cNvPr id="9" name="矩形 8"/>
           <p:cNvSpPr/>
           <p:nvPr userDrawn="1"/>
         </p:nvSpPr>
@@ -11737,15 +11608,17 @@
               </a:rPr>
               <a:t>www.tukuppt.com</a:t>
             </a:r>
+            <a:endParaRPr lang="en-US" altLang="zh-CN" sz="300" dirty="0">
+              <a:solidFill>
+                <a:schemeClr val="bg1"/>
+              </a:solidFill>
+              <a:latin typeface="微软雅黑 Light" panose="020B0502040204020203" pitchFamily="34" charset="-122"/>
+              <a:ea typeface="微软雅黑 Light" panose="020B0502040204020203" pitchFamily="34" charset="-122"/>
+            </a:endParaRPr>
           </a:p>
         </p:txBody>
       </p:sp>
     </p:spTree>
-    <p:extLst>
-      <p:ext uri="{BB962C8B-B14F-4D97-AF65-F5344CB8AC3E}">
-        <p14:creationId xmlns:p14="http://schemas.microsoft.com/office/powerpoint/2010/main" val="775740211"/>
-      </p:ext>
-    </p:extLst>
   </p:cSld>
   <p:clrMapOvr>
     <a:masterClrMapping/>
@@ -11803,6 +11676,7 @@
               <a:rPr lang="zh-CN" altLang="en-US" dirty="0"/>
               <a:t>单击此处编辑母版标题样式</a:t>
             </a:r>
+            <a:endParaRPr lang="zh-CN" altLang="en-US" dirty="0"/>
           </a:p>
         </p:txBody>
       </p:sp>
@@ -11834,8 +11708,6 @@
           <a:p>
             <a:fld id="{263DB197-84B0-484E-9C0F-88358ECCB797}" type="datetimeFigureOut">
               <a:rPr lang="zh-CN" altLang="en-US" smtClean="0"/>
-              <a:pPr/>
-              <a:t>2023/6/16</a:t>
             </a:fld>
             <a:endParaRPr lang="zh-CN" altLang="en-US" dirty="0"/>
           </a:p>
@@ -11899,19 +11771,12 @@
           <a:p>
             <a:fld id="{E077DA78-E013-4A8C-AD75-63A150561B10}" type="slidenum">
               <a:rPr lang="zh-CN" altLang="en-US" smtClean="0"/>
-              <a:pPr/>
-              <a:t>‹#›</a:t>
             </a:fld>
             <a:endParaRPr lang="zh-CN" altLang="en-US" dirty="0"/>
           </a:p>
         </p:txBody>
       </p:sp>
     </p:spTree>
-    <p:extLst>
-      <p:ext uri="{BB962C8B-B14F-4D97-AF65-F5344CB8AC3E}">
-        <p14:creationId xmlns:p14="http://schemas.microsoft.com/office/powerpoint/2010/main" val="270268847"/>
-      </p:ext>
-    </p:extLst>
   </p:cSld>
   <p:clrMapOvr>
     <a:masterClrMapping/>
@@ -11969,6 +11834,7 @@
               <a:rPr lang="zh-CN" altLang="en-US" dirty="0"/>
               <a:t>单击此处编辑母版标题样式</a:t>
             </a:r>
+            <a:endParaRPr lang="zh-CN" altLang="en-US" dirty="0"/>
           </a:p>
         </p:txBody>
       </p:sp>
@@ -12000,8 +11866,6 @@
           <a:p>
             <a:fld id="{263DB197-84B0-484E-9C0F-88358ECCB797}" type="datetimeFigureOut">
               <a:rPr lang="zh-CN" altLang="en-US" smtClean="0"/>
-              <a:pPr/>
-              <a:t>2023/6/16</a:t>
             </a:fld>
             <a:endParaRPr lang="zh-CN" altLang="en-US" dirty="0"/>
           </a:p>
@@ -12065,8 +11929,6 @@
           <a:p>
             <a:fld id="{E077DA78-E013-4A8C-AD75-63A150561B10}" type="slidenum">
               <a:rPr lang="zh-CN" altLang="en-US" smtClean="0"/>
-              <a:pPr/>
-              <a:t>‹#›</a:t>
             </a:fld>
             <a:endParaRPr lang="zh-CN" altLang="en-US" dirty="0"/>
           </a:p>
@@ -12130,6 +11992,7 @@
               <a:rPr lang="zh-CN" altLang="en-US" dirty="0"/>
               <a:t>单击此处编辑母版标题样式</a:t>
             </a:r>
+            <a:endParaRPr lang="zh-CN" altLang="en-US" dirty="0"/>
           </a:p>
         </p:txBody>
       </p:sp>
@@ -12161,8 +12024,6 @@
           <a:p>
             <a:fld id="{263DB197-84B0-484E-9C0F-88358ECCB797}" type="datetimeFigureOut">
               <a:rPr lang="zh-CN" altLang="en-US" smtClean="0"/>
-              <a:pPr/>
-              <a:t>2023/6/16</a:t>
             </a:fld>
             <a:endParaRPr lang="zh-CN" altLang="en-US" dirty="0"/>
           </a:p>
@@ -12226,8 +12087,6 @@
           <a:p>
             <a:fld id="{E077DA78-E013-4A8C-AD75-63A150561B10}" type="slidenum">
               <a:rPr lang="zh-CN" altLang="en-US" smtClean="0"/>
-              <a:pPr/>
-              <a:t>‹#›</a:t>
             </a:fld>
             <a:endParaRPr lang="zh-CN" altLang="en-US" dirty="0"/>
           </a:p>
@@ -12291,6 +12150,7 @@
               <a:rPr lang="zh-CN" altLang="en-US" dirty="0"/>
               <a:t>单击此处编辑母版标题样式</a:t>
             </a:r>
+            <a:endParaRPr lang="zh-CN" altLang="en-US" dirty="0"/>
           </a:p>
         </p:txBody>
       </p:sp>
@@ -12322,8 +12182,6 @@
           <a:p>
             <a:fld id="{263DB197-84B0-484E-9C0F-88358ECCB797}" type="datetimeFigureOut">
               <a:rPr lang="zh-CN" altLang="en-US" smtClean="0"/>
-              <a:pPr/>
-              <a:t>2023/6/16</a:t>
             </a:fld>
             <a:endParaRPr lang="zh-CN" altLang="en-US" dirty="0"/>
           </a:p>
@@ -12387,8 +12245,6 @@
           <a:p>
             <a:fld id="{E077DA78-E013-4A8C-AD75-63A150561B10}" type="slidenum">
               <a:rPr lang="zh-CN" altLang="en-US" smtClean="0"/>
-              <a:pPr/>
-              <a:t>‹#›</a:t>
             </a:fld>
             <a:endParaRPr lang="zh-CN" altLang="en-US" dirty="0"/>
           </a:p>
@@ -12452,6 +12308,7 @@
               <a:rPr lang="zh-CN" altLang="en-US" dirty="0"/>
               <a:t>单击此处编辑母版标题样式</a:t>
             </a:r>
+            <a:endParaRPr lang="zh-CN" altLang="en-US" dirty="0"/>
           </a:p>
         </p:txBody>
       </p:sp>
@@ -12483,8 +12340,6 @@
           <a:p>
             <a:fld id="{263DB197-84B0-484E-9C0F-88358ECCB797}" type="datetimeFigureOut">
               <a:rPr lang="zh-CN" altLang="en-US" smtClean="0"/>
-              <a:pPr/>
-              <a:t>2023/6/16</a:t>
             </a:fld>
             <a:endParaRPr lang="zh-CN" altLang="en-US" dirty="0"/>
           </a:p>
@@ -12548,8 +12403,6 @@
           <a:p>
             <a:fld id="{E077DA78-E013-4A8C-AD75-63A150561B10}" type="slidenum">
               <a:rPr lang="zh-CN" altLang="en-US" smtClean="0"/>
-              <a:pPr/>
-              <a:t>‹#›</a:t>
             </a:fld>
             <a:endParaRPr lang="zh-CN" altLang="en-US" dirty="0"/>
           </a:p>
@@ -12613,6 +12466,7 @@
               <a:rPr lang="zh-CN" altLang="en-US" dirty="0"/>
               <a:t>单击此处编辑母版标题样式</a:t>
             </a:r>
+            <a:endParaRPr lang="zh-CN" altLang="en-US" dirty="0"/>
           </a:p>
         </p:txBody>
       </p:sp>
@@ -12644,8 +12498,6 @@
           <a:p>
             <a:fld id="{263DB197-84B0-484E-9C0F-88358ECCB797}" type="datetimeFigureOut">
               <a:rPr lang="zh-CN" altLang="en-US" smtClean="0"/>
-              <a:pPr/>
-              <a:t>2023/6/16</a:t>
             </a:fld>
             <a:endParaRPr lang="zh-CN" altLang="en-US" dirty="0"/>
           </a:p>
@@ -12709,8 +12561,6 @@
           <a:p>
             <a:fld id="{E077DA78-E013-4A8C-AD75-63A150561B10}" type="slidenum">
               <a:rPr lang="zh-CN" altLang="en-US" smtClean="0"/>
-              <a:pPr/>
-              <a:t>‹#›</a:t>
             </a:fld>
             <a:endParaRPr lang="zh-CN" altLang="en-US" dirty="0"/>
           </a:p>
@@ -12774,6 +12624,7 @@
               <a:rPr lang="zh-CN" altLang="en-US" dirty="0"/>
               <a:t>单击此处编辑母版标题样式</a:t>
             </a:r>
+            <a:endParaRPr lang="zh-CN" altLang="en-US" dirty="0"/>
           </a:p>
         </p:txBody>
       </p:sp>
@@ -12805,8 +12656,6 @@
           <a:p>
             <a:fld id="{263DB197-84B0-484E-9C0F-88358ECCB797}" type="datetimeFigureOut">
               <a:rPr lang="zh-CN" altLang="en-US" smtClean="0"/>
-              <a:pPr/>
-              <a:t>2023/6/16</a:t>
             </a:fld>
             <a:endParaRPr lang="zh-CN" altLang="en-US" dirty="0"/>
           </a:p>
@@ -12870,8 +12719,6 @@
           <a:p>
             <a:fld id="{E077DA78-E013-4A8C-AD75-63A150561B10}" type="slidenum">
               <a:rPr lang="zh-CN" altLang="en-US" smtClean="0"/>
-              <a:pPr/>
-              <a:t>‹#›</a:t>
             </a:fld>
             <a:endParaRPr lang="zh-CN" altLang="en-US" dirty="0"/>
           </a:p>
@@ -13567,7 +13414,7 @@
           <p:nvPr>
             <p:ph type="title"/>
             <p:custDataLst>
-              <p:tags r:id="rId14"/>
+              <p:tags r:id="rId13"/>
             </p:custDataLst>
           </p:nvPr>
         </p:nvSpPr>
@@ -13590,6 +13437,7 @@
               <a:rPr lang="zh-CN" altLang="en-US" dirty="0"/>
               <a:t>单击此处编辑母版标题样式</a:t>
             </a:r>
+            <a:endParaRPr lang="zh-CN" altLang="en-US" dirty="0"/>
           </a:p>
         </p:txBody>
       </p:sp>
@@ -13602,7 +13450,7 @@
           <p:nvPr>
             <p:ph type="body" idx="1"/>
             <p:custDataLst>
-              <p:tags r:id="rId15"/>
+              <p:tags r:id="rId14"/>
             </p:custDataLst>
           </p:nvPr>
         </p:nvSpPr>
@@ -13626,6 +13474,7 @@
               <a:rPr lang="zh-CN" altLang="en-US" dirty="0"/>
               <a:t>单击此处编辑母版文本样式</a:t>
             </a:r>
+            <a:endParaRPr lang="zh-CN" altLang="en-US" dirty="0"/>
           </a:p>
           <a:p>
             <a:pPr lvl="1"/>
@@ -13633,6 +13482,7 @@
               <a:rPr lang="zh-CN" altLang="en-US" dirty="0"/>
               <a:t>第二级</a:t>
             </a:r>
+            <a:endParaRPr lang="zh-CN" altLang="en-US" dirty="0"/>
           </a:p>
           <a:p>
             <a:pPr lvl="2"/>
@@ -13640,6 +13490,7 @@
               <a:rPr lang="zh-CN" altLang="en-US" dirty="0"/>
               <a:t>第三级</a:t>
             </a:r>
+            <a:endParaRPr lang="zh-CN" altLang="en-US" dirty="0"/>
           </a:p>
           <a:p>
             <a:pPr lvl="3"/>
@@ -13647,6 +13498,7 @@
               <a:rPr lang="zh-CN" altLang="en-US" dirty="0"/>
               <a:t>第四级</a:t>
             </a:r>
+            <a:endParaRPr lang="zh-CN" altLang="en-US" dirty="0"/>
           </a:p>
           <a:p>
             <a:pPr lvl="4"/>
@@ -13654,6 +13506,7 @@
               <a:rPr lang="zh-CN" altLang="en-US" dirty="0"/>
               <a:t>第五级</a:t>
             </a:r>
+            <a:endParaRPr lang="zh-CN" altLang="en-US" dirty="0"/>
           </a:p>
         </p:txBody>
       </p:sp>
@@ -13698,8 +13551,6 @@
           <a:p>
             <a:fld id="{D7E32B8C-E81A-4559-905F-EA468C4AE0F6}" type="datetimeFigureOut">
               <a:rPr lang="zh-CN" altLang="en-US" smtClean="0"/>
-              <a:pPr/>
-              <a:t>2023/6/16</a:t>
             </a:fld>
             <a:endParaRPr lang="zh-CN" altLang="en-US" dirty="0"/>
           </a:p>
@@ -13789,8 +13640,6 @@
           <a:p>
             <a:fld id="{5DC302A8-733F-4FC4-86EA-56C94980066F}" type="slidenum">
               <a:rPr lang="zh-CN" altLang="en-US" smtClean="0"/>
-              <a:pPr/>
-              <a:t>‹#›</a:t>
             </a:fld>
             <a:endParaRPr lang="zh-CN" altLang="en-US" dirty="0"/>
           </a:p>
@@ -13802,7 +13651,7 @@
           <p:cNvSpPr/>
           <p:nvPr>
             <p:custDataLst>
-              <p:tags r:id="rId16"/>
+              <p:tags r:id="rId15"/>
             </p:custDataLst>
           </p:nvPr>
         </p:nvSpPr>
@@ -13856,8 +13705,8 @@
     <p:sldLayoutId id="2147483677" r:id="rId8"/>
     <p:sldLayoutId id="2147483678" r:id="rId9"/>
     <p:sldLayoutId id="2147483679" r:id="rId10"/>
-    <p:sldLayoutId id="2147483681" r:id="rId11"/>
-    <p:sldLayoutId id="2147483694" r:id="rId12"/>
+    <p:sldLayoutId id="2147483680" r:id="rId11"/>
+    <p:sldLayoutId id="2147483681" r:id="rId12"/>
   </p:sldLayoutIdLst>
   <p:transition spd="slow">
     <p:cover/>
@@ -14186,7 +14035,7 @@
           <p:nvPr>
             <p:ph type="subTitle" idx="1"/>
             <p:custDataLst>
-              <p:tags r:id="rId2"/>
+              <p:tags r:id="rId1"/>
             </p:custDataLst>
           </p:nvPr>
         </p:nvSpPr>
@@ -14213,6 +14062,7 @@
               <a:rPr lang="zh-CN" altLang="en-US" dirty="0"/>
               <a:t>何子亨、陈浩、黎炜堂、黄润</a:t>
             </a:r>
+            <a:endParaRPr lang="zh-CN" altLang="en-US" dirty="0"/>
           </a:p>
           <a:p>
             <a:endParaRPr lang="en-US" altLang="zh-CN" dirty="0"/>
@@ -14225,7 +14075,7 @@
           <p:cNvSpPr txBox="1"/>
           <p:nvPr>
             <p:custDataLst>
-              <p:tags r:id="rId3"/>
+              <p:tags r:id="rId2"/>
             </p:custDataLst>
           </p:nvPr>
         </p:nvSpPr>
@@ -14378,21 +14228,16 @@
               </a:rPr>
               <a:t>2023</a:t>
             </a:r>
+            <a:endParaRPr lang="en-US" altLang="zh-CN" sz="4950" dirty="0">
+              <a:ea typeface="微软雅黑 Light" panose="020B0502040204020203" pitchFamily="34" charset="-122"/>
+            </a:endParaRPr>
           </a:p>
         </p:txBody>
       </p:sp>
       <p:sp>
         <p:nvSpPr>
-          <p:cNvPr id="5" name="标题 2">
-            <a:extLst>
-              <a:ext uri="{FF2B5EF4-FFF2-40B4-BE49-F238E27FC236}">
-                <a16:creationId xmlns:a16="http://schemas.microsoft.com/office/drawing/2014/main" id="{CE5D5008-0E44-9A21-C4C1-6E3285F4EE72}"/>
-              </a:ext>
-            </a:extLst>
-          </p:cNvPr>
-          <p:cNvSpPr txBox="1">
-            <a:spLocks/>
-          </p:cNvSpPr>
+          <p:cNvPr id="5" name="标题 2"/>
+          <p:cNvSpPr txBox="1"/>
           <p:nvPr/>
         </p:nvSpPr>
         <p:spPr>
@@ -14432,13 +14277,13 @@
               <a:rPr lang="zh-CN" altLang="zh-CN" sz="7200" dirty="0"/>
               <a:t>To-Do List</a:t>
             </a:r>
-            <a:endParaRPr lang="zh-cn" sz="7200" dirty="0"/>
+            <a:endParaRPr lang="en-US" sz="7200" dirty="0"/>
           </a:p>
         </p:txBody>
       </p:sp>
     </p:spTree>
     <p:custDataLst>
-      <p:tags r:id="rId1"/>
+      <p:tags r:id="rId3"/>
     </p:custDataLst>
   </p:cSld>
   <p:clrMapOvr>
@@ -15011,7 +14856,7 @@
           <p:cNvSpPr txBox="1"/>
           <p:nvPr>
             <p:custDataLst>
-              <p:tags r:id="rId2"/>
+              <p:tags r:id="rId1"/>
             </p:custDataLst>
           </p:nvPr>
         </p:nvSpPr>
@@ -15054,6 +14899,9 @@
               </a:rPr>
               <a:t>用户体验及改进</a:t>
             </a:r>
+            <a:endParaRPr lang="zh-CN" altLang="en-US" sz="3000" dirty="0">
+              <a:ea typeface="微软雅黑 Light" panose="020B0502040204020203" pitchFamily="34" charset="-122"/>
+            </a:endParaRPr>
           </a:p>
         </p:txBody>
       </p:sp>
@@ -15063,7 +14911,7 @@
           <p:cNvSpPr txBox="1"/>
           <p:nvPr>
             <p:custDataLst>
-              <p:tags r:id="rId3"/>
+              <p:tags r:id="rId2"/>
             </p:custDataLst>
           </p:nvPr>
         </p:nvSpPr>
@@ -15253,7 +15101,7 @@
           <p:cNvSpPr txBox="1"/>
           <p:nvPr>
             <p:custDataLst>
-              <p:tags r:id="rId4"/>
+              <p:tags r:id="rId3"/>
             </p:custDataLst>
           </p:nvPr>
         </p:nvSpPr>
@@ -15291,12 +15139,15 @@
               </a:rPr>
               <a:t>03</a:t>
             </a:r>
+            <a:endParaRPr lang="en-US" altLang="zh-CN" sz="6600" dirty="0">
+              <a:ea typeface="微软雅黑 Light" panose="020B0502040204020203" pitchFamily="34" charset="-122"/>
+            </a:endParaRPr>
           </a:p>
         </p:txBody>
       </p:sp>
     </p:spTree>
     <p:custDataLst>
-      <p:tags r:id="rId1"/>
+      <p:tags r:id="rId4"/>
     </p:custDataLst>
   </p:cSld>
   <p:clrMapOvr>
@@ -15885,6 +15736,13 @@
                   </a:rPr>
                   <a:t>主题单调</a:t>
                 </a:r>
+                <a:endParaRPr lang="zh-CN" altLang="en-US" sz="1600" b="1" dirty="0">
+                  <a:solidFill>
+                    <a:schemeClr val="bg1"/>
+                  </a:solidFill>
+                  <a:latin typeface="微软雅黑 Light" panose="020B0502040204020203" pitchFamily="34" charset="-122"/>
+                  <a:ea typeface="微软雅黑 Light" panose="020B0502040204020203" pitchFamily="34" charset="-122"/>
+                </a:endParaRPr>
               </a:p>
             </p:txBody>
           </p:sp>
@@ -16137,6 +15995,13 @@
                   </a:rPr>
                   <a:t>按日期管理事项</a:t>
                 </a:r>
+                <a:endParaRPr lang="zh-CN" altLang="en-US" sz="1600" b="1" dirty="0">
+                  <a:solidFill>
+                    <a:schemeClr val="bg1"/>
+                  </a:solidFill>
+                  <a:latin typeface="微软雅黑 Light" panose="020B0502040204020203" pitchFamily="34" charset="-122"/>
+                  <a:ea typeface="微软雅黑 Light" panose="020B0502040204020203" pitchFamily="34" charset="-122"/>
+                </a:endParaRPr>
               </a:p>
             </p:txBody>
           </p:sp>
@@ -16389,6 +16254,13 @@
                   </a:rPr>
                   <a:t>导入其他应用数据</a:t>
                 </a:r>
+                <a:endParaRPr lang="zh-CN" altLang="en-US" sz="1600" b="1" dirty="0">
+                  <a:solidFill>
+                    <a:schemeClr val="bg1"/>
+                  </a:solidFill>
+                  <a:latin typeface="微软雅黑 Light" panose="020B0502040204020203" pitchFamily="34" charset="-122"/>
+                  <a:ea typeface="微软雅黑 Light" panose="020B0502040204020203" pitchFamily="34" charset="-122"/>
+                </a:endParaRPr>
               </a:p>
             </p:txBody>
           </p:sp>
@@ -16827,7 +16699,7 @@
           <p:cNvSpPr txBox="1"/>
           <p:nvPr>
             <p:custDataLst>
-              <p:tags r:id="rId2"/>
+              <p:tags r:id="rId1"/>
             </p:custDataLst>
           </p:nvPr>
         </p:nvSpPr>
@@ -16870,6 +16742,9 @@
               </a:rPr>
               <a:t>团队分工计划</a:t>
             </a:r>
+            <a:endParaRPr lang="zh-CN" altLang="en-US" sz="3000" dirty="0">
+              <a:ea typeface="微软雅黑 Light" panose="020B0502040204020203" pitchFamily="34" charset="-122"/>
+            </a:endParaRPr>
           </a:p>
         </p:txBody>
       </p:sp>
@@ -16879,7 +16754,7 @@
           <p:cNvSpPr txBox="1"/>
           <p:nvPr>
             <p:custDataLst>
-              <p:tags r:id="rId3"/>
+              <p:tags r:id="rId2"/>
             </p:custDataLst>
           </p:nvPr>
         </p:nvSpPr>
@@ -17069,7 +16944,7 @@
           <p:cNvSpPr txBox="1"/>
           <p:nvPr>
             <p:custDataLst>
-              <p:tags r:id="rId4"/>
+              <p:tags r:id="rId3"/>
             </p:custDataLst>
           </p:nvPr>
         </p:nvSpPr>
@@ -17107,12 +16982,15 @@
               </a:rPr>
               <a:t>04</a:t>
             </a:r>
+            <a:endParaRPr lang="en-US" altLang="zh-CN" sz="6600" dirty="0">
+              <a:ea typeface="微软雅黑 Light" panose="020B0502040204020203" pitchFamily="34" charset="-122"/>
+            </a:endParaRPr>
           </a:p>
         </p:txBody>
       </p:sp>
     </p:spTree>
     <p:custDataLst>
-      <p:tags r:id="rId1"/>
+      <p:tags r:id="rId4"/>
     </p:custDataLst>
   </p:cSld>
   <p:clrMapOvr>
@@ -19203,7 +19081,7 @@
         <p:spPr>
           <a:xfrm>
             <a:off x="4237831" y="1325701"/>
-            <a:ext cx="4898203" cy="2862312"/>
+            <a:ext cx="4898203" cy="2675255"/>
           </a:xfrm>
           <a:prstGeom prst="rect">
             <a:avLst/>
@@ -19249,9 +19127,57 @@
                 <a:latin typeface="微软雅黑 Light" panose="020B0502040204020203" pitchFamily="34" charset="-122"/>
                 <a:ea typeface="微软雅黑 Light" panose="020B0502040204020203" pitchFamily="34" charset="-122"/>
               </a:rPr>
-              <a:t>负责设计和开发应用程序的用户界面和用户体验，包括主要功能、交互设计和用户流程等。</a:t>
+              <a:t>负责整体</a:t>
             </a:r>
-            <a:endParaRPr lang="en-US" altLang="zh-CN" sz="1200" b="1" dirty="0">
+            <a:r>
+              <a:rPr lang="en-US" altLang="zh-CN" sz="1200" b="1" dirty="0">
+                <a:solidFill>
+                  <a:schemeClr val="bg1">
+                    <a:lumMod val="50000"/>
+                  </a:schemeClr>
+                </a:solidFill>
+                <a:latin typeface="微软雅黑 Light" panose="020B0502040204020203" pitchFamily="34" charset="-122"/>
+                <a:ea typeface="微软雅黑 Light" panose="020B0502040204020203" pitchFamily="34" charset="-122"/>
+              </a:rPr>
+              <a:t>ui</a:t>
+            </a:r>
+            <a:r>
+              <a:rPr lang="zh-CN" altLang="en-US" sz="1200" b="1" dirty="0">
+                <a:solidFill>
+                  <a:schemeClr val="bg1">
+                    <a:lumMod val="50000"/>
+                  </a:schemeClr>
+                </a:solidFill>
+                <a:latin typeface="微软雅黑 Light" panose="020B0502040204020203" pitchFamily="34" charset="-122"/>
+                <a:ea typeface="微软雅黑 Light" panose="020B0502040204020203" pitchFamily="34" charset="-122"/>
+              </a:rPr>
+              <a:t>风格，数据结构的设计，添加页面的具体实现，包括</a:t>
+            </a:r>
+            <a:r>
+              <a:rPr lang="en-US" altLang="zh-CN" sz="1200" b="1" dirty="0">
+                <a:solidFill>
+                  <a:schemeClr val="bg1">
+                    <a:lumMod val="50000"/>
+                  </a:schemeClr>
+                </a:solidFill>
+                <a:latin typeface="微软雅黑 Light" panose="020B0502040204020203" pitchFamily="34" charset="-122"/>
+                <a:ea typeface="微软雅黑 Light" panose="020B0502040204020203" pitchFamily="34" charset="-122"/>
+              </a:rPr>
+              <a:t>ui</a:t>
+            </a:r>
+            <a:r>
+              <a:rPr lang="zh-CN" altLang="en-US" sz="1200" b="1" dirty="0">
+                <a:solidFill>
+                  <a:schemeClr val="bg1">
+                    <a:lumMod val="50000"/>
+                  </a:schemeClr>
+                </a:solidFill>
+                <a:latin typeface="微软雅黑 Light" panose="020B0502040204020203" pitchFamily="34" charset="-122"/>
+                <a:ea typeface="微软雅黑 Light" panose="020B0502040204020203" pitchFamily="34" charset="-122"/>
+              </a:rPr>
+              <a:t>动画以及功能。</a:t>
+            </a:r>
+            <a:endParaRPr lang="zh-CN" altLang="en-US" sz="1200" b="1" dirty="0">
               <a:solidFill>
                 <a:schemeClr val="bg1">
                   <a:lumMod val="50000"/>
@@ -19306,7 +19232,7 @@
                 <a:latin typeface="微软雅黑 Light" panose="020B0502040204020203" pitchFamily="34" charset="-122"/>
                 <a:ea typeface="微软雅黑 Light" panose="020B0502040204020203" pitchFamily="34" charset="-122"/>
               </a:rPr>
-              <a:t>负责设计和开发应用程序的后端架构和业务逻辑，包括登录和账户管理功能、云端数据同步功能等。</a:t>
+              <a:t>负责注册页面的设计与实现，以及效果调查，对所有资料进行整理及总结，文档的编写。</a:t>
             </a:r>
             <a:endParaRPr lang="en-US" altLang="zh-CN" sz="1200" b="1" dirty="0">
               <a:solidFill>
@@ -19363,8 +19289,31 @@
                 <a:latin typeface="微软雅黑 Light" panose="020B0502040204020203" pitchFamily="34" charset="-122"/>
                 <a:ea typeface="微软雅黑 Light" panose="020B0502040204020203" pitchFamily="34" charset="-122"/>
               </a:rPr>
-              <a:t>收集相关工作的资料、使用自动化工具来管理应用程序的部署、监控和维护等工作。</a:t>
+              <a:t>负责主页面的设计与实现，包括数据传递的方式以及存储</a:t>
             </a:r>
+            <a:r>
+              <a:rPr lang="zh-CN" altLang="en-US" sz="1200" b="1" dirty="0">
+                <a:solidFill>
+                  <a:schemeClr val="bg1">
+                    <a:lumMod val="50000"/>
+                  </a:schemeClr>
+                </a:solidFill>
+                <a:latin typeface="微软雅黑 Light" panose="020B0502040204020203" pitchFamily="34" charset="-122"/>
+                <a:ea typeface="微软雅黑 Light" panose="020B0502040204020203" pitchFamily="34" charset="-122"/>
+              </a:rPr>
+              <a:t>方式。</a:t>
+            </a:r>
+            <a:endParaRPr lang="zh-CN" altLang="en-US" sz="1200" b="1" dirty="0">
+              <a:solidFill>
+                <a:schemeClr val="bg1">
+                  <a:lumMod val="50000"/>
+                </a:schemeClr>
+              </a:solidFill>
+              <a:latin typeface="微软雅黑 Light" panose="020B0502040204020203" pitchFamily="34" charset="-122"/>
+              <a:ea typeface="微软雅黑 Light" panose="020B0502040204020203" pitchFamily="34" charset="-122"/>
+            </a:endParaRPr>
+          </a:p>
+          <a:p>
             <a:endParaRPr lang="en-US" altLang="zh-CN" sz="1200" b="1" dirty="0">
               <a:solidFill>
                 <a:schemeClr val="bg1">
@@ -19420,9 +19369,57 @@
                 <a:latin typeface="微软雅黑 Light" panose="020B0502040204020203" pitchFamily="34" charset="-122"/>
                 <a:ea typeface="微软雅黑 Light" panose="020B0502040204020203" pitchFamily="34" charset="-122"/>
               </a:rPr>
-              <a:t>负责在开发过程中进行测试和质量保障工作，包括功能测试、性能测试和用户体验测试等。</a:t>
+              <a:t>负责登录页面</a:t>
             </a:r>
-            <a:endParaRPr lang="en-US" altLang="zh-CN" sz="1200" b="1" dirty="0">
+            <a:r>
+              <a:rPr lang="zh-CN" altLang="en-US" sz="1200" b="1" dirty="0">
+                <a:solidFill>
+                  <a:schemeClr val="bg1">
+                    <a:lumMod val="50000"/>
+                  </a:schemeClr>
+                </a:solidFill>
+                <a:latin typeface="微软雅黑 Light" panose="020B0502040204020203" pitchFamily="34" charset="-122"/>
+                <a:ea typeface="微软雅黑 Light" panose="020B0502040204020203" pitchFamily="34" charset="-122"/>
+              </a:rPr>
+              <a:t>设计与实现，以及对</a:t>
+            </a:r>
+            <a:r>
+              <a:rPr lang="en-US" altLang="zh-CN" sz="1200" b="1" dirty="0">
+                <a:solidFill>
+                  <a:schemeClr val="bg1">
+                    <a:lumMod val="50000"/>
+                  </a:schemeClr>
+                </a:solidFill>
+                <a:latin typeface="微软雅黑 Light" panose="020B0502040204020203" pitchFamily="34" charset="-122"/>
+                <a:ea typeface="微软雅黑 Light" panose="020B0502040204020203" pitchFamily="34" charset="-122"/>
+              </a:rPr>
+              <a:t>app</a:t>
+            </a:r>
+            <a:r>
+              <a:rPr lang="zh-CN" altLang="en-US" sz="1200" b="1" dirty="0">
+                <a:solidFill>
+                  <a:schemeClr val="bg1">
+                    <a:lumMod val="50000"/>
+                  </a:schemeClr>
+                </a:solidFill>
+                <a:latin typeface="微软雅黑 Light" panose="020B0502040204020203" pitchFamily="34" charset="-122"/>
+                <a:ea typeface="微软雅黑 Light" panose="020B0502040204020203" pitchFamily="34" charset="-122"/>
+              </a:rPr>
+              <a:t>实施全面的</a:t>
+            </a:r>
+            <a:r>
+              <a:rPr lang="zh-CN" altLang="en-US" sz="1200" b="1" dirty="0">
+                <a:solidFill>
+                  <a:schemeClr val="bg1">
+                    <a:lumMod val="50000"/>
+                  </a:schemeClr>
+                </a:solidFill>
+                <a:latin typeface="微软雅黑 Light" panose="020B0502040204020203" pitchFamily="34" charset="-122"/>
+                <a:ea typeface="微软雅黑 Light" panose="020B0502040204020203" pitchFamily="34" charset="-122"/>
+              </a:rPr>
+              <a:t>测试。</a:t>
+            </a:r>
+            <a:endParaRPr lang="zh-CN" altLang="en-US" sz="1200" b="1" dirty="0">
               <a:solidFill>
                 <a:schemeClr val="bg1">
                   <a:lumMod val="50000"/>
@@ -19515,6 +19512,11 @@
               </a:rPr>
               <a:t>print the presentation and make it into a film a wider field</a:t>
             </a:r>
+            <a:endParaRPr lang="en-US" altLang="zh-CN" sz="790" dirty="0">
+              <a:latin typeface="Calibri" panose="020F0502020204030204" pitchFamily="34" charset="0"/>
+              <a:ea typeface="微软雅黑 Light" panose="020B0502040204020203" pitchFamily="34" charset="-122"/>
+              <a:sym typeface="Calibri" panose="020F0502020204030204" pitchFamily="34" charset="0"/>
+            </a:endParaRPr>
           </a:p>
         </p:txBody>
       </p:sp>
@@ -19610,11 +19612,6 @@
         </p:txBody>
       </p:sp>
     </p:spTree>
-    <p:extLst>
-      <p:ext uri="{BB962C8B-B14F-4D97-AF65-F5344CB8AC3E}">
-        <p14:creationId xmlns:p14="http://schemas.microsoft.com/office/powerpoint/2010/main" val="374974726"/>
-      </p:ext>
-    </p:extLst>
   </p:cSld>
   <p:clrMapOvr>
     <a:masterClrMapping/>
@@ -19873,7 +19870,7 @@
           <p:nvPr>
             <p:ph type="title"/>
             <p:custDataLst>
-              <p:tags r:id="rId2"/>
+              <p:tags r:id="rId1"/>
             </p:custDataLst>
           </p:nvPr>
         </p:nvSpPr>
@@ -19888,6 +19885,7 @@
               <a:rPr lang="zh-CN" altLang="en-US"/>
               <a:t>谢谢观看</a:t>
             </a:r>
+            <a:endParaRPr lang="zh-CN" altLang="en-US"/>
           </a:p>
         </p:txBody>
       </p:sp>
@@ -19900,7 +19898,7 @@
           <p:nvPr>
             <p:ph type="body" sz="quarter" idx="13"/>
             <p:custDataLst>
-              <p:tags r:id="rId3"/>
+              <p:tags r:id="rId2"/>
             </p:custDataLst>
           </p:nvPr>
         </p:nvSpPr>
@@ -19913,12 +19911,13 @@
               <a:rPr lang="en-US" altLang="zh-CN"/>
               <a:t>THANK YOU</a:t>
             </a:r>
+            <a:endParaRPr lang="en-US" altLang="zh-CN"/>
           </a:p>
         </p:txBody>
       </p:sp>
     </p:spTree>
     <p:custDataLst>
-      <p:tags r:id="rId1"/>
+      <p:tags r:id="rId3"/>
     </p:custDataLst>
   </p:cSld>
   <p:clrMapOvr>
@@ -20086,7 +20085,7 @@
           <p:cNvSpPr/>
           <p:nvPr>
             <p:custDataLst>
-              <p:tags r:id="rId2"/>
+              <p:tags r:id="rId1"/>
             </p:custDataLst>
           </p:nvPr>
         </p:nvSpPr>
@@ -20150,7 +20149,7 @@
           <p:cNvSpPr/>
           <p:nvPr>
             <p:custDataLst>
-              <p:tags r:id="rId3"/>
+              <p:tags r:id="rId2"/>
             </p:custDataLst>
           </p:nvPr>
         </p:nvSpPr>
@@ -20214,7 +20213,7 @@
           <p:cNvSpPr/>
           <p:nvPr>
             <p:custDataLst>
-              <p:tags r:id="rId4"/>
+              <p:tags r:id="rId3"/>
             </p:custDataLst>
           </p:nvPr>
         </p:nvSpPr>
@@ -20278,7 +20277,7 @@
           <p:cNvSpPr/>
           <p:nvPr>
             <p:custDataLst>
-              <p:tags r:id="rId5"/>
+              <p:tags r:id="rId4"/>
             </p:custDataLst>
           </p:nvPr>
         </p:nvSpPr>
@@ -20342,7 +20341,7 @@
           <p:cNvSpPr txBox="1"/>
           <p:nvPr>
             <p:custDataLst>
-              <p:tags r:id="rId6"/>
+              <p:tags r:id="rId5"/>
             </p:custDataLst>
           </p:nvPr>
         </p:nvSpPr>
@@ -20549,6 +20548,15 @@
               </a:rPr>
               <a:t>团队分工计划说明</a:t>
             </a:r>
+            <a:endParaRPr lang="zh-CN" altLang="en-US" sz="2000" dirty="0">
+              <a:solidFill>
+                <a:schemeClr val="tx1">
+                  <a:lumMod val="75000"/>
+                  <a:lumOff val="25000"/>
+                </a:schemeClr>
+              </a:solidFill>
+              <a:ea typeface="微软雅黑 Light" panose="020B0502040204020203" pitchFamily="34" charset="-122"/>
+            </a:endParaRPr>
           </a:p>
         </p:txBody>
       </p:sp>
@@ -20558,7 +20566,7 @@
           <p:cNvSpPr txBox="1"/>
           <p:nvPr>
             <p:custDataLst>
-              <p:tags r:id="rId7"/>
+              <p:tags r:id="rId6"/>
             </p:custDataLst>
           </p:nvPr>
         </p:nvSpPr>
@@ -20777,6 +20785,15 @@
               </a:rPr>
               <a:t>的测试工作</a:t>
             </a:r>
+            <a:endParaRPr lang="zh-CN" altLang="en-US" sz="2000" dirty="0">
+              <a:solidFill>
+                <a:schemeClr val="tx1">
+                  <a:lumMod val="75000"/>
+                  <a:lumOff val="25000"/>
+                </a:schemeClr>
+              </a:solidFill>
+              <a:ea typeface="微软雅黑 Light" panose="020B0502040204020203" pitchFamily="34" charset="-122"/>
+            </a:endParaRPr>
           </a:p>
         </p:txBody>
       </p:sp>
@@ -20786,7 +20803,7 @@
           <p:cNvSpPr txBox="1"/>
           <p:nvPr>
             <p:custDataLst>
-              <p:tags r:id="rId8"/>
+              <p:tags r:id="rId7"/>
             </p:custDataLst>
           </p:nvPr>
         </p:nvSpPr>
@@ -20993,6 +21010,15 @@
               </a:rPr>
               <a:t>用户体验及改进</a:t>
             </a:r>
+            <a:endParaRPr lang="zh-CN" altLang="en-US" sz="2000" dirty="0">
+              <a:solidFill>
+                <a:schemeClr val="tx1">
+                  <a:lumMod val="75000"/>
+                  <a:lumOff val="25000"/>
+                </a:schemeClr>
+              </a:solidFill>
+              <a:ea typeface="微软雅黑 Light" panose="020B0502040204020203" pitchFamily="34" charset="-122"/>
+            </a:endParaRPr>
           </a:p>
         </p:txBody>
       </p:sp>
@@ -21002,7 +21028,7 @@
           <p:cNvSpPr txBox="1"/>
           <p:nvPr>
             <p:custDataLst>
-              <p:tags r:id="rId9"/>
+              <p:tags r:id="rId8"/>
             </p:custDataLst>
           </p:nvPr>
         </p:nvSpPr>
@@ -21221,6 +21247,15 @@
               </a:rPr>
               <a:t>的开发历程</a:t>
             </a:r>
+            <a:endParaRPr lang="zh-CN" altLang="en-US" sz="2000" dirty="0">
+              <a:solidFill>
+                <a:schemeClr val="tx1">
+                  <a:lumMod val="75000"/>
+                  <a:lumOff val="25000"/>
+                </a:schemeClr>
+              </a:solidFill>
+              <a:ea typeface="微软雅黑 Light" panose="020B0502040204020203" pitchFamily="34" charset="-122"/>
+            </a:endParaRPr>
           </a:p>
         </p:txBody>
       </p:sp>
@@ -21230,7 +21265,7 @@
           <p:cNvSpPr/>
           <p:nvPr>
             <p:custDataLst>
-              <p:tags r:id="rId10"/>
+              <p:tags r:id="rId9"/>
             </p:custDataLst>
           </p:nvPr>
         </p:nvSpPr>
@@ -21283,6 +21318,14 @@
               </a:rPr>
               <a:t>CONTENTS</a:t>
             </a:r>
+            <a:endParaRPr lang="en-US" altLang="zh-CN" sz="3000" dirty="0">
+              <a:solidFill>
+                <a:schemeClr val="bg1"/>
+              </a:solidFill>
+              <a:latin typeface="+mj-lt"/>
+              <a:ea typeface="微软雅黑 Light" panose="020B0502040204020203" pitchFamily="34" charset="-122"/>
+              <a:cs typeface="+mj-cs"/>
+            </a:endParaRPr>
           </a:p>
         </p:txBody>
       </p:sp>
@@ -21379,7 +21422,7 @@
       </p:sp>
     </p:spTree>
     <p:custDataLst>
-      <p:tags r:id="rId1"/>
+      <p:tags r:id="rId10"/>
     </p:custDataLst>
   </p:cSld>
   <p:clrMapOvr>
@@ -22020,7 +22063,7 @@
           <p:cNvSpPr txBox="1"/>
           <p:nvPr>
             <p:custDataLst>
-              <p:tags r:id="rId2"/>
+              <p:tags r:id="rId1"/>
             </p:custDataLst>
           </p:nvPr>
         </p:nvSpPr>
@@ -22069,6 +22112,9 @@
               </a:rPr>
               <a:t>开发历程</a:t>
             </a:r>
+            <a:endParaRPr lang="zh-CN" altLang="en-US" sz="3000" dirty="0">
+              <a:ea typeface="微软雅黑 Light" panose="020B0502040204020203" pitchFamily="34" charset="-122"/>
+            </a:endParaRPr>
           </a:p>
         </p:txBody>
       </p:sp>
@@ -22078,7 +22124,7 @@
           <p:cNvSpPr txBox="1"/>
           <p:nvPr>
             <p:custDataLst>
-              <p:tags r:id="rId3"/>
+              <p:tags r:id="rId2"/>
             </p:custDataLst>
           </p:nvPr>
         </p:nvSpPr>
@@ -22268,7 +22314,7 @@
           <p:cNvSpPr txBox="1"/>
           <p:nvPr>
             <p:custDataLst>
-              <p:tags r:id="rId4"/>
+              <p:tags r:id="rId3"/>
             </p:custDataLst>
           </p:nvPr>
         </p:nvSpPr>
@@ -22306,12 +22352,15 @@
               </a:rPr>
               <a:t>01</a:t>
             </a:r>
+            <a:endParaRPr lang="en-US" altLang="zh-CN" sz="6600" dirty="0">
+              <a:ea typeface="微软雅黑 Light" panose="020B0502040204020203" pitchFamily="34" charset="-122"/>
+            </a:endParaRPr>
           </a:p>
         </p:txBody>
       </p:sp>
     </p:spTree>
     <p:custDataLst>
-      <p:tags r:id="rId1"/>
+      <p:tags r:id="rId4"/>
     </p:custDataLst>
   </p:cSld>
   <p:clrMapOvr>
@@ -22601,6 +22650,14 @@
               </a:rPr>
               <a:t>开发历程</a:t>
             </a:r>
+            <a:endParaRPr lang="zh-CN" altLang="en-US" sz="2100" b="1" dirty="0">
+              <a:solidFill>
+                <a:schemeClr val="tx2"/>
+              </a:solidFill>
+              <a:latin typeface="Calibri" panose="020F0502020204030204" pitchFamily="34" charset="0"/>
+              <a:ea typeface="微软雅黑 Light" panose="020B0502040204020203" pitchFamily="34" charset="-122"/>
+              <a:sym typeface="Calibri" panose="020F0502020204030204" pitchFamily="34" charset="0"/>
+            </a:endParaRPr>
           </a:p>
         </p:txBody>
       </p:sp>
@@ -22892,7 +22949,7 @@
                 </a:solidFill>
                 <a:latin typeface="微软雅黑 Light" panose="020B0502040204020203" pitchFamily="34" charset="-122"/>
                 <a:ea typeface="微软雅黑 Light" panose="020B0502040204020203" pitchFamily="34" charset="-122"/>
-                <a:sym typeface="微软雅黑" panose="020B0503020204020204" pitchFamily="34" charset="-122"/>
+                <a:sym typeface="微软雅黑" panose="020B0503020204020204" charset="-122"/>
               </a:endParaRPr>
             </a:p>
           </p:txBody>
@@ -22930,6 +22987,13 @@
                 </a:rPr>
                 <a:t>技术选择开发环境</a:t>
               </a:r>
+              <a:endParaRPr lang="zh-CN" altLang="en-US" sz="1500" dirty="0">
+                <a:solidFill>
+                  <a:schemeClr val="bg1"/>
+                </a:solidFill>
+                <a:latin typeface="微软雅黑 Light" panose="020B0502040204020203" pitchFamily="34" charset="-122"/>
+                <a:ea typeface="微软雅黑 Light" panose="020B0502040204020203" pitchFamily="34" charset="-122"/>
+              </a:endParaRPr>
             </a:p>
           </p:txBody>
         </p:sp>
@@ -22942,7 +23006,7 @@
           <p:spPr>
             <a:xfrm>
               <a:off x="6842760" y="2298500"/>
-              <a:ext cx="1630680" cy="717761"/>
+              <a:ext cx="1630680" cy="570230"/>
             </a:xfrm>
             <a:prstGeom prst="rect">
               <a:avLst/>
@@ -22978,7 +23042,7 @@
                   <a:latin typeface="微软雅黑 Light" panose="020B0502040204020203" pitchFamily="34" charset="-122"/>
                   <a:ea typeface="微软雅黑 Light" panose="020B0502040204020203" pitchFamily="34" charset="-122"/>
                 </a:rPr>
-                <a:t>HBuilderX</a:t>
+                <a:t>Android studio</a:t>
               </a:r>
               <a:endParaRPr lang="en-US" altLang="zh-CN" sz="800" dirty="0">
                 <a:solidFill>
@@ -23012,7 +23076,7 @@
                   <a:latin typeface="微软雅黑 Light" panose="020B0502040204020203" pitchFamily="34" charset="-122"/>
                   <a:ea typeface="微软雅黑 Light" panose="020B0502040204020203" pitchFamily="34" charset="-122"/>
                 </a:rPr>
-                <a:t>HTML</a:t>
+                <a:t>xml</a:t>
               </a:r>
               <a:r>
                 <a:rPr lang="zh-CN" altLang="en-US" sz="800" dirty="0">
@@ -23022,7 +23086,7 @@
                   <a:latin typeface="微软雅黑 Light" panose="020B0502040204020203" pitchFamily="34" charset="-122"/>
                   <a:ea typeface="微软雅黑 Light" panose="020B0502040204020203" pitchFamily="34" charset="-122"/>
                 </a:rPr>
-                <a:t>、</a:t>
+                <a:t>，</a:t>
               </a:r>
               <a:r>
                 <a:rPr lang="en-US" altLang="zh-CN" sz="800" dirty="0">
@@ -23032,48 +23096,15 @@
                   <a:latin typeface="微软雅黑 Light" panose="020B0502040204020203" pitchFamily="34" charset="-122"/>
                   <a:ea typeface="微软雅黑 Light" panose="020B0502040204020203" pitchFamily="34" charset="-122"/>
                 </a:rPr>
-                <a:t>JavaScript</a:t>
+                <a:t>kotlin</a:t>
               </a:r>
-              <a:r>
-                <a:rPr lang="zh-CN" altLang="en-US" sz="800" dirty="0">
-                  <a:solidFill>
-                    <a:schemeClr val="bg1"/>
-                  </a:solidFill>
-                  <a:latin typeface="微软雅黑 Light" panose="020B0502040204020203" pitchFamily="34" charset="-122"/>
-                  <a:ea typeface="微软雅黑 Light" panose="020B0502040204020203" pitchFamily="34" charset="-122"/>
-                </a:rPr>
-                <a:t>、</a:t>
-              </a:r>
-              <a:r>
-                <a:rPr lang="en-US" altLang="zh-CN" sz="800" dirty="0">
-                  <a:solidFill>
-                    <a:schemeClr val="bg1"/>
-                  </a:solidFill>
-                  <a:latin typeface="微软雅黑 Light" panose="020B0502040204020203" pitchFamily="34" charset="-122"/>
-                  <a:ea typeface="微软雅黑 Light" panose="020B0502040204020203" pitchFamily="34" charset="-122"/>
-                </a:rPr>
-                <a:t>CSS</a:t>
-              </a:r>
-              <a:r>
-                <a:rPr lang="zh-CN" altLang="en-US" sz="800" dirty="0">
-                  <a:solidFill>
-                    <a:schemeClr val="bg1"/>
-                  </a:solidFill>
-                  <a:latin typeface="微软雅黑 Light" panose="020B0502040204020203" pitchFamily="34" charset="-122"/>
-                  <a:ea typeface="微软雅黑 Light" panose="020B0502040204020203" pitchFamily="34" charset="-122"/>
-                </a:rPr>
-                <a:t>、</a:t>
-              </a:r>
-              <a:r>
-                <a:rPr lang="en-US" altLang="zh-CN" sz="800" dirty="0">
-                  <a:solidFill>
-                    <a:schemeClr val="bg1"/>
-                  </a:solidFill>
-                  <a:latin typeface="微软雅黑 Light" panose="020B0502040204020203" pitchFamily="34" charset="-122"/>
-                  <a:ea typeface="微软雅黑 Light" panose="020B0502040204020203" pitchFamily="34" charset="-122"/>
-                </a:rPr>
-                <a:t>VUE3</a:t>
-              </a:r>
+              <a:endParaRPr lang="en-US" altLang="zh-CN" sz="800" dirty="0">
+                <a:solidFill>
+                  <a:schemeClr val="bg1"/>
+                </a:solidFill>
+                <a:latin typeface="微软雅黑 Light" panose="020B0502040204020203" pitchFamily="34" charset="-122"/>
+                <a:ea typeface="微软雅黑 Light" panose="020B0502040204020203" pitchFamily="34" charset="-122"/>
+              </a:endParaRPr>
             </a:p>
             <a:p>
               <a:pPr algn="ctr">
@@ -23101,6 +23132,13 @@
                 </a:rPr>
                 <a:t>Git</a:t>
               </a:r>
+              <a:endParaRPr lang="en-US" altLang="zh-CN" sz="800" dirty="0">
+                <a:solidFill>
+                  <a:schemeClr val="bg1"/>
+                </a:solidFill>
+                <a:latin typeface="微软雅黑 Light" panose="020B0502040204020203" pitchFamily="34" charset="-122"/>
+                <a:ea typeface="微软雅黑 Light" panose="020B0502040204020203" pitchFamily="34" charset="-122"/>
+              </a:endParaRPr>
             </a:p>
           </p:txBody>
         </p:sp>
@@ -23247,7 +23285,7 @@
                 </a:solidFill>
                 <a:latin typeface="微软雅黑 Light" panose="020B0502040204020203" pitchFamily="34" charset="-122"/>
                 <a:ea typeface="微软雅黑 Light" panose="020B0502040204020203" pitchFamily="34" charset="-122"/>
-                <a:sym typeface="微软雅黑" panose="020B0503020204020204" pitchFamily="34" charset="-122"/>
+                <a:sym typeface="微软雅黑" panose="020B0503020204020204" charset="-122"/>
               </a:endParaRPr>
             </a:p>
           </p:txBody>
@@ -23659,7 +23697,7 @@
                 </a:solidFill>
                 <a:latin typeface="微软雅黑 Light" panose="020B0502040204020203" pitchFamily="34" charset="-122"/>
                 <a:ea typeface="微软雅黑 Light" panose="020B0502040204020203" pitchFamily="34" charset="-122"/>
-                <a:sym typeface="微软雅黑" panose="020B0503020204020204" pitchFamily="34" charset="-122"/>
+                <a:sym typeface="微软雅黑" panose="020B0503020204020204" charset="-122"/>
               </a:endParaRPr>
             </a:p>
           </p:txBody>
@@ -23697,6 +23735,13 @@
                 </a:rPr>
                 <a:t>设计和用户体验</a:t>
               </a:r>
+              <a:endParaRPr lang="zh-CN" altLang="en-US" sz="1500" dirty="0">
+                <a:solidFill>
+                  <a:schemeClr val="bg1"/>
+                </a:solidFill>
+                <a:latin typeface="微软雅黑 Light" panose="020B0502040204020203" pitchFamily="34" charset="-122"/>
+                <a:ea typeface="微软雅黑 Light" panose="020B0502040204020203" pitchFamily="34" charset="-122"/>
+              </a:endParaRPr>
             </a:p>
           </p:txBody>
         </p:sp>
@@ -23890,7 +23935,7 @@
                 </a:solidFill>
                 <a:latin typeface="微软雅黑 Light" panose="020B0502040204020203" pitchFamily="34" charset="-122"/>
                 <a:ea typeface="微软雅黑 Light" panose="020B0502040204020203" pitchFamily="34" charset="-122"/>
-                <a:sym typeface="微软雅黑" panose="020B0503020204020204" pitchFamily="34" charset="-122"/>
+                <a:sym typeface="微软雅黑" panose="020B0503020204020204" charset="-122"/>
               </a:endParaRPr>
             </a:p>
           </p:txBody>
@@ -24212,7 +24257,7 @@
                 </a:solidFill>
                 <a:latin typeface="微软雅黑 Light" panose="020B0502040204020203" pitchFamily="34" charset="-122"/>
                 <a:ea typeface="微软雅黑 Light" panose="020B0502040204020203" pitchFamily="34" charset="-122"/>
-                <a:sym typeface="微软雅黑" panose="020B0503020204020204" pitchFamily="34" charset="-122"/>
+                <a:sym typeface="微软雅黑" panose="020B0503020204020204" charset="-122"/>
               </a:endParaRPr>
             </a:p>
           </p:txBody>
@@ -24250,6 +24295,13 @@
                 </a:rPr>
                 <a:t>定义核心功能和特色</a:t>
               </a:r>
+              <a:endParaRPr lang="zh-CN" altLang="en-US" sz="1500" dirty="0">
+                <a:solidFill>
+                  <a:schemeClr val="bg1"/>
+                </a:solidFill>
+                <a:latin typeface="微软雅黑 Light" panose="020B0502040204020203" pitchFamily="34" charset="-122"/>
+                <a:ea typeface="微软雅黑 Light" panose="020B0502040204020203" pitchFamily="34" charset="-122"/>
+              </a:endParaRPr>
             </a:p>
           </p:txBody>
         </p:sp>
@@ -24463,7 +24515,7 @@
                 </a:solidFill>
                 <a:latin typeface="微软雅黑 Light" panose="020B0502040204020203" pitchFamily="34" charset="-122"/>
                 <a:ea typeface="微软雅黑 Light" panose="020B0502040204020203" pitchFamily="34" charset="-122"/>
-                <a:sym typeface="微软雅黑" panose="020B0503020204020204" pitchFamily="34" charset="-122"/>
+                <a:sym typeface="微软雅黑" panose="020B0503020204020204" charset="-122"/>
               </a:endParaRPr>
             </a:p>
           </p:txBody>
@@ -24840,7 +24892,7 @@
                 </a:solidFill>
                 <a:latin typeface="微软雅黑 Light" panose="020B0502040204020203" pitchFamily="34" charset="-122"/>
                 <a:ea typeface="微软雅黑 Light" panose="020B0502040204020203" pitchFamily="34" charset="-122"/>
-                <a:sym typeface="微软雅黑" panose="020B0503020204020204" pitchFamily="34" charset="-122"/>
+                <a:sym typeface="微软雅黑" panose="020B0503020204020204" charset="-122"/>
               </a:endParaRPr>
             </a:p>
           </p:txBody>
@@ -24878,6 +24930,13 @@
                 </a:rPr>
                 <a:t>市场调查和竞争分析</a:t>
               </a:r>
+              <a:endParaRPr lang="zh-CN" altLang="en-US" sz="1500" dirty="0">
+                <a:solidFill>
+                  <a:schemeClr val="bg1"/>
+                </a:solidFill>
+                <a:latin typeface="微软雅黑 Light" panose="020B0502040204020203" pitchFamily="34" charset="-122"/>
+                <a:ea typeface="微软雅黑 Light" panose="020B0502040204020203" pitchFamily="34" charset="-122"/>
+              </a:endParaRPr>
             </a:p>
           </p:txBody>
         </p:sp>
@@ -25091,7 +25150,7 @@
                 </a:solidFill>
                 <a:latin typeface="微软雅黑 Light" panose="020B0502040204020203" pitchFamily="34" charset="-122"/>
                 <a:ea typeface="微软雅黑 Light" panose="020B0502040204020203" pitchFamily="34" charset="-122"/>
-                <a:sym typeface="微软雅黑" panose="020B0503020204020204" pitchFamily="34" charset="-122"/>
+                <a:sym typeface="微软雅黑" panose="020B0503020204020204" charset="-122"/>
               </a:endParaRPr>
             </a:p>
           </p:txBody>
@@ -26130,8 +26189,8 @@
         </p:nvSpPr>
         <p:spPr>
           <a:xfrm>
-            <a:off x="355296" y="867750"/>
-            <a:ext cx="3008442" cy="1523494"/>
+            <a:off x="354661" y="1141435"/>
+            <a:ext cx="3008442" cy="845820"/>
           </a:xfrm>
           <a:prstGeom prst="rect">
             <a:avLst/>
@@ -26158,118 +26217,13 @@
               </a:rPr>
               <a:t>      设计应用程序的用户界面和用户体验，包括主要功能、交互设计和用户流程等。</a:t>
             </a:r>
-          </a:p>
-          <a:p>
-            <a:pPr algn="l">
-              <a:buFont typeface="Arial" panose="020B0604020202020204" pitchFamily="34" charset="0"/>
-              <a:buChar char="•"/>
-            </a:pPr>
-            <a:r>
-              <a:rPr lang="zh-CN" altLang="en-US" sz="1100" dirty="0">
-                <a:solidFill>
-                  <a:schemeClr val="accent1"/>
-                </a:solidFill>
-                <a:latin typeface="微软雅黑 Light" panose="020B0502040204020203" pitchFamily="34" charset="-122"/>
-                <a:ea typeface="微软雅黑 Light" panose="020B0502040204020203" pitchFamily="34" charset="-122"/>
-              </a:rPr>
-              <a:t>      使用 </a:t>
-            </a:r>
-            <a:r>
-              <a:rPr lang="en-US" altLang="zh-CN" sz="1100" dirty="0">
-                <a:solidFill>
-                  <a:schemeClr val="accent1"/>
-                </a:solidFill>
-                <a:latin typeface="微软雅黑 Light" panose="020B0502040204020203" pitchFamily="34" charset="-122"/>
-                <a:ea typeface="微软雅黑 Light" panose="020B0502040204020203" pitchFamily="34" charset="-122"/>
-              </a:rPr>
-              <a:t>HTML</a:t>
-            </a:r>
-            <a:r>
-              <a:rPr lang="zh-CN" altLang="en-US" sz="1100" dirty="0">
-                <a:solidFill>
-                  <a:schemeClr val="accent1"/>
-                </a:solidFill>
-                <a:latin typeface="微软雅黑 Light" panose="020B0502040204020203" pitchFamily="34" charset="-122"/>
-                <a:ea typeface="微软雅黑 Light" panose="020B0502040204020203" pitchFamily="34" charset="-122"/>
-              </a:rPr>
-              <a:t>、</a:t>
-            </a:r>
-            <a:r>
-              <a:rPr lang="en-US" altLang="zh-CN" sz="1100" dirty="0">
-                <a:solidFill>
-                  <a:schemeClr val="accent1"/>
-                </a:solidFill>
-                <a:latin typeface="微软雅黑 Light" panose="020B0502040204020203" pitchFamily="34" charset="-122"/>
-                <a:ea typeface="微软雅黑 Light" panose="020B0502040204020203" pitchFamily="34" charset="-122"/>
-              </a:rPr>
-              <a:t>JavaScript </a:t>
-            </a:r>
-            <a:r>
-              <a:rPr lang="zh-CN" altLang="en-US" sz="1100" dirty="0">
-                <a:solidFill>
-                  <a:schemeClr val="accent1"/>
-                </a:solidFill>
-                <a:latin typeface="微软雅黑 Light" panose="020B0502040204020203" pitchFamily="34" charset="-122"/>
-                <a:ea typeface="微软雅黑 Light" panose="020B0502040204020203" pitchFamily="34" charset="-122"/>
-              </a:rPr>
-              <a:t>和 </a:t>
-            </a:r>
-            <a:r>
-              <a:rPr lang="en-US" altLang="zh-CN" sz="1100" dirty="0">
-                <a:solidFill>
-                  <a:schemeClr val="accent1"/>
-                </a:solidFill>
-                <a:latin typeface="微软雅黑 Light" panose="020B0502040204020203" pitchFamily="34" charset="-122"/>
-                <a:ea typeface="微软雅黑 Light" panose="020B0502040204020203" pitchFamily="34" charset="-122"/>
-              </a:rPr>
-              <a:t>CSS </a:t>
-            </a:r>
-            <a:r>
-              <a:rPr lang="zh-CN" altLang="en-US" sz="1100" dirty="0">
-                <a:solidFill>
-                  <a:schemeClr val="accent1"/>
-                </a:solidFill>
-                <a:latin typeface="微软雅黑 Light" panose="020B0502040204020203" pitchFamily="34" charset="-122"/>
-                <a:ea typeface="微软雅黑 Light" panose="020B0502040204020203" pitchFamily="34" charset="-122"/>
-              </a:rPr>
-              <a:t>技术实现应用程序的用户界面和交互功能。</a:t>
-            </a:r>
-          </a:p>
-          <a:p>
-            <a:pPr algn="l">
-              <a:buFont typeface="Arial" panose="020B0604020202020204" pitchFamily="34" charset="0"/>
-              <a:buChar char="•"/>
-            </a:pPr>
-            <a:r>
-              <a:rPr lang="zh-CN" altLang="en-US" sz="1100" dirty="0">
-                <a:solidFill>
-                  <a:schemeClr val="accent1"/>
-                </a:solidFill>
-                <a:latin typeface="微软雅黑 Light" panose="020B0502040204020203" pitchFamily="34" charset="-122"/>
-                <a:ea typeface="微软雅黑 Light" panose="020B0502040204020203" pitchFamily="34" charset="-122"/>
-              </a:rPr>
-              <a:t>      使用 </a:t>
-            </a:r>
-            <a:r>
-              <a:rPr lang="en-US" altLang="zh-CN" sz="1100" dirty="0">
-                <a:solidFill>
-                  <a:schemeClr val="accent1"/>
-                </a:solidFill>
-                <a:latin typeface="微软雅黑 Light" panose="020B0502040204020203" pitchFamily="34" charset="-122"/>
-                <a:ea typeface="微软雅黑 Light" panose="020B0502040204020203" pitchFamily="34" charset="-122"/>
-              </a:rPr>
-              <a:t>VUE3 </a:t>
-            </a:r>
-            <a:r>
-              <a:rPr lang="zh-CN" altLang="en-US" sz="1100" dirty="0">
-                <a:solidFill>
-                  <a:schemeClr val="accent1"/>
-                </a:solidFill>
-                <a:latin typeface="微软雅黑 Light" panose="020B0502040204020203" pitchFamily="34" charset="-122"/>
-                <a:ea typeface="微软雅黑 Light" panose="020B0502040204020203" pitchFamily="34" charset="-122"/>
-              </a:rPr>
-              <a:t>框架构建应用程序的组件和数据绑定。</a:t>
-            </a:r>
+            <a:endParaRPr lang="zh-CN" altLang="en-US" sz="1100" dirty="0">
+              <a:solidFill>
+                <a:schemeClr val="accent1"/>
+              </a:solidFill>
+              <a:latin typeface="微软雅黑 Light" panose="020B0502040204020203" pitchFamily="34" charset="-122"/>
+              <a:ea typeface="微软雅黑 Light" panose="020B0502040204020203" pitchFamily="34" charset="-122"/>
+            </a:endParaRPr>
           </a:p>
           <a:p>
             <a:pPr algn="l">
@@ -26286,6 +26240,13 @@
               </a:rPr>
               <a:t>      实现增加、删除、修改备忘事项等基本功能。</a:t>
             </a:r>
+            <a:endParaRPr lang="zh-CN" altLang="en-US" sz="1100" dirty="0">
+              <a:solidFill>
+                <a:schemeClr val="accent1"/>
+              </a:solidFill>
+              <a:latin typeface="微软雅黑 Light" panose="020B0502040204020203" pitchFamily="34" charset="-122"/>
+              <a:ea typeface="微软雅黑 Light" panose="020B0502040204020203" pitchFamily="34" charset="-122"/>
+            </a:endParaRPr>
           </a:p>
           <a:p>
             <a:pPr algn="l">
@@ -26302,6 +26263,13 @@
               </a:rPr>
               <a:t>      实现分组管理事项功能。</a:t>
             </a:r>
+            <a:endParaRPr lang="zh-CN" altLang="en-US" sz="1100" dirty="0">
+              <a:solidFill>
+                <a:schemeClr val="accent1"/>
+              </a:solidFill>
+              <a:latin typeface="微软雅黑 Light" panose="020B0502040204020203" pitchFamily="34" charset="-122"/>
+              <a:ea typeface="微软雅黑 Light" panose="020B0502040204020203" pitchFamily="34" charset="-122"/>
+            </a:endParaRPr>
           </a:p>
           <a:p>
             <a:pPr algn="l">
@@ -26318,6 +26286,13 @@
               </a:rPr>
               <a:t>      实现单个事项开启计时功能。</a:t>
             </a:r>
+            <a:endParaRPr lang="zh-CN" altLang="en-US" sz="1100" dirty="0">
+              <a:solidFill>
+                <a:schemeClr val="accent1"/>
+              </a:solidFill>
+              <a:latin typeface="微软雅黑 Light" panose="020B0502040204020203" pitchFamily="34" charset="-122"/>
+              <a:ea typeface="微软雅黑 Light" panose="020B0502040204020203" pitchFamily="34" charset="-122"/>
+            </a:endParaRPr>
           </a:p>
         </p:txBody>
       </p:sp>
@@ -26649,6 +26624,13 @@
                 </a:rPr>
                 <a:t>开发工作</a:t>
               </a:r>
+              <a:endParaRPr lang="zh-CN" altLang="en-US" sz="1200" b="1" dirty="0">
+                <a:solidFill>
+                  <a:schemeClr val="bg1"/>
+                </a:solidFill>
+                <a:latin typeface="微软雅黑 Light" panose="020B0502040204020203" pitchFamily="34" charset="-122"/>
+                <a:ea typeface="微软雅黑 Light" panose="020B0502040204020203" pitchFamily="34" charset="-122"/>
+              </a:endParaRPr>
             </a:p>
           </p:txBody>
         </p:sp>
@@ -26828,7 +26810,7 @@
           <p:spPr>
             <a:xfrm>
               <a:off x="3069564" y="1500634"/>
-              <a:ext cx="1036867" cy="184666"/>
+              <a:ext cx="1036867" cy="184150"/>
             </a:xfrm>
             <a:prstGeom prst="rect">
               <a:avLst/>
@@ -26850,8 +26832,25 @@
                   <a:latin typeface="微软雅黑 Light" panose="020B0502040204020203" pitchFamily="34" charset="-122"/>
                   <a:ea typeface="微软雅黑 Light" panose="020B0502040204020203" pitchFamily="34" charset="-122"/>
                 </a:rPr>
-                <a:t>前端开发</a:t>
+                <a:t>基本</a:t>
               </a:r>
+              <a:r>
+                <a:rPr lang="zh-CN" altLang="en-US" sz="1200" b="1" dirty="0">
+                  <a:solidFill>
+                    <a:schemeClr val="bg1"/>
+                  </a:solidFill>
+                  <a:latin typeface="微软雅黑 Light" panose="020B0502040204020203" pitchFamily="34" charset="-122"/>
+                  <a:ea typeface="微软雅黑 Light" panose="020B0502040204020203" pitchFamily="34" charset="-122"/>
+                </a:rPr>
+                <a:t>功能</a:t>
+              </a:r>
+              <a:endParaRPr lang="zh-CN" altLang="en-US" sz="1200" b="1" dirty="0">
+                <a:solidFill>
+                  <a:schemeClr val="bg1"/>
+                </a:solidFill>
+                <a:latin typeface="微软雅黑 Light" panose="020B0502040204020203" pitchFamily="34" charset="-122"/>
+                <a:ea typeface="微软雅黑 Light" panose="020B0502040204020203" pitchFamily="34" charset="-122"/>
+              </a:endParaRPr>
             </a:p>
           </p:txBody>
         </p:sp>
@@ -27031,7 +27030,7 @@
           <p:spPr>
             <a:xfrm>
               <a:off x="2529110" y="2880422"/>
-              <a:ext cx="1036867" cy="184666"/>
+              <a:ext cx="1036867" cy="184150"/>
             </a:xfrm>
             <a:prstGeom prst="rect">
               <a:avLst/>
@@ -27053,8 +27052,25 @@
                   <a:latin typeface="微软雅黑 Light" panose="020B0502040204020203" pitchFamily="34" charset="-122"/>
                   <a:ea typeface="微软雅黑 Light" panose="020B0502040204020203" pitchFamily="34" charset="-122"/>
                 </a:rPr>
-                <a:t>后端开发</a:t>
+                <a:t>用户</a:t>
               </a:r>
+              <a:r>
+                <a:rPr lang="zh-CN" altLang="en-US" sz="1200" b="1" dirty="0">
+                  <a:solidFill>
+                    <a:schemeClr val="bg1"/>
+                  </a:solidFill>
+                  <a:latin typeface="微软雅黑 Light" panose="020B0502040204020203" pitchFamily="34" charset="-122"/>
+                  <a:ea typeface="微软雅黑 Light" panose="020B0502040204020203" pitchFamily="34" charset="-122"/>
+                </a:rPr>
+                <a:t>功能</a:t>
+              </a:r>
+              <a:endParaRPr lang="zh-CN" altLang="en-US" sz="1200" b="1" dirty="0">
+                <a:solidFill>
+                  <a:schemeClr val="bg1"/>
+                </a:solidFill>
+                <a:latin typeface="微软雅黑 Light" panose="020B0502040204020203" pitchFamily="34" charset="-122"/>
+                <a:ea typeface="微软雅黑 Light" panose="020B0502040204020203" pitchFamily="34" charset="-122"/>
+              </a:endParaRPr>
             </a:p>
           </p:txBody>
         </p:sp>
@@ -27233,8 +27249,8 @@
           </p:nvSpPr>
           <p:spPr>
             <a:xfrm>
-              <a:off x="3217312" y="3930813"/>
-              <a:ext cx="1036867" cy="369332"/>
+              <a:off x="3217312" y="4025428"/>
+              <a:ext cx="1036867" cy="184150"/>
             </a:xfrm>
             <a:prstGeom prst="rect">
               <a:avLst/>
@@ -27256,7 +27272,17 @@
                   <a:latin typeface="微软雅黑 Light" panose="020B0502040204020203" pitchFamily="34" charset="-122"/>
                   <a:ea typeface="微软雅黑 Light" panose="020B0502040204020203" pitchFamily="34" charset="-122"/>
                 </a:rPr>
-                <a:t>数据库</a:t>
+                <a:t>动效</a:t>
+              </a:r>
+              <a:r>
+                <a:rPr lang="en-US" altLang="zh-CN" sz="1200" b="1" dirty="0">
+                  <a:solidFill>
+                    <a:schemeClr val="bg1"/>
+                  </a:solidFill>
+                  <a:latin typeface="微软雅黑 Light" panose="020B0502040204020203" pitchFamily="34" charset="-122"/>
+                  <a:ea typeface="微软雅黑 Light" panose="020B0502040204020203" pitchFamily="34" charset="-122"/>
+                </a:rPr>
+                <a:t>UI</a:t>
               </a:r>
               <a:endParaRPr lang="en-US" altLang="zh-CN" sz="1200" b="1" dirty="0">
                 <a:solidFill>
@@ -27265,19 +27291,6 @@
                 <a:latin typeface="微软雅黑 Light" panose="020B0502040204020203" pitchFamily="34" charset="-122"/>
                 <a:ea typeface="微软雅黑 Light" panose="020B0502040204020203" pitchFamily="34" charset="-122"/>
               </a:endParaRPr>
-            </a:p>
-            <a:p>
-              <a:pPr algn="ctr"/>
-              <a:r>
-                <a:rPr lang="zh-CN" altLang="en-US" sz="1200" b="1" dirty="0">
-                  <a:solidFill>
-                    <a:schemeClr val="bg1"/>
-                  </a:solidFill>
-                  <a:latin typeface="微软雅黑 Light" panose="020B0502040204020203" pitchFamily="34" charset="-122"/>
-                  <a:ea typeface="微软雅黑 Light" panose="020B0502040204020203" pitchFamily="34" charset="-122"/>
-                </a:rPr>
-                <a:t>开发</a:t>
-              </a:r>
             </a:p>
           </p:txBody>
         </p:sp>
@@ -27291,7 +27304,7 @@
         <p:spPr>
           <a:xfrm>
             <a:off x="355296" y="3827648"/>
-            <a:ext cx="2820712" cy="507831"/>
+            <a:ext cx="2820712" cy="338455"/>
           </a:xfrm>
           <a:prstGeom prst="rect">
             <a:avLst/>
@@ -27316,14 +27329,8 @@
                 <a:latin typeface="微软雅黑 Light" panose="020B0502040204020203" pitchFamily="34" charset="-122"/>
                 <a:ea typeface="微软雅黑 Light" panose="020B0502040204020203" pitchFamily="34" charset="-122"/>
               </a:rPr>
-              <a:t>  设计和实现应用程序所需的数据库结构。</a:t>
+              <a:t>  设计和实现应用程序所需的</a:t>
             </a:r>
-          </a:p>
-          <a:p>
-            <a:pPr indent="-171450">
-              <a:buFont typeface="Arial" panose="020B0604020202020204" pitchFamily="34" charset="0"/>
-              <a:buChar char="•"/>
-            </a:pPr>
             <a:r>
               <a:rPr lang="zh-CN" altLang="en-US" sz="1100" dirty="0">
                 <a:solidFill>
@@ -27332,8 +27339,28 @@
                 <a:latin typeface="微软雅黑 Light" panose="020B0502040204020203" pitchFamily="34" charset="-122"/>
                 <a:ea typeface="微软雅黑 Light" panose="020B0502040204020203" pitchFamily="34" charset="-122"/>
               </a:rPr>
-              <a:t>  使用数据库管理系统来实现数据的存储、检索和更新等功能。</a:t>
+              <a:t>动画效果</a:t>
             </a:r>
+            <a:endParaRPr lang="zh-CN" altLang="en-US" sz="1100" dirty="0">
+              <a:solidFill>
+                <a:schemeClr val="accent1"/>
+              </a:solidFill>
+              <a:latin typeface="微软雅黑 Light" panose="020B0502040204020203" pitchFamily="34" charset="-122"/>
+              <a:ea typeface="微软雅黑 Light" panose="020B0502040204020203" pitchFamily="34" charset="-122"/>
+            </a:endParaRPr>
+          </a:p>
+          <a:p>
+            <a:pPr indent="0">
+              <a:buFont typeface="Arial" panose="020B0604020202020204" pitchFamily="34" charset="0"/>
+              <a:buNone/>
+            </a:pPr>
+            <a:endParaRPr lang="zh-CN" altLang="en-US" sz="1100" dirty="0">
+              <a:solidFill>
+                <a:schemeClr val="accent1"/>
+              </a:solidFill>
+              <a:latin typeface="微软雅黑 Light" panose="020B0502040204020203" pitchFamily="34" charset="-122"/>
+              <a:ea typeface="微软雅黑 Light" panose="020B0502040204020203" pitchFamily="34" charset="-122"/>
+            </a:endParaRPr>
           </a:p>
         </p:txBody>
       </p:sp>
@@ -27382,6 +27409,14 @@
               </a:rPr>
               <a:t>开发历程</a:t>
             </a:r>
+            <a:endParaRPr lang="zh-CN" altLang="en-US" sz="2100" b="1" dirty="0">
+              <a:solidFill>
+                <a:schemeClr val="tx2"/>
+              </a:solidFill>
+              <a:latin typeface="Calibri" panose="020F0502020204030204" pitchFamily="34" charset="0"/>
+              <a:ea typeface="微软雅黑 Light" panose="020B0502040204020203" pitchFamily="34" charset="-122"/>
+              <a:sym typeface="Calibri" panose="020F0502020204030204" pitchFamily="34" charset="0"/>
+            </a:endParaRPr>
           </a:p>
         </p:txBody>
       </p:sp>
@@ -27518,20 +27553,14 @@
       </p:sp>
       <p:sp>
         <p:nvSpPr>
-          <p:cNvPr id="11" name="文本框 10">
-            <a:extLst>
-              <a:ext uri="{FF2B5EF4-FFF2-40B4-BE49-F238E27FC236}">
-                <a16:creationId xmlns:a16="http://schemas.microsoft.com/office/drawing/2014/main" id="{1C863382-6F42-642B-D688-DD52ED78735B}"/>
-              </a:ext>
-            </a:extLst>
-          </p:cNvPr>
+          <p:cNvPr id="11" name="文本框 10"/>
           <p:cNvSpPr txBox="1"/>
           <p:nvPr/>
         </p:nvSpPr>
         <p:spPr>
           <a:xfrm>
             <a:off x="258096" y="2829949"/>
-            <a:ext cx="3622786" cy="430887"/>
+            <a:ext cx="3622786" cy="429895"/>
           </a:xfrm>
           <a:prstGeom prst="rect">
             <a:avLst/>
@@ -27556,14 +27585,8 @@
                 <a:latin typeface="微软雅黑 Light" panose="020B0502040204020203" pitchFamily="34" charset="-122"/>
                 <a:ea typeface="微软雅黑 Light" panose="020B0502040204020203" pitchFamily="34" charset="-122"/>
               </a:rPr>
-              <a:t>设计和实现应用程序的登录和账户管理功能。</a:t>
+              <a:t>设计和实现应用程序的登录和</a:t>
             </a:r>
-          </a:p>
-          <a:p>
-            <a:pPr indent="-285750">
-              <a:buFont typeface="Arial" panose="020B0604020202020204" pitchFamily="34" charset="0"/>
-              <a:buChar char="•"/>
-            </a:pPr>
             <a:r>
               <a:rPr lang="zh-CN" altLang="en-US" sz="1100" dirty="0">
                 <a:solidFill>
@@ -27572,8 +27595,28 @@
                 <a:latin typeface="微软雅黑 Light" panose="020B0502040204020203" pitchFamily="34" charset="-122"/>
                 <a:ea typeface="微软雅黑 Light" panose="020B0502040204020203" pitchFamily="34" charset="-122"/>
               </a:rPr>
-              <a:t>设计和实现云端数据同步功能。</a:t>
+              <a:t>注册功能。</a:t>
             </a:r>
+            <a:endParaRPr lang="zh-CN" altLang="en-US" sz="1100" dirty="0">
+              <a:solidFill>
+                <a:schemeClr val="accent1"/>
+              </a:solidFill>
+              <a:latin typeface="微软雅黑 Light" panose="020B0502040204020203" pitchFamily="34" charset="-122"/>
+              <a:ea typeface="微软雅黑 Light" panose="020B0502040204020203" pitchFamily="34" charset="-122"/>
+            </a:endParaRPr>
+          </a:p>
+          <a:p>
+            <a:pPr indent="0">
+              <a:buFont typeface="Arial" panose="020B0604020202020204" pitchFamily="34" charset="0"/>
+              <a:buNone/>
+            </a:pPr>
+            <a:endParaRPr lang="zh-CN" altLang="en-US" sz="1100" dirty="0">
+              <a:solidFill>
+                <a:schemeClr val="accent1"/>
+              </a:solidFill>
+              <a:latin typeface="微软雅黑 Light" panose="020B0502040204020203" pitchFamily="34" charset="-122"/>
+              <a:ea typeface="微软雅黑 Light" panose="020B0502040204020203" pitchFamily="34" charset="-122"/>
+            </a:endParaRPr>
           </a:p>
         </p:txBody>
       </p:sp>
@@ -28114,7 +28157,7 @@
           <p:cNvSpPr txBox="1"/>
           <p:nvPr>
             <p:custDataLst>
-              <p:tags r:id="rId2"/>
+              <p:tags r:id="rId1"/>
             </p:custDataLst>
           </p:nvPr>
         </p:nvSpPr>
@@ -28163,6 +28206,9 @@
               </a:rPr>
               <a:t>的测试工作</a:t>
             </a:r>
+            <a:endParaRPr lang="zh-CN" altLang="en-US" sz="3000" dirty="0">
+              <a:ea typeface="微软雅黑 Light" panose="020B0502040204020203" pitchFamily="34" charset="-122"/>
+            </a:endParaRPr>
           </a:p>
         </p:txBody>
       </p:sp>
@@ -28172,7 +28218,7 @@
           <p:cNvSpPr txBox="1"/>
           <p:nvPr>
             <p:custDataLst>
-              <p:tags r:id="rId3"/>
+              <p:tags r:id="rId2"/>
             </p:custDataLst>
           </p:nvPr>
         </p:nvSpPr>
@@ -28362,7 +28408,7 @@
           <p:cNvSpPr txBox="1"/>
           <p:nvPr>
             <p:custDataLst>
-              <p:tags r:id="rId4"/>
+              <p:tags r:id="rId3"/>
             </p:custDataLst>
           </p:nvPr>
         </p:nvSpPr>
@@ -28400,12 +28446,15 @@
               </a:rPr>
               <a:t>02</a:t>
             </a:r>
+            <a:endParaRPr lang="en-US" altLang="zh-CN" sz="6600" dirty="0">
+              <a:ea typeface="微软雅黑 Light" panose="020B0502040204020203" pitchFamily="34" charset="-122"/>
+            </a:endParaRPr>
           </a:p>
         </p:txBody>
       </p:sp>
     </p:spTree>
     <p:custDataLst>
-      <p:tags r:id="rId1"/>
+      <p:tags r:id="rId4"/>
     </p:custDataLst>
   </p:cSld>
   <p:clrMapOvr>
@@ -28769,6 +28818,9 @@
               </a:rPr>
               <a:t>的测试工作</a:t>
             </a:r>
+            <a:endParaRPr lang="zh-CN" altLang="en-US" sz="2400" dirty="0">
+              <a:ea typeface="微软雅黑 Light" panose="020B0502040204020203" pitchFamily="34" charset="-122"/>
+            </a:endParaRPr>
           </a:p>
         </p:txBody>
       </p:sp>
@@ -28907,20 +28959,14 @@
       </p:sp>
       <p:pic>
         <p:nvPicPr>
-          <p:cNvPr id="3" name="图片 2">
-            <a:extLst>
-              <a:ext uri="{FF2B5EF4-FFF2-40B4-BE49-F238E27FC236}">
-                <a16:creationId xmlns:a16="http://schemas.microsoft.com/office/drawing/2014/main" id="{A3CA85FE-7E0B-0F1E-D479-CE78AE79882B}"/>
-              </a:ext>
-            </a:extLst>
-          </p:cNvPr>
+          <p:cNvPr id="3" name="图片 2"/>
           <p:cNvPicPr>
             <a:picLocks noChangeAspect="1"/>
           </p:cNvPicPr>
           <p:nvPr/>
         </p:nvPicPr>
         <p:blipFill rotWithShape="1">
-          <a:blip r:embed="rId3" cstate="print">
+          <a:blip r:embed="rId1" cstate="print">
             <a:extLst>
               <a:ext uri="{28A0092B-C50C-407E-A947-70E740481C1C}">
                 <a14:useLocalDpi xmlns:a14="http://schemas.microsoft.com/office/drawing/2010/main" val="0"/>
@@ -28928,7 +28974,9 @@
             </a:extLst>
           </a:blip>
           <a:srcRect t="-4029" b="1"/>
-          <a:stretch/>
+          <a:stretch>
+            <a:fillRect/>
+          </a:stretch>
         </p:blipFill>
         <p:spPr>
           <a:xfrm>
@@ -28942,20 +28990,14 @@
       </p:pic>
       <p:pic>
         <p:nvPicPr>
-          <p:cNvPr id="5" name="图片 4">
-            <a:extLst>
-              <a:ext uri="{FF2B5EF4-FFF2-40B4-BE49-F238E27FC236}">
-                <a16:creationId xmlns:a16="http://schemas.microsoft.com/office/drawing/2014/main" id="{BFB6DC6C-FABC-F119-CC4A-A1A60E5B15E2}"/>
-              </a:ext>
-            </a:extLst>
-          </p:cNvPr>
+          <p:cNvPr id="5" name="图片 4"/>
           <p:cNvPicPr>
             <a:picLocks noChangeAspect="1"/>
           </p:cNvPicPr>
           <p:nvPr/>
         </p:nvPicPr>
         <p:blipFill>
-          <a:blip r:embed="rId4" cstate="print">
+          <a:blip r:embed="rId2" cstate="print">
             <a:extLst>
               <a:ext uri="{28A0092B-C50C-407E-A947-70E740481C1C}">
                 <a14:useLocalDpi xmlns:a14="http://schemas.microsoft.com/office/drawing/2010/main" val="0"/>
@@ -28978,20 +29020,14 @@
       </p:pic>
       <p:pic>
         <p:nvPicPr>
-          <p:cNvPr id="6" name="图片 5">
-            <a:extLst>
-              <a:ext uri="{FF2B5EF4-FFF2-40B4-BE49-F238E27FC236}">
-                <a16:creationId xmlns:a16="http://schemas.microsoft.com/office/drawing/2014/main" id="{A0950B6C-EC1F-27CC-1D40-2EF6A30EE097}"/>
-              </a:ext>
-            </a:extLst>
-          </p:cNvPr>
+          <p:cNvPr id="6" name="图片 5"/>
           <p:cNvPicPr>
             <a:picLocks noChangeAspect="1"/>
           </p:cNvPicPr>
           <p:nvPr/>
         </p:nvPicPr>
         <p:blipFill>
-          <a:blip r:embed="rId5"/>
+          <a:blip r:embed="rId3"/>
           <a:stretch>
             <a:fillRect/>
           </a:stretch>
@@ -29008,13 +29044,7 @@
       </p:pic>
       <p:sp>
         <p:nvSpPr>
-          <p:cNvPr id="7" name="文本框 6">
-            <a:extLst>
-              <a:ext uri="{FF2B5EF4-FFF2-40B4-BE49-F238E27FC236}">
-                <a16:creationId xmlns:a16="http://schemas.microsoft.com/office/drawing/2014/main" id="{164C0ABF-3AB8-45C7-4E11-1E42C073AB54}"/>
-              </a:ext>
-            </a:extLst>
-          </p:cNvPr>
+          <p:cNvPr id="7" name="文本框 6"/>
           <p:cNvSpPr txBox="1"/>
           <p:nvPr/>
         </p:nvSpPr>
@@ -29038,18 +29068,13 @@
               <a:rPr lang="zh-CN" altLang="en-US" dirty="0"/>
               <a:t>主页面、事项分组</a:t>
             </a:r>
+            <a:endParaRPr lang="zh-CN" altLang="en-US" dirty="0"/>
           </a:p>
         </p:txBody>
       </p:sp>
       <p:sp>
         <p:nvSpPr>
-          <p:cNvPr id="8" name="文本框 7">
-            <a:extLst>
-              <a:ext uri="{FF2B5EF4-FFF2-40B4-BE49-F238E27FC236}">
-                <a16:creationId xmlns:a16="http://schemas.microsoft.com/office/drawing/2014/main" id="{E1511651-CE21-90FF-7FEB-CFE10B1ACBD4}"/>
-              </a:ext>
-            </a:extLst>
-          </p:cNvPr>
+          <p:cNvPr id="8" name="文本框 7"/>
           <p:cNvSpPr txBox="1"/>
           <p:nvPr/>
         </p:nvSpPr>
@@ -29073,18 +29098,13 @@
               <a:rPr lang="zh-CN" altLang="en-US" dirty="0"/>
               <a:t>添加事项，设置分组</a:t>
             </a:r>
+            <a:endParaRPr lang="zh-CN" altLang="en-US" dirty="0"/>
           </a:p>
         </p:txBody>
       </p:sp>
       <p:sp>
         <p:nvSpPr>
-          <p:cNvPr id="9" name="文本框 8">
-            <a:extLst>
-              <a:ext uri="{FF2B5EF4-FFF2-40B4-BE49-F238E27FC236}">
-                <a16:creationId xmlns:a16="http://schemas.microsoft.com/office/drawing/2014/main" id="{AEED6C30-3511-B154-AC90-C0D5CD49EBAA}"/>
-              </a:ext>
-            </a:extLst>
-          </p:cNvPr>
+          <p:cNvPr id="9" name="文本框 8"/>
           <p:cNvSpPr txBox="1"/>
           <p:nvPr/>
         </p:nvSpPr>
@@ -29108,15 +29128,11 @@
               <a:rPr lang="zh-CN" altLang="en-US" dirty="0"/>
               <a:t>设置事项起止时间</a:t>
             </a:r>
+            <a:endParaRPr lang="zh-CN" altLang="en-US" dirty="0"/>
           </a:p>
         </p:txBody>
       </p:sp>
     </p:spTree>
-    <p:extLst>
-      <p:ext uri="{BB962C8B-B14F-4D97-AF65-F5344CB8AC3E}">
-        <p14:creationId xmlns:p14="http://schemas.microsoft.com/office/powerpoint/2010/main" val="838144181"/>
-      </p:ext>
-    </p:extLst>
   </p:cSld>
   <p:clrMapOvr>
     <a:masterClrMapping/>
@@ -29268,6 +29284,9 @@
               </a:rPr>
               <a:t>的测试工作</a:t>
             </a:r>
+            <a:endParaRPr lang="zh-CN" altLang="en-US" sz="2400" dirty="0">
+              <a:ea typeface="微软雅黑 Light" panose="020B0502040204020203" pitchFamily="34" charset="-122"/>
+            </a:endParaRPr>
           </a:p>
         </p:txBody>
       </p:sp>
@@ -29406,20 +29425,14 @@
       </p:sp>
       <p:pic>
         <p:nvPicPr>
-          <p:cNvPr id="4" name="图片 3">
-            <a:extLst>
-              <a:ext uri="{FF2B5EF4-FFF2-40B4-BE49-F238E27FC236}">
-                <a16:creationId xmlns:a16="http://schemas.microsoft.com/office/drawing/2014/main" id="{524465E9-E842-C7C5-F3A1-220DCE17D679}"/>
-              </a:ext>
-            </a:extLst>
-          </p:cNvPr>
+          <p:cNvPr id="4" name="图片 3"/>
           <p:cNvPicPr>
             <a:picLocks noChangeAspect="1"/>
           </p:cNvPicPr>
           <p:nvPr/>
         </p:nvPicPr>
         <p:blipFill>
-          <a:blip r:embed="rId3"/>
+          <a:blip r:embed="rId1"/>
           <a:stretch>
             <a:fillRect/>
           </a:stretch>
@@ -29436,20 +29449,14 @@
       </p:pic>
       <p:pic>
         <p:nvPicPr>
-          <p:cNvPr id="5" name="图片 4">
-            <a:extLst>
-              <a:ext uri="{FF2B5EF4-FFF2-40B4-BE49-F238E27FC236}">
-                <a16:creationId xmlns:a16="http://schemas.microsoft.com/office/drawing/2014/main" id="{35ADF402-6A3D-30D7-F01F-355AE16C895E}"/>
-              </a:ext>
-            </a:extLst>
-          </p:cNvPr>
+          <p:cNvPr id="5" name="图片 4"/>
           <p:cNvPicPr>
             <a:picLocks noChangeAspect="1"/>
           </p:cNvPicPr>
           <p:nvPr/>
         </p:nvPicPr>
         <p:blipFill>
-          <a:blip r:embed="rId4"/>
+          <a:blip r:embed="rId2"/>
           <a:stretch>
             <a:fillRect/>
           </a:stretch>
@@ -29466,13 +29473,7 @@
       </p:pic>
       <p:sp>
         <p:nvSpPr>
-          <p:cNvPr id="6" name="文本框 5">
-            <a:extLst>
-              <a:ext uri="{FF2B5EF4-FFF2-40B4-BE49-F238E27FC236}">
-                <a16:creationId xmlns:a16="http://schemas.microsoft.com/office/drawing/2014/main" id="{2573D4EE-E226-BAFE-5AA1-4A690BFA1AE6}"/>
-              </a:ext>
-            </a:extLst>
-          </p:cNvPr>
+          <p:cNvPr id="6" name="文本框 5"/>
           <p:cNvSpPr txBox="1"/>
           <p:nvPr/>
         </p:nvSpPr>
@@ -29496,18 +29497,13 @@
               <a:rPr lang="zh-CN" altLang="en-US" dirty="0"/>
               <a:t>单个事项开启计时</a:t>
             </a:r>
+            <a:endParaRPr lang="zh-CN" altLang="en-US" dirty="0"/>
           </a:p>
         </p:txBody>
       </p:sp>
       <p:sp>
         <p:nvSpPr>
-          <p:cNvPr id="7" name="文本框 6">
-            <a:extLst>
-              <a:ext uri="{FF2B5EF4-FFF2-40B4-BE49-F238E27FC236}">
-                <a16:creationId xmlns:a16="http://schemas.microsoft.com/office/drawing/2014/main" id="{CA94BDA0-47A3-5CE1-5F2A-FF7236CC5341}"/>
-              </a:ext>
-            </a:extLst>
-          </p:cNvPr>
+          <p:cNvPr id="7" name="文本框 6"/>
           <p:cNvSpPr txBox="1"/>
           <p:nvPr/>
         </p:nvSpPr>
@@ -29531,15 +29527,11 @@
               <a:rPr lang="zh-CN" altLang="en-US" dirty="0"/>
               <a:t>登录账户保存事项</a:t>
             </a:r>
+            <a:endParaRPr lang="zh-CN" altLang="en-US" dirty="0"/>
           </a:p>
         </p:txBody>
       </p:sp>
     </p:spTree>
-    <p:extLst>
-      <p:ext uri="{BB962C8B-B14F-4D97-AF65-F5344CB8AC3E}">
-        <p14:creationId xmlns:p14="http://schemas.microsoft.com/office/powerpoint/2010/main" val="3690289732"/>
-      </p:ext>
-    </p:extLst>
   </p:cSld>
   <p:clrMapOvr>
     <a:masterClrMapping/>
@@ -31430,9 +31422,9 @@
         <p:grpSpPr>
           <a:xfrm>
             <a:off x="1803851" y="1312869"/>
-            <a:ext cx="2336177" cy="1219500"/>
+            <a:ext cx="2336177" cy="1227300"/>
             <a:chOff x="1803851" y="1312869"/>
-            <a:chExt cx="2336177" cy="1219500"/>
+            <a:chExt cx="2336177" cy="1227300"/>
           </a:xfrm>
         </p:grpSpPr>
         <p:sp>
@@ -31470,6 +31462,15 @@
                 </a:rPr>
                 <a:t>功能测试</a:t>
               </a:r>
+              <a:endParaRPr lang="zh-CN" altLang="en-US" sz="1200" b="1" dirty="0">
+                <a:solidFill>
+                  <a:schemeClr val="bg1">
+                    <a:lumMod val="50000"/>
+                  </a:schemeClr>
+                </a:solidFill>
+                <a:latin typeface="微软雅黑 Light" panose="020B0502040204020203" pitchFamily="34" charset="-122"/>
+                <a:ea typeface="微软雅黑 Light" panose="020B0502040204020203" pitchFamily="34" charset="-122"/>
+              </a:endParaRPr>
             </a:p>
           </p:txBody>
         </p:sp>
@@ -31482,7 +31483,7 @@
           <p:spPr>
             <a:xfrm>
               <a:off x="1803851" y="1640374"/>
-              <a:ext cx="2336177" cy="891995"/>
+              <a:ext cx="2336177" cy="899795"/>
             </a:xfrm>
             <a:prstGeom prst="rect">
               <a:avLst/>
@@ -31509,8 +31510,16 @@
                   </a:solidFill>
                   <a:ea typeface="微软雅黑 Light" panose="020B0502040204020203" pitchFamily="34" charset="-122"/>
                 </a:rPr>
-                <a:t>测试所有应用程序的功能是否正常工作，包括增加、删除、修改备忘事项、分组管理事项、单个事项开启计时和登录账户云端同步等。</a:t>
+                <a:t>测试所有应用程序的功能是否正常工作，包括增加、删除、修改备忘事项、分组管理事项、单个事项开启计时等。</a:t>
               </a:r>
+              <a:endParaRPr lang="zh-CN" altLang="en-US" sz="1050" dirty="0">
+                <a:solidFill>
+                  <a:schemeClr val="bg1">
+                    <a:lumMod val="50000"/>
+                  </a:schemeClr>
+                </a:solidFill>
+                <a:ea typeface="微软雅黑 Light" panose="020B0502040204020203" pitchFamily="34" charset="-122"/>
+              </a:endParaRPr>
             </a:p>
           </p:txBody>
         </p:sp>
@@ -31564,6 +31573,15 @@
                 </a:rPr>
                 <a:t>用户体验测试</a:t>
               </a:r>
+              <a:endParaRPr lang="zh-CN" altLang="en-US" sz="1200" b="1" dirty="0">
+                <a:solidFill>
+                  <a:schemeClr val="bg1">
+                    <a:lumMod val="50000"/>
+                  </a:schemeClr>
+                </a:solidFill>
+                <a:latin typeface="微软雅黑 Light" panose="020B0502040204020203" pitchFamily="34" charset="-122"/>
+                <a:ea typeface="微软雅黑 Light" panose="020B0502040204020203" pitchFamily="34" charset="-122"/>
+              </a:endParaRPr>
             </a:p>
           </p:txBody>
         </p:sp>
@@ -31666,6 +31684,15 @@
                 </a:rPr>
                 <a:t>性能测试</a:t>
               </a:r>
+              <a:endParaRPr lang="zh-CN" altLang="en-US" sz="1200" b="1" dirty="0">
+                <a:solidFill>
+                  <a:schemeClr val="bg1">
+                    <a:lumMod val="50000"/>
+                  </a:schemeClr>
+                </a:solidFill>
+                <a:latin typeface="微软雅黑 Light" panose="020B0502040204020203" pitchFamily="34" charset="-122"/>
+                <a:ea typeface="微软雅黑 Light" panose="020B0502040204020203" pitchFamily="34" charset="-122"/>
+              </a:endParaRPr>
             </a:p>
           </p:txBody>
         </p:sp>
@@ -31768,6 +31795,15 @@
                 </a:rPr>
                 <a:t>兼容性测试</a:t>
               </a:r>
+              <a:endParaRPr lang="zh-CN" altLang="en-US" sz="1200" b="1" dirty="0">
+                <a:solidFill>
+                  <a:schemeClr val="bg1">
+                    <a:lumMod val="50000"/>
+                  </a:schemeClr>
+                </a:solidFill>
+                <a:latin typeface="微软雅黑 Light" panose="020B0502040204020203" pitchFamily="34" charset="-122"/>
+                <a:ea typeface="微软雅黑 Light" panose="020B0502040204020203" pitchFamily="34" charset="-122"/>
+              </a:endParaRPr>
             </a:p>
           </p:txBody>
         </p:sp>
@@ -31856,6 +31892,9 @@
               </a:rPr>
               <a:t>的测试工作</a:t>
             </a:r>
+            <a:endParaRPr lang="zh-CN" altLang="en-US" sz="2000" dirty="0">
+              <a:ea typeface="微软雅黑 Light" panose="020B0502040204020203" pitchFamily="34" charset="-122"/>
+            </a:endParaRPr>
           </a:p>
         </p:txBody>
       </p:sp>
@@ -31989,6 +32028,206 @@
             <a:endParaRPr lang="zh-CN" altLang="en-US" sz="1015" dirty="0">
               <a:ea typeface="微软雅黑 Light" panose="020B0502040204020203" pitchFamily="34" charset="-122"/>
             </a:endParaRPr>
+          </a:p>
+        </p:txBody>
+      </p:sp>
+      <p:sp>
+        <p:nvSpPr>
+          <p:cNvPr id="10" name="文本框 9"/>
+          <p:cNvSpPr txBox="1"/>
+          <p:nvPr/>
+        </p:nvSpPr>
+        <p:spPr>
+          <a:xfrm>
+            <a:off x="1802130" y="2571750"/>
+            <a:ext cx="2731135" cy="275590"/>
+          </a:xfrm>
+          <a:prstGeom prst="rect">
+            <a:avLst/>
+          </a:prstGeom>
+          <a:noFill/>
+        </p:spPr>
+        <p:txBody>
+          <a:bodyPr wrap="square" rtlCol="0">
+            <a:spAutoFit/>
+          </a:bodyPr>
+          <a:p>
+            <a:r>
+              <a:rPr lang="zh-CN" altLang="en-US" sz="1200"/>
+              <a:t>基本功能以及数据可合理性正常</a:t>
+            </a:r>
+            <a:endParaRPr lang="zh-CN" altLang="en-US" sz="1200"/>
+          </a:p>
+        </p:txBody>
+      </p:sp>
+      <p:sp>
+        <p:nvSpPr>
+          <p:cNvPr id="11" name="文本框 10"/>
+          <p:cNvSpPr txBox="1"/>
+          <p:nvPr/>
+        </p:nvSpPr>
+        <p:spPr>
+          <a:xfrm>
+            <a:off x="5734050" y="2555240"/>
+            <a:ext cx="4572000" cy="460375"/>
+          </a:xfrm>
+          <a:prstGeom prst="rect">
+            <a:avLst/>
+          </a:prstGeom>
+          <a:noFill/>
+        </p:spPr>
+        <p:txBody>
+          <a:bodyPr wrap="square" rtlCol="0" anchor="t">
+            <a:spAutoFit/>
+          </a:bodyPr>
+          <a:p>
+            <a:r>
+              <a:rPr lang="zh-CN" altLang="en-US" sz="1200">
+                <a:sym typeface="+mn-ea"/>
+              </a:rPr>
+              <a:t>内存占用与</a:t>
+            </a:r>
+            <a:r>
+              <a:rPr lang="en-US" altLang="zh-CN" sz="1200">
+                <a:sym typeface="+mn-ea"/>
+              </a:rPr>
+              <a:t>cpu</a:t>
+            </a:r>
+            <a:r>
+              <a:rPr lang="zh-CN" altLang="en-US" sz="1200">
+                <a:sym typeface="+mn-ea"/>
+              </a:rPr>
+              <a:t>占用</a:t>
+            </a:r>
+            <a:r>
+              <a:rPr lang="zh-CN" altLang="en-US" sz="1200">
+                <a:sym typeface="+mn-ea"/>
+              </a:rPr>
+              <a:t>都非常小</a:t>
+            </a:r>
+            <a:endParaRPr lang="zh-CN" altLang="en-US" sz="1200">
+              <a:sym typeface="+mn-ea"/>
+            </a:endParaRPr>
+          </a:p>
+          <a:p>
+            <a:r>
+              <a:rPr lang="zh-CN" altLang="en-US" sz="1200">
+                <a:sym typeface="+mn-ea"/>
+              </a:rPr>
+              <a:t>内存占用最高使用量</a:t>
+            </a:r>
+            <a:r>
+              <a:rPr lang="en-US" altLang="zh-CN" sz="1200">
+                <a:sym typeface="+mn-ea"/>
+              </a:rPr>
+              <a:t>56</a:t>
+            </a:r>
+            <a:r>
+              <a:rPr lang="en-US" altLang="zh-CN" sz="1200">
+                <a:sym typeface="+mn-ea"/>
+              </a:rPr>
+              <a:t>MB</a:t>
+            </a:r>
+            <a:endParaRPr lang="en-US" altLang="zh-CN" sz="1200">
+              <a:sym typeface="+mn-ea"/>
+            </a:endParaRPr>
+          </a:p>
+        </p:txBody>
+      </p:sp>
+      <p:sp>
+        <p:nvSpPr>
+          <p:cNvPr id="12" name="文本框 11"/>
+          <p:cNvSpPr txBox="1"/>
+          <p:nvPr>
+            <p:custDataLst>
+              <p:tags r:id="rId1"/>
+            </p:custDataLst>
+          </p:nvPr>
+        </p:nvSpPr>
+        <p:spPr>
+          <a:xfrm>
+            <a:off x="1804035" y="4212590"/>
+            <a:ext cx="2731135" cy="645160"/>
+          </a:xfrm>
+          <a:prstGeom prst="rect">
+            <a:avLst/>
+          </a:prstGeom>
+          <a:noFill/>
+        </p:spPr>
+        <p:txBody>
+          <a:bodyPr wrap="square" rtlCol="0">
+            <a:spAutoFit/>
+          </a:bodyPr>
+          <a:p>
+            <a:r>
+              <a:rPr lang="zh-CN" altLang="en-US" sz="1200"/>
+              <a:t>动效流畅，画面色调</a:t>
+            </a:r>
+            <a:r>
+              <a:rPr lang="zh-CN" altLang="en-US" sz="1200"/>
+              <a:t>协调</a:t>
+            </a:r>
+            <a:endParaRPr lang="zh-CN" altLang="en-US" sz="1200"/>
+          </a:p>
+          <a:p>
+            <a:r>
+              <a:rPr lang="zh-CN" altLang="en-US" sz="1200"/>
+              <a:t>但在不同的屏幕分辨率下可能会影响字体大小与</a:t>
+            </a:r>
+            <a:r>
+              <a:rPr lang="zh-CN" altLang="en-US" sz="1200"/>
+              <a:t>布局</a:t>
+            </a:r>
+            <a:endParaRPr lang="zh-CN" altLang="en-US" sz="1200"/>
+          </a:p>
+        </p:txBody>
+      </p:sp>
+      <p:sp>
+        <p:nvSpPr>
+          <p:cNvPr id="13" name="文本框 12"/>
+          <p:cNvSpPr txBox="1"/>
+          <p:nvPr>
+            <p:custDataLst>
+              <p:tags r:id="rId2"/>
+            </p:custDataLst>
+          </p:nvPr>
+        </p:nvSpPr>
+        <p:spPr>
+          <a:xfrm>
+            <a:off x="5734050" y="4339590"/>
+            <a:ext cx="2731135" cy="460375"/>
+          </a:xfrm>
+          <a:prstGeom prst="rect">
+            <a:avLst/>
+          </a:prstGeom>
+          <a:noFill/>
+        </p:spPr>
+        <p:txBody>
+          <a:bodyPr wrap="square" rtlCol="0">
+            <a:spAutoFit/>
+          </a:bodyPr>
+          <a:p>
+            <a:r>
+              <a:rPr lang="en-US" altLang="zh-CN" sz="1200"/>
+              <a:t>HarmonyOS 3.0</a:t>
+            </a:r>
+            <a:r>
+              <a:rPr lang="zh-CN" altLang="en-US" sz="1200"/>
+              <a:t>、</a:t>
+            </a:r>
+            <a:r>
+              <a:rPr lang="en-US" altLang="zh-CN" sz="1200"/>
+              <a:t>MIUI 13</a:t>
+            </a:r>
+            <a:r>
+              <a:rPr lang="zh-CN" altLang="en-US" sz="1200"/>
+              <a:t>等系统都正常运行</a:t>
+            </a:r>
+            <a:r>
+              <a:rPr lang="en-US" altLang="zh-CN" sz="1200"/>
+              <a:t> </a:t>
+            </a:r>
+            <a:endParaRPr lang="en-US" altLang="zh-CN" sz="1200"/>
           </a:p>
         </p:txBody>
       </p:sp>
@@ -32353,7 +32592,7 @@
                         <p:par>
                           <p:cTn id="25" fill="hold">
                             <p:stCondLst>
-                              <p:cond delay="1250"/>
+                              <p:cond delay="500"/>
                             </p:stCondLst>
                             <p:childTnLst>
                               <p:par>
@@ -32528,61 +32767,15 @@
 </file>
 
 <file path=ppt/tags/tag1.xml><?xml version="1.0" encoding="utf-8"?>
-<p:tagLst xmlns:a="http://schemas.openxmlformats.org/drawingml/2006/main" xmlns:r="http://schemas.openxmlformats.org/officeDocument/2006/relationships" xmlns:p="http://schemas.openxmlformats.org/presentationml/2006/main">
-  <p:tag name="ISPRING_ULTRA_SCORM_COURSE_ID" val="DC74457A-07F4-47D7-B316-B10990117481"/>
-  <p:tag name="ISPRING_SCORM_ENDPOINT" val="&lt;endpoint&gt;&lt;enable&gt;0&lt;/enable&gt;&lt;lrs&gt;http://&lt;/lrs&gt;&lt;auth&gt;0&lt;/auth&gt;&lt;login&gt;&lt;/login&gt;&lt;password&gt;&lt;/password&gt;&lt;key&gt;&lt;/key&gt;&lt;name&gt;&lt;/name&gt;&lt;email&gt;&lt;/email&gt;&lt;/endpoint&gt;&#10;"/>
-  <p:tag name="ISPRING_SCORM_RATE_SLIDES" val="1"/>
-  <p:tag name="ISPRINGONLINEFOLDERID" val="0"/>
-  <p:tag name="ISPRINGONLINEFOLDERPATH" val="Content List"/>
-  <p:tag name="ISPRINGCLOUDFOLDERID" val="0"/>
-  <p:tag name="ISPRINGCLOUDFOLDERPATH" val="Repository"/>
-  <p:tag name="ISPRING_PLAYERS_CUSTOMIZATION" val="UEsDBBQAAgAIAEOUV0cNwDEewAEAANoDAAAPAAAAbm9uZS9wbGF5ZXIueG1spZJPb9QwEMXPW6nfIfK9dpYKUa0cekDKiaJKC4jbyptME1PHDp4Ju/vtmfzZpFuQQOKQaPIy72fPs/X9sXHJT4hog8/EWqYiAV+E0voqE18+5zd34v799ZVunTlBTGyZCR88iKQELKJtiX2PhupMvBAkQ0XCL4+bI9pM1ETtRqnD4SAPtzLESr1J07X69vBxW9TQmBvrkYwvmLvs5VYkbbQhWjpl4l0qrq9WA/ICZ5F7fIXBdf3KKIvQqDYCgieIatz2bN3Q3838NMErOrWAgkdfDbPvTfH8EMrOAfbaSo9tWyDqCYO20rSx6zufYCwyMTbsGkA0FaB0vhJq9Ko/mPWTM1hPHLzA9ty22zuLNYsjfejeLerubBmyVxNHXYJ0M0wwnGLeOZeDoS5CKZIIPzrLVd5jv85HkK7FuJzn7h0+Wy/xULDGVW4KCvH0gR18JFOUco5ejtHLwdTbh+ITF49TnNsFMgezhKBratzbf86j7/6fOEp4Mp0jcV7B+hKOueW/BA2PQsAz9pqk1sl+tTOVd9ftmxdX40Iadzdl8R1FQiZWwNewNGTUos8w9Zqm1fg5JTTHotXv91JPRC5/AVBLAQIAABQAAgAIAEOUV0cNwDEewAEAANoDAAAPAAAAAAAAAAEAAAAAAAAAAABub25lL3BsYXllci54bWxQSwUGAAAAAAEAAQA9AAAA7QEAAAAA"/>
-  <p:tag name="ISPRING_PRESENTATION_TITLE" val="6"/>
+<p:tagLst xmlns:p="http://schemas.openxmlformats.org/presentationml/2006/main">
+  <p:tag name="KSO_WM_TAG_VERSION" val="1.0"/>
+  <p:tag name="KSO_WM_TEMPLATE_CATEGORY" val="custom"/>
+  <p:tag name="KSO_WM_TEMPLATE_INDEX" val="20184560"/>
 </p:tagLst>
 </file>
 
 <file path=ppt/tags/tag10.xml><?xml version="1.0" encoding="utf-8"?>
-<p:tagLst xmlns:a="http://schemas.openxmlformats.org/drawingml/2006/main" xmlns:r="http://schemas.openxmlformats.org/officeDocument/2006/relationships" xmlns:p="http://schemas.openxmlformats.org/presentationml/2006/main">
-  <p:tag name="KSO_WM_TEMPLATE_CATEGORY" val="custom"/>
-  <p:tag name="KSO_WM_TEMPLATE_INDEX" val="20184560"/>
-  <p:tag name="KSO_WM_TAG_VERSION" val="1.0"/>
-  <p:tag name="KSO_WM_BEAUTIFY_FLAG" val="#wm#"/>
-  <p:tag name="KSO_WM_UNIT_CLEAR" val="1"/>
-  <p:tag name="KSO_WM_UNIT_TYPE" val="l_h_i"/>
-  <p:tag name="KSO_WM_UNIT_INDEX" val="1_3_1"/>
-  <p:tag name="KSO_WM_UNIT_ID" val="custom20184560_9*l_h_i*1_3_1"/>
-  <p:tag name="KSO_WM_UNIT_LAYERLEVEL" val="1_1_1"/>
-  <p:tag name="KSO_WM_DIAGRAM_GROUP_CODE" val="l1-1"/>
-  <p:tag name="KSO_WM_UNIT_FILL_FORE_SCHEMECOLOR_INDEX" val="5"/>
-  <p:tag name="KSO_WM_UNIT_FILL_TYPE" val="1"/>
-  <p:tag name="KSO_WM_UNIT_TEXT_FILL_FORE_SCHEMECOLOR_INDEX" val="14"/>
-  <p:tag name="KSO_WM_UNIT_TEXT_FILL_TYPE" val="1"/>
-  <p:tag name="KSO_WM_UNIT_USESOURCEFORMAT_APPLY" val="1"/>
-</p:tagLst>
-</file>
-
-<file path=ppt/tags/tag11.xml><?xml version="1.0" encoding="utf-8"?>
-<p:tagLst xmlns:a="http://schemas.openxmlformats.org/drawingml/2006/main" xmlns:r="http://schemas.openxmlformats.org/officeDocument/2006/relationships" xmlns:p="http://schemas.openxmlformats.org/presentationml/2006/main">
-  <p:tag name="KSO_WM_TEMPLATE_CATEGORY" val="custom"/>
-  <p:tag name="KSO_WM_TEMPLATE_INDEX" val="20184560"/>
-  <p:tag name="KSO_WM_TAG_VERSION" val="1.0"/>
-  <p:tag name="KSO_WM_BEAUTIFY_FLAG" val="#wm#"/>
-  <p:tag name="KSO_WM_UNIT_CLEAR" val="1"/>
-  <p:tag name="KSO_WM_UNIT_TYPE" val="l_h_i"/>
-  <p:tag name="KSO_WM_UNIT_INDEX" val="1_2_1"/>
-  <p:tag name="KSO_WM_UNIT_ID" val="custom20184560_9*l_h_i*1_2_1"/>
-  <p:tag name="KSO_WM_UNIT_LAYERLEVEL" val="1_1_1"/>
-  <p:tag name="KSO_WM_DIAGRAM_GROUP_CODE" val="l1-1"/>
-  <p:tag name="KSO_WM_UNIT_FILL_FORE_SCHEMECOLOR_INDEX" val="5"/>
-  <p:tag name="KSO_WM_UNIT_FILL_TYPE" val="1"/>
-  <p:tag name="KSO_WM_UNIT_TEXT_FILL_FORE_SCHEMECOLOR_INDEX" val="14"/>
-  <p:tag name="KSO_WM_UNIT_TEXT_FILL_TYPE" val="1"/>
-  <p:tag name="KSO_WM_UNIT_USESOURCEFORMAT_APPLY" val="1"/>
-</p:tagLst>
-</file>
-
-<file path=ppt/tags/tag12.xml><?xml version="1.0" encoding="utf-8"?>
-<p:tagLst xmlns:a="http://schemas.openxmlformats.org/drawingml/2006/main" xmlns:r="http://schemas.openxmlformats.org/officeDocument/2006/relationships" xmlns:p="http://schemas.openxmlformats.org/presentationml/2006/main">
+<p:tagLst xmlns:p="http://schemas.openxmlformats.org/presentationml/2006/main">
   <p:tag name="KSO_WM_TEMPLATE_CATEGORY" val="custom"/>
   <p:tag name="KSO_WM_TEMPLATE_INDEX" val="20184560"/>
   <p:tag name="KSO_WM_TAG_VERSION" val="1.0"/>
@@ -32601,8 +32794,8 @@
 </p:tagLst>
 </file>
 
-<file path=ppt/tags/tag13.xml><?xml version="1.0" encoding="utf-8"?>
-<p:tagLst xmlns:a="http://schemas.openxmlformats.org/drawingml/2006/main" xmlns:r="http://schemas.openxmlformats.org/officeDocument/2006/relationships" xmlns:p="http://schemas.openxmlformats.org/presentationml/2006/main">
+<file path=ppt/tags/tag11.xml><?xml version="1.0" encoding="utf-8"?>
+<p:tagLst xmlns:p="http://schemas.openxmlformats.org/presentationml/2006/main">
   <p:tag name="KSO_WM_TEMPLATE_CATEGORY" val="custom"/>
   <p:tag name="KSO_WM_TEMPLATE_INDEX" val="20184560"/>
   <p:tag name="KSO_WM_TAG_VERSION" val="1.0"/>
@@ -32625,8 +32818,8 @@
 </p:tagLst>
 </file>
 
-<file path=ppt/tags/tag14.xml><?xml version="1.0" encoding="utf-8"?>
-<p:tagLst xmlns:a="http://schemas.openxmlformats.org/drawingml/2006/main" xmlns:r="http://schemas.openxmlformats.org/officeDocument/2006/relationships" xmlns:p="http://schemas.openxmlformats.org/presentationml/2006/main">
+<file path=ppt/tags/tag12.xml><?xml version="1.0" encoding="utf-8"?>
+<p:tagLst xmlns:p="http://schemas.openxmlformats.org/presentationml/2006/main">
   <p:tag name="KSO_WM_TEMPLATE_CATEGORY" val="custom"/>
   <p:tag name="KSO_WM_TEMPLATE_INDEX" val="20184560"/>
   <p:tag name="KSO_WM_TAG_VERSION" val="1.0"/>
@@ -32649,8 +32842,8 @@
 </p:tagLst>
 </file>
 
-<file path=ppt/tags/tag15.xml><?xml version="1.0" encoding="utf-8"?>
-<p:tagLst xmlns:a="http://schemas.openxmlformats.org/drawingml/2006/main" xmlns:r="http://schemas.openxmlformats.org/officeDocument/2006/relationships" xmlns:p="http://schemas.openxmlformats.org/presentationml/2006/main">
+<file path=ppt/tags/tag13.xml><?xml version="1.0" encoding="utf-8"?>
+<p:tagLst xmlns:p="http://schemas.openxmlformats.org/presentationml/2006/main">
   <p:tag name="KSO_WM_TEMPLATE_CATEGORY" val="custom"/>
   <p:tag name="KSO_WM_TEMPLATE_INDEX" val="20184560"/>
   <p:tag name="KSO_WM_TAG_VERSION" val="1.0"/>
@@ -32673,8 +32866,8 @@
 </p:tagLst>
 </file>
 
-<file path=ppt/tags/tag16.xml><?xml version="1.0" encoding="utf-8"?>
-<p:tagLst xmlns:a="http://schemas.openxmlformats.org/drawingml/2006/main" xmlns:r="http://schemas.openxmlformats.org/officeDocument/2006/relationships" xmlns:p="http://schemas.openxmlformats.org/presentationml/2006/main">
+<file path=ppt/tags/tag14.xml><?xml version="1.0" encoding="utf-8"?>
+<p:tagLst xmlns:p="http://schemas.openxmlformats.org/presentationml/2006/main">
   <p:tag name="KSO_WM_TEMPLATE_CATEGORY" val="custom"/>
   <p:tag name="KSO_WM_TEMPLATE_INDEX" val="20184560"/>
   <p:tag name="KSO_WM_TAG_VERSION" val="1.0"/>
@@ -32697,8 +32890,8 @@
 </p:tagLst>
 </file>
 
-<file path=ppt/tags/tag17.xml><?xml version="1.0" encoding="utf-8"?>
-<p:tagLst xmlns:a="http://schemas.openxmlformats.org/drawingml/2006/main" xmlns:r="http://schemas.openxmlformats.org/officeDocument/2006/relationships" xmlns:p="http://schemas.openxmlformats.org/presentationml/2006/main">
+<file path=ppt/tags/tag15.xml><?xml version="1.0" encoding="utf-8"?>
+<p:tagLst xmlns:p="http://schemas.openxmlformats.org/presentationml/2006/main">
   <p:tag name="KSO_WM_TEMPLATE_CATEGORY" val="custom"/>
   <p:tag name="KSO_WM_TEMPLATE_INDEX" val="20184560"/>
   <p:tag name="KSO_WM_TAG_VERSION" val="1.0"/>
@@ -32722,24 +32915,25 @@
 </p:tagLst>
 </file>
 
-<file path=ppt/tags/tag18.xml><?xml version="1.0" encoding="utf-8"?>
-<p:tagLst xmlns:a="http://schemas.openxmlformats.org/drawingml/2006/main" xmlns:r="http://schemas.openxmlformats.org/officeDocument/2006/relationships" xmlns:p="http://schemas.openxmlformats.org/presentationml/2006/main">
+<file path=ppt/tags/tag16.xml><?xml version="1.0" encoding="utf-8"?>
+<p:tagLst xmlns:p="http://schemas.openxmlformats.org/presentationml/2006/main">
+  <p:tag name="KSO_WM_TAG_VERSION" val="1.0"/>
+  <p:tag name="KSO_WM_SLIDE_ITEM_CNT" val="4"/>
+  <p:tag name="KSO_WM_SLIDE_LAYOUT" val="a_l"/>
+  <p:tag name="KSO_WM_SLIDE_LAYOUT_CNT" val="1_1"/>
+  <p:tag name="KSO_WM_SLIDE_TYPE" val="contents"/>
+  <p:tag name="KSO_WM_BEAUTIFY_FLAG" val="#wm#"/>
   <p:tag name="KSO_WM_TEMPLATE_CATEGORY" val="custom"/>
   <p:tag name="KSO_WM_TEMPLATE_INDEX" val="20184560"/>
-  <p:tag name="KSO_WM_TAG_VERSION" val="1.0"/>
-  <p:tag name="KSO_WM_SLIDE_ID" val="custom20184560_12"/>
-  <p:tag name="KSO_WM_SLIDE_INDEX" val="12"/>
-  <p:tag name="KSO_WM_SLIDE_ITEM_CNT" val="2"/>
-  <p:tag name="KSO_WM_SLIDE_LAYOUT" val="a_b_e"/>
-  <p:tag name="KSO_WM_SLIDE_LAYOUT_CNT" val="1_1_1"/>
-  <p:tag name="KSO_WM_SLIDE_TYPE" val="sectionTitle"/>
-  <p:tag name="KSO_WM_BEAUTIFY_FLAG" val="#wm#"/>
-  <p:tag name="KSO_WM_SLIDE_SUBTYPE" val="pureTxt"/>
+  <p:tag name="KSO_WM_SLIDE_ID" val="custom20184560_9"/>
+  <p:tag name="KSO_WM_SLIDE_INDEX" val="9"/>
+  <p:tag name="KSO_WM_DIAGRAM_GROUP_CODE" val="l1-1"/>
+  <p:tag name="KSO_WM_SLIDE_SUBTYPE" val="diag"/>
 </p:tagLst>
 </file>
 
-<file path=ppt/tags/tag19.xml><?xml version="1.0" encoding="utf-8"?>
-<p:tagLst xmlns:a="http://schemas.openxmlformats.org/drawingml/2006/main" xmlns:r="http://schemas.openxmlformats.org/officeDocument/2006/relationships" xmlns:p="http://schemas.openxmlformats.org/presentationml/2006/main">
+<file path=ppt/tags/tag17.xml><?xml version="1.0" encoding="utf-8"?>
+<p:tagLst xmlns:p="http://schemas.openxmlformats.org/presentationml/2006/main">
   <p:tag name="KSO_WM_TEMPLATE_CATEGORY" val="custom"/>
   <p:tag name="KSO_WM_TEMPLATE_INDEX" val="20184560"/>
   <p:tag name="KSO_WM_TAG_VERSION" val="1.0"/>
@@ -32757,16 +32951,8 @@
 </p:tagLst>
 </file>
 
-<file path=ppt/tags/tag2.xml><?xml version="1.0" encoding="utf-8"?>
-<p:tagLst xmlns:a="http://schemas.openxmlformats.org/drawingml/2006/main" xmlns:r="http://schemas.openxmlformats.org/officeDocument/2006/relationships" xmlns:p="http://schemas.openxmlformats.org/presentationml/2006/main">
-  <p:tag name="KSO_WM_TAG_VERSION" val="1.0"/>
-  <p:tag name="KSO_WM_TEMPLATE_CATEGORY" val="custom"/>
-  <p:tag name="KSO_WM_TEMPLATE_INDEX" val="20184560"/>
-</p:tagLst>
-</file>
-
-<file path=ppt/tags/tag20.xml><?xml version="1.0" encoding="utf-8"?>
-<p:tagLst xmlns:a="http://schemas.openxmlformats.org/drawingml/2006/main" xmlns:r="http://schemas.openxmlformats.org/officeDocument/2006/relationships" xmlns:p="http://schemas.openxmlformats.org/presentationml/2006/main">
+<file path=ppt/tags/tag18.xml><?xml version="1.0" encoding="utf-8"?>
+<p:tagLst xmlns:p="http://schemas.openxmlformats.org/presentationml/2006/main">
   <p:tag name="KSO_WM_TEMPLATE_CATEGORY" val="custom"/>
   <p:tag name="KSO_WM_TEMPLATE_INDEX" val="20184560"/>
   <p:tag name="KSO_WM_TAG_VERSION" val="1.0"/>
@@ -32785,8 +32971,8 @@
 </p:tagLst>
 </file>
 
-<file path=ppt/tags/tag21.xml><?xml version="1.0" encoding="utf-8"?>
-<p:tagLst xmlns:a="http://schemas.openxmlformats.org/drawingml/2006/main" xmlns:r="http://schemas.openxmlformats.org/officeDocument/2006/relationships" xmlns:p="http://schemas.openxmlformats.org/presentationml/2006/main">
+<file path=ppt/tags/tag19.xml><?xml version="1.0" encoding="utf-8"?>
+<p:tagLst xmlns:p="http://schemas.openxmlformats.org/presentationml/2006/main">
   <p:tag name="KSO_WM_TEMPLATE_CATEGORY" val="custom"/>
   <p:tag name="KSO_WM_TEMPLATE_INDEX" val="20184560"/>
   <p:tag name="KSO_WM_TAG_VERSION" val="1.0"/>
@@ -32803,8 +32989,16 @@
 </p:tagLst>
 </file>
 
-<file path=ppt/tags/tag22.xml><?xml version="1.0" encoding="utf-8"?>
-<p:tagLst xmlns:a="http://schemas.openxmlformats.org/drawingml/2006/main" xmlns:r="http://schemas.openxmlformats.org/officeDocument/2006/relationships" xmlns:p="http://schemas.openxmlformats.org/presentationml/2006/main">
+<file path=ppt/tags/tag2.xml><?xml version="1.0" encoding="utf-8"?>
+<p:tagLst xmlns:p="http://schemas.openxmlformats.org/presentationml/2006/main">
+  <p:tag name="KSO_WM_TAG_VERSION" val="1.0"/>
+  <p:tag name="KSO_WM_TEMPLATE_CATEGORY" val="custom"/>
+  <p:tag name="KSO_WM_TEMPLATE_INDEX" val="20184560"/>
+</p:tagLst>
+</file>
+
+<file path=ppt/tags/tag20.xml><?xml version="1.0" encoding="utf-8"?>
+<p:tagLst xmlns:p="http://schemas.openxmlformats.org/presentationml/2006/main">
   <p:tag name="KSO_WM_TEMPLATE_CATEGORY" val="custom"/>
   <p:tag name="KSO_WM_TEMPLATE_INDEX" val="20184560"/>
   <p:tag name="KSO_WM_TAG_VERSION" val="1.0"/>
@@ -32819,8 +33013,8 @@
 </p:tagLst>
 </file>
 
-<file path=ppt/tags/tag23.xml><?xml version="1.0" encoding="utf-8"?>
-<p:tagLst xmlns:a="http://schemas.openxmlformats.org/drawingml/2006/main" xmlns:r="http://schemas.openxmlformats.org/officeDocument/2006/relationships" xmlns:p="http://schemas.openxmlformats.org/presentationml/2006/main">
+<file path=ppt/tags/tag21.xml><?xml version="1.0" encoding="utf-8"?>
+<p:tagLst xmlns:p="http://schemas.openxmlformats.org/presentationml/2006/main">
   <p:tag name="KSO_WM_TEMPLATE_CATEGORY" val="custom"/>
   <p:tag name="KSO_WM_TEMPLATE_INDEX" val="20184560"/>
   <p:tag name="KSO_WM_TAG_VERSION" val="1.0"/>
@@ -32838,8 +33032,8 @@
 </p:tagLst>
 </file>
 
-<file path=ppt/tags/tag24.xml><?xml version="1.0" encoding="utf-8"?>
-<p:tagLst xmlns:a="http://schemas.openxmlformats.org/drawingml/2006/main" xmlns:r="http://schemas.openxmlformats.org/officeDocument/2006/relationships" xmlns:p="http://schemas.openxmlformats.org/presentationml/2006/main">
+<file path=ppt/tags/tag22.xml><?xml version="1.0" encoding="utf-8"?>
+<p:tagLst xmlns:p="http://schemas.openxmlformats.org/presentationml/2006/main">
   <p:tag name="KSO_WM_TEMPLATE_CATEGORY" val="custom"/>
   <p:tag name="KSO_WM_TEMPLATE_INDEX" val="20184560"/>
   <p:tag name="KSO_WM_TAG_VERSION" val="1.0"/>
@@ -32858,8 +33052,8 @@
 </p:tagLst>
 </file>
 
-<file path=ppt/tags/tag25.xml><?xml version="1.0" encoding="utf-8"?>
-<p:tagLst xmlns:a="http://schemas.openxmlformats.org/drawingml/2006/main" xmlns:r="http://schemas.openxmlformats.org/officeDocument/2006/relationships" xmlns:p="http://schemas.openxmlformats.org/presentationml/2006/main">
+<file path=ppt/tags/tag23.xml><?xml version="1.0" encoding="utf-8"?>
+<p:tagLst xmlns:p="http://schemas.openxmlformats.org/presentationml/2006/main">
   <p:tag name="KSO_WM_TEMPLATE_CATEGORY" val="custom"/>
   <p:tag name="KSO_WM_TEMPLATE_INDEX" val="20184560"/>
   <p:tag name="KSO_WM_TAG_VERSION" val="1.0"/>
@@ -32876,8 +33070,8 @@
 </p:tagLst>
 </file>
 
-<file path=ppt/tags/tag26.xml><?xml version="1.0" encoding="utf-8"?>
-<p:tagLst xmlns:a="http://schemas.openxmlformats.org/drawingml/2006/main" xmlns:r="http://schemas.openxmlformats.org/officeDocument/2006/relationships" xmlns:p="http://schemas.openxmlformats.org/presentationml/2006/main">
+<file path=ppt/tags/tag24.xml><?xml version="1.0" encoding="utf-8"?>
+<p:tagLst xmlns:p="http://schemas.openxmlformats.org/presentationml/2006/main">
   <p:tag name="KSO_WM_TEMPLATE_CATEGORY" val="custom"/>
   <p:tag name="KSO_WM_TEMPLATE_INDEX" val="20184560"/>
   <p:tag name="KSO_WM_TAG_VERSION" val="1.0"/>
@@ -32892,8 +33086,20 @@
 </p:tagLst>
 </file>
 
+<file path=ppt/tags/tag25.xml><?xml version="1.0" encoding="utf-8"?>
+<p:tagLst xmlns:p="http://schemas.openxmlformats.org/presentationml/2006/main">
+  <p:tag name="KSO_WM_BEAUTIFY_FLAG" val=""/>
+</p:tagLst>
+</file>
+
+<file path=ppt/tags/tag26.xml><?xml version="1.0" encoding="utf-8"?>
+<p:tagLst xmlns:p="http://schemas.openxmlformats.org/presentationml/2006/main">
+  <p:tag name="KSO_WM_BEAUTIFY_FLAG" val=""/>
+</p:tagLst>
+</file>
+
 <file path=ppt/tags/tag27.xml><?xml version="1.0" encoding="utf-8"?>
-<p:tagLst xmlns:a="http://schemas.openxmlformats.org/drawingml/2006/main" xmlns:r="http://schemas.openxmlformats.org/officeDocument/2006/relationships" xmlns:p="http://schemas.openxmlformats.org/presentationml/2006/main">
+<p:tagLst xmlns:p="http://schemas.openxmlformats.org/presentationml/2006/main">
   <p:tag name="KSO_WM_TEMPLATE_CATEGORY" val="custom"/>
   <p:tag name="KSO_WM_TEMPLATE_INDEX" val="20184560"/>
   <p:tag name="KSO_WM_TAG_VERSION" val="1.0"/>
@@ -32912,7 +33118,7 @@
 </file>
 
 <file path=ppt/tags/tag28.xml><?xml version="1.0" encoding="utf-8"?>
-<p:tagLst xmlns:a="http://schemas.openxmlformats.org/drawingml/2006/main" xmlns:r="http://schemas.openxmlformats.org/officeDocument/2006/relationships" xmlns:p="http://schemas.openxmlformats.org/presentationml/2006/main">
+<p:tagLst xmlns:p="http://schemas.openxmlformats.org/presentationml/2006/main">
   <p:tag name="KSO_WM_TEMPLATE_CATEGORY" val="custom"/>
   <p:tag name="KSO_WM_TEMPLATE_INDEX" val="20184560"/>
   <p:tag name="KSO_WM_TAG_VERSION" val="1.0"/>
@@ -32932,7 +33138,7 @@
 </file>
 
 <file path=ppt/tags/tag29.xml><?xml version="1.0" encoding="utf-8"?>
-<p:tagLst xmlns:a="http://schemas.openxmlformats.org/drawingml/2006/main" xmlns:r="http://schemas.openxmlformats.org/officeDocument/2006/relationships" xmlns:p="http://schemas.openxmlformats.org/presentationml/2006/main">
+<p:tagLst xmlns:p="http://schemas.openxmlformats.org/presentationml/2006/main">
   <p:tag name="KSO_WM_TEMPLATE_CATEGORY" val="custom"/>
   <p:tag name="KSO_WM_TEMPLATE_INDEX" val="20184560"/>
   <p:tag name="KSO_WM_TAG_VERSION" val="1.0"/>
@@ -32950,15 +33156,17 @@
 </file>
 
 <file path=ppt/tags/tag3.xml><?xml version="1.0" encoding="utf-8"?>
-<p:tagLst xmlns:a="http://schemas.openxmlformats.org/drawingml/2006/main" xmlns:r="http://schemas.openxmlformats.org/officeDocument/2006/relationships" xmlns:p="http://schemas.openxmlformats.org/presentationml/2006/main">
-  <p:tag name="KSO_WM_TAG_VERSION" val="1.0"/>
+<p:tagLst xmlns:p="http://schemas.openxmlformats.org/presentationml/2006/main">
   <p:tag name="KSO_WM_TEMPLATE_CATEGORY" val="custom"/>
   <p:tag name="KSO_WM_TEMPLATE_INDEX" val="20184560"/>
+  <p:tag name="KSO_WM_TAG_VERSION" val="1.0"/>
+  <p:tag name="KSO_WM_TEMPLATE_THUMBS_INDEX" val="1、11、12、16、22、23"/>
+  <p:tag name="KSO_WM_BEAUTIFY_FLAG" val="#wm#"/>
 </p:tagLst>
 </file>
 
 <file path=ppt/tags/tag30.xml><?xml version="1.0" encoding="utf-8"?>
-<p:tagLst xmlns:a="http://schemas.openxmlformats.org/drawingml/2006/main" xmlns:r="http://schemas.openxmlformats.org/officeDocument/2006/relationships" xmlns:p="http://schemas.openxmlformats.org/presentationml/2006/main">
+<p:tagLst xmlns:p="http://schemas.openxmlformats.org/presentationml/2006/main">
   <p:tag name="KSO_WM_TEMPLATE_CATEGORY" val="custom"/>
   <p:tag name="KSO_WM_TEMPLATE_INDEX" val="20184560"/>
   <p:tag name="KSO_WM_TAG_VERSION" val="1.0"/>
@@ -32974,7 +33182,7 @@
 </file>
 
 <file path=ppt/tags/tag31.xml><?xml version="1.0" encoding="utf-8"?>
-<p:tagLst xmlns:a="http://schemas.openxmlformats.org/drawingml/2006/main" xmlns:r="http://schemas.openxmlformats.org/officeDocument/2006/relationships" xmlns:p="http://schemas.openxmlformats.org/presentationml/2006/main">
+<p:tagLst xmlns:p="http://schemas.openxmlformats.org/presentationml/2006/main">
   <p:tag name="KSO_WM_TEMPLATE_CATEGORY" val="custom"/>
   <p:tag name="KSO_WM_TEMPLATE_INDEX" val="20184560"/>
   <p:tag name="KSO_WM_TAG_VERSION" val="1.0"/>
@@ -32993,7 +33201,7 @@
 </file>
 
 <file path=ppt/tags/tag32.xml><?xml version="1.0" encoding="utf-8"?>
-<p:tagLst xmlns:a="http://schemas.openxmlformats.org/drawingml/2006/main" xmlns:r="http://schemas.openxmlformats.org/officeDocument/2006/relationships" xmlns:p="http://schemas.openxmlformats.org/presentationml/2006/main">
+<p:tagLst xmlns:p="http://schemas.openxmlformats.org/presentationml/2006/main">
   <p:tag name="KSO_WM_TEMPLATE_CATEGORY" val="custom"/>
   <p:tag name="KSO_WM_TEMPLATE_INDEX" val="20184560"/>
   <p:tag name="KSO_WM_TAG_VERSION" val="1.0"/>
@@ -33013,7 +33221,7 @@
 </file>
 
 <file path=ppt/tags/tag33.xml><?xml version="1.0" encoding="utf-8"?>
-<p:tagLst xmlns:a="http://schemas.openxmlformats.org/drawingml/2006/main" xmlns:r="http://schemas.openxmlformats.org/officeDocument/2006/relationships" xmlns:p="http://schemas.openxmlformats.org/presentationml/2006/main">
+<p:tagLst xmlns:p="http://schemas.openxmlformats.org/presentationml/2006/main">
   <p:tag name="KSO_WM_TEMPLATE_CATEGORY" val="custom"/>
   <p:tag name="KSO_WM_TEMPLATE_INDEX" val="20184560"/>
   <p:tag name="KSO_WM_TAG_VERSION" val="1.0"/>
@@ -33031,23 +33239,23 @@
 </file>
 
 <file path=ppt/tags/tag34.xml><?xml version="1.0" encoding="utf-8"?>
-<p:tagLst xmlns:a="http://schemas.openxmlformats.org/drawingml/2006/main" xmlns:r="http://schemas.openxmlformats.org/officeDocument/2006/relationships" xmlns:p="http://schemas.openxmlformats.org/presentationml/2006/main">
+<p:tagLst xmlns:p="http://schemas.openxmlformats.org/presentationml/2006/main">
   <p:tag name="KSO_WM_TEMPLATE_CATEGORY" val="custom"/>
   <p:tag name="KSO_WM_TEMPLATE_INDEX" val="20184560"/>
   <p:tag name="KSO_WM_TAG_VERSION" val="1.0"/>
-  <p:tag name="KSO_WM_SLIDE_ID" val="custom20184560_23"/>
-  <p:tag name="KSO_WM_SLIDE_INDEX" val="23"/>
+  <p:tag name="KSO_WM_SLIDE_ID" val="custom20184560_12"/>
+  <p:tag name="KSO_WM_SLIDE_INDEX" val="12"/>
   <p:tag name="KSO_WM_SLIDE_ITEM_CNT" val="2"/>
-  <p:tag name="KSO_WM_SLIDE_LAYOUT" val="a_f"/>
-  <p:tag name="KSO_WM_SLIDE_LAYOUT_CNT" val="1_1"/>
-  <p:tag name="KSO_WM_SLIDE_TYPE" val="endPage"/>
+  <p:tag name="KSO_WM_SLIDE_LAYOUT" val="a_b_e"/>
+  <p:tag name="KSO_WM_SLIDE_LAYOUT_CNT" val="1_1_1"/>
+  <p:tag name="KSO_WM_SLIDE_TYPE" val="sectionTitle"/>
   <p:tag name="KSO_WM_BEAUTIFY_FLAG" val="#wm#"/>
   <p:tag name="KSO_WM_SLIDE_SUBTYPE" val="pureTxt"/>
 </p:tagLst>
 </file>
 
 <file path=ppt/tags/tag35.xml><?xml version="1.0" encoding="utf-8"?>
-<p:tagLst xmlns:a="http://schemas.openxmlformats.org/drawingml/2006/main" xmlns:r="http://schemas.openxmlformats.org/officeDocument/2006/relationships" xmlns:p="http://schemas.openxmlformats.org/presentationml/2006/main">
+<p:tagLst xmlns:p="http://schemas.openxmlformats.org/presentationml/2006/main">
   <p:tag name="KSO_WM_TEMPLATE_CATEGORY" val="custom"/>
   <p:tag name="KSO_WM_TEMPLATE_INDEX" val="20184560"/>
   <p:tag name="KSO_WM_TAG_VERSION" val="1.0"/>
@@ -33066,7 +33274,7 @@
 </file>
 
 <file path=ppt/tags/tag36.xml><?xml version="1.0" encoding="utf-8"?>
-<p:tagLst xmlns:a="http://schemas.openxmlformats.org/drawingml/2006/main" xmlns:r="http://schemas.openxmlformats.org/officeDocument/2006/relationships" xmlns:p="http://schemas.openxmlformats.org/presentationml/2006/main">
+<p:tagLst xmlns:p="http://schemas.openxmlformats.org/presentationml/2006/main">
   <p:tag name="KSO_WM_TEMPLATE_CATEGORY" val="custom"/>
   <p:tag name="KSO_WM_TEMPLATE_INDEX" val="20184560"/>
   <p:tag name="KSO_WM_TAG_VERSION" val="1.0"/>
@@ -33083,35 +33291,40 @@
 </p:tagLst>
 </file>
 
-<file path=ppt/tags/tag4.xml><?xml version="1.0" encoding="utf-8"?>
-<p:tagLst xmlns:a="http://schemas.openxmlformats.org/drawingml/2006/main" xmlns:r="http://schemas.openxmlformats.org/officeDocument/2006/relationships" xmlns:p="http://schemas.openxmlformats.org/presentationml/2006/main">
+<file path=ppt/tags/tag37.xml><?xml version="1.0" encoding="utf-8"?>
+<p:tagLst xmlns:p="http://schemas.openxmlformats.org/presentationml/2006/main">
   <p:tag name="KSO_WM_TEMPLATE_CATEGORY" val="custom"/>
   <p:tag name="KSO_WM_TEMPLATE_INDEX" val="20184560"/>
   <p:tag name="KSO_WM_TAG_VERSION" val="1.0"/>
-  <p:tag name="KSO_WM_TEMPLATE_THUMBS_INDEX" val="1、11、12、16、22、23"/>
-  <p:tag name="KSO_WM_BEAUTIFY_FLAG" val="#wm#"/>
-</p:tagLst>
-</file>
-
-<file path=ppt/tags/tag5.xml><?xml version="1.0" encoding="utf-8"?>
-<p:tagLst xmlns:a="http://schemas.openxmlformats.org/drawingml/2006/main" xmlns:r="http://schemas.openxmlformats.org/officeDocument/2006/relationships" xmlns:p="http://schemas.openxmlformats.org/presentationml/2006/main">
-  <p:tag name="KSO_WM_TEMPLATE_CATEGORY" val="custom"/>
-  <p:tag name="KSO_WM_TEMPLATE_INDEX" val="20184560"/>
-  <p:tag name="KSO_WM_TAG_VERSION" val="1.0"/>
-  <p:tag name="KSO_WM_SLIDE_ID" val="custom20184560_1"/>
-  <p:tag name="KSO_WM_SLIDE_INDEX" val="1"/>
+  <p:tag name="KSO_WM_SLIDE_ID" val="custom20184560_23"/>
+  <p:tag name="KSO_WM_SLIDE_INDEX" val="23"/>
   <p:tag name="KSO_WM_SLIDE_ITEM_CNT" val="2"/>
-  <p:tag name="KSO_WM_SLIDE_LAYOUT" val="a_b_c"/>
-  <p:tag name="KSO_WM_SLIDE_LAYOUT_CNT" val="1_1_1"/>
-  <p:tag name="KSO_WM_SLIDE_TYPE" val="title"/>
-  <p:tag name="KSO_WM_TEMPLATE_THUMBS_INDEX" val="1、11、12、16、22、23、"/>
+  <p:tag name="KSO_WM_SLIDE_LAYOUT" val="a_f"/>
+  <p:tag name="KSO_WM_SLIDE_LAYOUT_CNT" val="1_1"/>
+  <p:tag name="KSO_WM_SLIDE_TYPE" val="endPage"/>
   <p:tag name="KSO_WM_BEAUTIFY_FLAG" val="#wm#"/>
   <p:tag name="KSO_WM_SLIDE_SUBTYPE" val="pureTxt"/>
 </p:tagLst>
 </file>
 
-<file path=ppt/tags/tag6.xml><?xml version="1.0" encoding="utf-8"?>
-<p:tagLst xmlns:a="http://schemas.openxmlformats.org/drawingml/2006/main" xmlns:r="http://schemas.openxmlformats.org/officeDocument/2006/relationships" xmlns:p="http://schemas.openxmlformats.org/presentationml/2006/main">
+<file path=ppt/tags/tag38.xml><?xml version="1.0" encoding="utf-8"?>
+<p:tagLst xmlns:p="http://schemas.openxmlformats.org/presentationml/2006/main">
+  <p:tag name="ISPRING_ULTRA_SCORM_COURSE_ID" val="DC74457A-07F4-47D7-B316-B10990117481"/>
+  <p:tag name="ISPRING_SCORM_ENDPOINT" val="&lt;endpoint&gt;&lt;enable&gt;0&lt;/enable&gt;&lt;lrs&gt;http://&lt;/lrs&gt;&lt;auth&gt;0&lt;/auth&gt;&lt;login&gt;&lt;/login&gt;&lt;password&gt;&lt;/password&gt;&lt;key&gt;&lt;/key&gt;&lt;name&gt;&lt;/name&gt;&lt;email&gt;&lt;/email&gt;&lt;/endpoint&gt;&#10;"/>
+  <p:tag name="ISPRING_SCORM_RATE_SLIDES" val="1"/>
+  <p:tag name="ISPRINGONLINEFOLDERID" val="0"/>
+  <p:tag name="ISPRINGONLINEFOLDERPATH" val="Content List"/>
+  <p:tag name="ISPRINGCLOUDFOLDERID" val="0"/>
+  <p:tag name="ISPRINGCLOUDFOLDERPATH" val="Repository"/>
+  <p:tag name="ISPRING_PLAYERS_CUSTOMIZATION" val="UEsDBBQAAgAIAEOUV0cNwDEewAEAANoDAAAPAAAAbm9uZS9wbGF5ZXIueG1spZJPb9QwEMXPW6nfIfK9dpYKUa0cekDKiaJKC4jbyptME1PHDp4Ju/vtmfzZpFuQQOKQaPIy72fPs/X9sXHJT4hog8/EWqYiAV+E0voqE18+5zd34v799ZVunTlBTGyZCR88iKQELKJtiX2PhupMvBAkQ0XCL4+bI9pM1ETtRqnD4SAPtzLESr1J07X69vBxW9TQmBvrkYwvmLvs5VYkbbQhWjpl4l0qrq9WA/ICZ5F7fIXBdf3KKIvQqDYCgieIatz2bN3Q3838NMErOrWAgkdfDbPvTfH8EMrOAfbaSo9tWyDqCYO20rSx6zufYCwyMTbsGkA0FaB0vhJq9Ko/mPWTM1hPHLzA9ty22zuLNYsjfejeLerubBmyVxNHXYJ0M0wwnGLeOZeDoS5CKZIIPzrLVd5jv85HkK7FuJzn7h0+Wy/xULDGVW4KCvH0gR18JFOUco5ejtHLwdTbh+ITF49TnNsFMgezhKBratzbf86j7/6fOEp4Mp0jcV7B+hKOueW/BA2PQsAz9pqk1sl+tTOVd9ftmxdX40Iadzdl8R1FQiZWwNewNGTUos8w9Zqm1fg5JTTHotXv91JPRC5/AVBLAQIAABQAAgAIAEOUV0cNwDEewAEAANoDAAAPAAAAAAAAAAEAAAAAAAAAAABub25lL3BsYXllci54bWxQSwUGAAAAAAEAAQA9AAAA7QEAAAAA"/>
+  <p:tag name="ISPRING_PRESENTATION_TITLE" val="6"/>
+  <p:tag name="KSO_WPP_MARK_KEY" val="6b2cb192-d913-4b7a-9826-ba0315f00ff1"/>
+  <p:tag name="COMMONDATA" val="eyJoZGlkIjoiODdkNWU5MGQxMDJhN2U0MGI0MjZlNDc2MzkwYTc0NTcifQ=="/>
+</p:tagLst>
+</file>
+
+<file path=ppt/tags/tag4.xml><?xml version="1.0" encoding="utf-8"?>
+<p:tagLst xmlns:p="http://schemas.openxmlformats.org/presentationml/2006/main">
   <p:tag name="KSO_WM_TEMPLATE_CATEGORY" val="custom"/>
   <p:tag name="KSO_WM_TEMPLATE_INDEX" val="20184560"/>
   <p:tag name="KSO_WM_TAG_VERSION" val="1.0"/>
@@ -33130,8 +33343,8 @@
 </p:tagLst>
 </file>
 
-<file path=ppt/tags/tag7.xml><?xml version="1.0" encoding="utf-8"?>
-<p:tagLst xmlns:a="http://schemas.openxmlformats.org/drawingml/2006/main" xmlns:r="http://schemas.openxmlformats.org/officeDocument/2006/relationships" xmlns:p="http://schemas.openxmlformats.org/presentationml/2006/main">
+<file path=ppt/tags/tag5.xml><?xml version="1.0" encoding="utf-8"?>
+<p:tagLst xmlns:p="http://schemas.openxmlformats.org/presentationml/2006/main">
   <p:tag name="KSO_WM_TEMPLATE_CATEGORY" val="custom"/>
   <p:tag name="KSO_WM_TEMPLATE_INDEX" val="20184560"/>
   <p:tag name="KSO_WM_UNIT_TYPE" val="c"/>
@@ -33148,25 +33361,25 @@
 </p:tagLst>
 </file>
 
-<file path=ppt/tags/tag8.xml><?xml version="1.0" encoding="utf-8"?>
-<p:tagLst xmlns:a="http://schemas.openxmlformats.org/drawingml/2006/main" xmlns:r="http://schemas.openxmlformats.org/officeDocument/2006/relationships" xmlns:p="http://schemas.openxmlformats.org/presentationml/2006/main">
-  <p:tag name="KSO_WM_TAG_VERSION" val="1.0"/>
-  <p:tag name="KSO_WM_SLIDE_ITEM_CNT" val="4"/>
-  <p:tag name="KSO_WM_SLIDE_LAYOUT" val="a_l"/>
-  <p:tag name="KSO_WM_SLIDE_LAYOUT_CNT" val="1_1"/>
-  <p:tag name="KSO_WM_SLIDE_TYPE" val="contents"/>
-  <p:tag name="KSO_WM_BEAUTIFY_FLAG" val="#wm#"/>
+<file path=ppt/tags/tag6.xml><?xml version="1.0" encoding="utf-8"?>
+<p:tagLst xmlns:p="http://schemas.openxmlformats.org/presentationml/2006/main">
   <p:tag name="KSO_WM_TEMPLATE_CATEGORY" val="custom"/>
   <p:tag name="KSO_WM_TEMPLATE_INDEX" val="20184560"/>
-  <p:tag name="KSO_WM_SLIDE_ID" val="custom20184560_9"/>
-  <p:tag name="KSO_WM_SLIDE_INDEX" val="9"/>
-  <p:tag name="KSO_WM_DIAGRAM_GROUP_CODE" val="l1-1"/>
-  <p:tag name="KSO_WM_SLIDE_SUBTYPE" val="diag"/>
+  <p:tag name="KSO_WM_TAG_VERSION" val="1.0"/>
+  <p:tag name="KSO_WM_SLIDE_ID" val="custom20184560_1"/>
+  <p:tag name="KSO_WM_SLIDE_INDEX" val="1"/>
+  <p:tag name="KSO_WM_SLIDE_ITEM_CNT" val="2"/>
+  <p:tag name="KSO_WM_SLIDE_LAYOUT" val="a_b_c"/>
+  <p:tag name="KSO_WM_SLIDE_LAYOUT_CNT" val="1_1_1"/>
+  <p:tag name="KSO_WM_SLIDE_TYPE" val="title"/>
+  <p:tag name="KSO_WM_TEMPLATE_THUMBS_INDEX" val="1、11、12、16、22、23、"/>
+  <p:tag name="KSO_WM_BEAUTIFY_FLAG" val="#wm#"/>
+  <p:tag name="KSO_WM_SLIDE_SUBTYPE" val="pureTxt"/>
 </p:tagLst>
 </file>
 
-<file path=ppt/tags/tag9.xml><?xml version="1.0" encoding="utf-8"?>
-<p:tagLst xmlns:a="http://schemas.openxmlformats.org/drawingml/2006/main" xmlns:r="http://schemas.openxmlformats.org/officeDocument/2006/relationships" xmlns:p="http://schemas.openxmlformats.org/presentationml/2006/main">
+<file path=ppt/tags/tag7.xml><?xml version="1.0" encoding="utf-8"?>
+<p:tagLst xmlns:p="http://schemas.openxmlformats.org/presentationml/2006/main">
   <p:tag name="KSO_WM_TEMPLATE_CATEGORY" val="custom"/>
   <p:tag name="KSO_WM_TEMPLATE_INDEX" val="20184560"/>
   <p:tag name="KSO_WM_TAG_VERSION" val="1.0"/>
@@ -33175,6 +33388,46 @@
   <p:tag name="KSO_WM_UNIT_TYPE" val="l_h_i"/>
   <p:tag name="KSO_WM_UNIT_INDEX" val="1_1_1"/>
   <p:tag name="KSO_WM_UNIT_ID" val="custom20184560_9*l_h_i*1_1_1"/>
+  <p:tag name="KSO_WM_UNIT_LAYERLEVEL" val="1_1_1"/>
+  <p:tag name="KSO_WM_DIAGRAM_GROUP_CODE" val="l1-1"/>
+  <p:tag name="KSO_WM_UNIT_FILL_FORE_SCHEMECOLOR_INDEX" val="5"/>
+  <p:tag name="KSO_WM_UNIT_FILL_TYPE" val="1"/>
+  <p:tag name="KSO_WM_UNIT_TEXT_FILL_FORE_SCHEMECOLOR_INDEX" val="14"/>
+  <p:tag name="KSO_WM_UNIT_TEXT_FILL_TYPE" val="1"/>
+  <p:tag name="KSO_WM_UNIT_USESOURCEFORMAT_APPLY" val="1"/>
+</p:tagLst>
+</file>
+
+<file path=ppt/tags/tag8.xml><?xml version="1.0" encoding="utf-8"?>
+<p:tagLst xmlns:p="http://schemas.openxmlformats.org/presentationml/2006/main">
+  <p:tag name="KSO_WM_TEMPLATE_CATEGORY" val="custom"/>
+  <p:tag name="KSO_WM_TEMPLATE_INDEX" val="20184560"/>
+  <p:tag name="KSO_WM_TAG_VERSION" val="1.0"/>
+  <p:tag name="KSO_WM_BEAUTIFY_FLAG" val="#wm#"/>
+  <p:tag name="KSO_WM_UNIT_CLEAR" val="1"/>
+  <p:tag name="KSO_WM_UNIT_TYPE" val="l_h_i"/>
+  <p:tag name="KSO_WM_UNIT_INDEX" val="1_3_1"/>
+  <p:tag name="KSO_WM_UNIT_ID" val="custom20184560_9*l_h_i*1_3_1"/>
+  <p:tag name="KSO_WM_UNIT_LAYERLEVEL" val="1_1_1"/>
+  <p:tag name="KSO_WM_DIAGRAM_GROUP_CODE" val="l1-1"/>
+  <p:tag name="KSO_WM_UNIT_FILL_FORE_SCHEMECOLOR_INDEX" val="5"/>
+  <p:tag name="KSO_WM_UNIT_FILL_TYPE" val="1"/>
+  <p:tag name="KSO_WM_UNIT_TEXT_FILL_FORE_SCHEMECOLOR_INDEX" val="14"/>
+  <p:tag name="KSO_WM_UNIT_TEXT_FILL_TYPE" val="1"/>
+  <p:tag name="KSO_WM_UNIT_USESOURCEFORMAT_APPLY" val="1"/>
+</p:tagLst>
+</file>
+
+<file path=ppt/tags/tag9.xml><?xml version="1.0" encoding="utf-8"?>
+<p:tagLst xmlns:p="http://schemas.openxmlformats.org/presentationml/2006/main">
+  <p:tag name="KSO_WM_TEMPLATE_CATEGORY" val="custom"/>
+  <p:tag name="KSO_WM_TEMPLATE_INDEX" val="20184560"/>
+  <p:tag name="KSO_WM_TAG_VERSION" val="1.0"/>
+  <p:tag name="KSO_WM_BEAUTIFY_FLAG" val="#wm#"/>
+  <p:tag name="KSO_WM_UNIT_CLEAR" val="1"/>
+  <p:tag name="KSO_WM_UNIT_TYPE" val="l_h_i"/>
+  <p:tag name="KSO_WM_UNIT_INDEX" val="1_2_1"/>
+  <p:tag name="KSO_WM_UNIT_ID" val="custom20184560_9*l_h_i*1_2_1"/>
   <p:tag name="KSO_WM_UNIT_LAYERLEVEL" val="1_1_1"/>
   <p:tag name="KSO_WM_DIAGRAM_GROUP_CODE" val="l1-1"/>
   <p:tag name="KSO_WM_UNIT_FILL_FORE_SCHEMECOLOR_INDEX" val="5"/>
@@ -33410,7 +33663,6 @@
       </a:style>
     </a:spDef>
   </a:objectDefaults>
-  <a:extraClrSchemeLst/>
   <a:extLst>
     <a:ext uri="{05A4C25C-085E-4340-85A3-A5531E510DB2}">
       <thm15:themeFamily xmlns:thm15="http://schemas.microsoft.com/office/thememl/2012/main" name="Office Theme" id="{62F939B6-93AF-4DB8-9C6B-D6C7DFDC589F}" vid="{4A3C46E8-61CC-4603-A589-7422A47A8E4A}"/>
@@ -33610,8 +33862,6 @@
       </a:bgFillStyleLst>
     </a:fmtScheme>
   </a:themeElements>
-  <a:objectDefaults/>
-  <a:extraClrSchemeLst/>
   <a:extLst>
     <a:ext uri="{05A4C25C-085E-4340-85A3-A5531E510DB2}">
       <thm15:themeFamily xmlns:thm15="http://schemas.microsoft.com/office/thememl/2012/main" name="Office Theme" id="{62F939B6-93AF-4DB8-9C6B-D6C7DFDC589F}" vid="{4A3C46E8-61CC-4603-A589-7422A47A8E4A}"/>
@@ -33871,8 +34121,6 @@
       </a:bgFillStyleLst>
     </a:fmtScheme>
   </a:themeElements>
-  <a:objectDefaults/>
-  <a:extraClrSchemeLst/>
   <a:extLst>
     <a:ext uri="{05A4C25C-085E-4340-85A3-A5531E510DB2}">
       <thm15:themeFamily xmlns:thm15="http://schemas.microsoft.com/office/thememl/2012/main" name="Office Theme" id="{62F939B6-93AF-4DB8-9C6B-D6C7DFDC589F}" vid="{4A3C46E8-61CC-4603-A589-7422A47A8E4A}"/>
@@ -34132,8 +34380,6 @@
       </a:bgFillStyleLst>
     </a:fmtScheme>
   </a:themeElements>
-  <a:objectDefaults/>
-  <a:extraClrSchemeLst/>
   <a:extLst>
     <a:ext uri="{05A4C25C-085E-4340-85A3-A5531E510DB2}">
       <thm15:themeFamily xmlns:thm15="http://schemas.microsoft.com/office/thememl/2012/main" name="Office Theme" id="{62F939B6-93AF-4DB8-9C6B-D6C7DFDC589F}" vid="{4A3C46E8-61CC-4603-A589-7422A47A8E4A}"/>
